--- a/investigations/presentation/SAC.pptx
+++ b/investigations/presentation/SAC.pptx
@@ -5,7 +5,7 @@
     <p:sldMasterId id="2147483859" r:id="rId1"/>
   </p:sldMasterIdLst>
   <p:notesMasterIdLst>
-    <p:notesMasterId r:id="rId32"/>
+    <p:notesMasterId r:id="rId35"/>
   </p:notesMasterIdLst>
   <p:sldIdLst>
     <p:sldId id="256" r:id="rId2"/>
@@ -23,21 +23,24 @@
     <p:sldId id="279" r:id="rId14"/>
     <p:sldId id="261" r:id="rId15"/>
     <p:sldId id="262" r:id="rId16"/>
-    <p:sldId id="263" r:id="rId17"/>
-    <p:sldId id="264" r:id="rId18"/>
+    <p:sldId id="288" r:id="rId17"/>
+    <p:sldId id="289" r:id="rId18"/>
     <p:sldId id="278" r:id="rId19"/>
-    <p:sldId id="265" r:id="rId20"/>
-    <p:sldId id="266" r:id="rId21"/>
-    <p:sldId id="267" r:id="rId22"/>
-    <p:sldId id="280" r:id="rId23"/>
-    <p:sldId id="281" r:id="rId24"/>
-    <p:sldId id="282" r:id="rId25"/>
-    <p:sldId id="284" r:id="rId26"/>
-    <p:sldId id="285" r:id="rId27"/>
-    <p:sldId id="286" r:id="rId28"/>
-    <p:sldId id="276" r:id="rId29"/>
-    <p:sldId id="277" r:id="rId30"/>
-    <p:sldId id="268" r:id="rId31"/>
+    <p:sldId id="287" r:id="rId20"/>
+    <p:sldId id="292" r:id="rId21"/>
+    <p:sldId id="291" r:id="rId22"/>
+    <p:sldId id="300" r:id="rId23"/>
+    <p:sldId id="296" r:id="rId24"/>
+    <p:sldId id="297" r:id="rId25"/>
+    <p:sldId id="298" r:id="rId26"/>
+    <p:sldId id="293" r:id="rId27"/>
+    <p:sldId id="294" r:id="rId28"/>
+    <p:sldId id="295" r:id="rId29"/>
+    <p:sldId id="299" r:id="rId30"/>
+    <p:sldId id="286" r:id="rId31"/>
+    <p:sldId id="276" r:id="rId32"/>
+    <p:sldId id="277" r:id="rId33"/>
+    <p:sldId id="268" r:id="rId34"/>
   </p:sldIdLst>
   <p:sldSz cx="12192000" cy="6858000"/>
   <p:notesSz cx="6858000" cy="9144000"/>
@@ -226,7 +229,7 @@
           <a:p>
             <a:fld id="{1AEF5CC7-BF03-CC47-9D99-7644616DAA77}" type="datetimeFigureOut">
               <a:rPr lang="en-US" smtClean="0"/>
-              <a:t>6/6/25</a:t>
+              <a:t>6/27/25</a:t>
             </a:fld>
             <a:endParaRPr lang="en-US"/>
           </a:p>
@@ -499,7 +502,13 @@
   <p:cSld>
     <p:spTree>
       <p:nvGrpSpPr>
-        <p:cNvPr id="1" name=""/>
+        <p:cNvPr id="1" name="">
+          <a:extLst>
+            <a:ext uri="{FF2B5EF4-FFF2-40B4-BE49-F238E27FC236}">
+              <a16:creationId xmlns:a16="http://schemas.microsoft.com/office/drawing/2014/main" id="{A9A3E88A-B853-70C4-C88A-1C5D61392F20}"/>
+            </a:ext>
+          </a:extLst>
+        </p:cNvPr>
         <p:cNvGrpSpPr/>
         <p:nvPr/>
       </p:nvGrpSpPr>
@@ -513,7 +522,13 @@
       </p:grpSpPr>
       <p:sp>
         <p:nvSpPr>
-          <p:cNvPr id="2" name="Slide Image Placeholder 1"/>
+          <p:cNvPr id="2" name="Slide Image Placeholder 1">
+            <a:extLst>
+              <a:ext uri="{FF2B5EF4-FFF2-40B4-BE49-F238E27FC236}">
+                <a16:creationId xmlns:a16="http://schemas.microsoft.com/office/drawing/2014/main" id="{08FACA5D-98DC-5569-5376-0B77E7FC37D5}"/>
+              </a:ext>
+            </a:extLst>
+          </p:cNvPr>
           <p:cNvSpPr>
             <a:spLocks noGrp="1" noRot="1" noChangeAspect="1"/>
           </p:cNvSpPr>
@@ -525,7 +540,13 @@
       </p:sp>
       <p:sp>
         <p:nvSpPr>
-          <p:cNvPr id="3" name="Notes Placeholder 2"/>
+          <p:cNvPr id="3" name="Notes Placeholder 2">
+            <a:extLst>
+              <a:ext uri="{FF2B5EF4-FFF2-40B4-BE49-F238E27FC236}">
+                <a16:creationId xmlns:a16="http://schemas.microsoft.com/office/drawing/2014/main" id="{CC2E00B0-0BED-8295-9AB7-5953E8F05BF6}"/>
+              </a:ext>
+            </a:extLst>
+          </p:cNvPr>
           <p:cNvSpPr>
             <a:spLocks noGrp="1"/>
           </p:cNvSpPr>
@@ -544,7 +565,13 @@
       </p:sp>
       <p:sp>
         <p:nvSpPr>
-          <p:cNvPr id="4" name="Slide Number Placeholder 3"/>
+          <p:cNvPr id="4" name="Slide Number Placeholder 3">
+            <a:extLst>
+              <a:ext uri="{FF2B5EF4-FFF2-40B4-BE49-F238E27FC236}">
+                <a16:creationId xmlns:a16="http://schemas.microsoft.com/office/drawing/2014/main" id="{116F3DD6-908B-4ACE-5ECB-80D475A3E416}"/>
+              </a:ext>
+            </a:extLst>
+          </p:cNvPr>
           <p:cNvSpPr>
             <a:spLocks noGrp="1"/>
           </p:cNvSpPr>
@@ -568,7 +595,7 @@
     </p:spTree>
     <p:extLst>
       <p:ext uri="{BB962C8B-B14F-4D97-AF65-F5344CB8AC3E}">
-        <p14:creationId xmlns:p14="http://schemas.microsoft.com/office/powerpoint/2010/main" val="927270501"/>
+        <p14:creationId xmlns:p14="http://schemas.microsoft.com/office/powerpoint/2010/main" val="3059251413"/>
       </p:ext>
     </p:extLst>
   </p:cSld>
@@ -586,7 +613,7 @@
         <p:cNvPr id="1" name="">
           <a:extLst>
             <a:ext uri="{FF2B5EF4-FFF2-40B4-BE49-F238E27FC236}">
-              <a16:creationId xmlns:a16="http://schemas.microsoft.com/office/drawing/2014/main" id="{7B0F462B-FF34-A7C6-3580-3AE81C03284F}"/>
+              <a16:creationId xmlns:a16="http://schemas.microsoft.com/office/drawing/2014/main" id="{4A4E388D-52F0-68FB-C3E3-6AC831B4F2A3}"/>
             </a:ext>
           </a:extLst>
         </p:cNvPr>
@@ -606,7 +633,7 @@
           <p:cNvPr id="2" name="Slide Image Placeholder 1">
             <a:extLst>
               <a:ext uri="{FF2B5EF4-FFF2-40B4-BE49-F238E27FC236}">
-                <a16:creationId xmlns:a16="http://schemas.microsoft.com/office/drawing/2014/main" id="{4738ADD0-47D4-4DCD-88D5-888743359873}"/>
+                <a16:creationId xmlns:a16="http://schemas.microsoft.com/office/drawing/2014/main" id="{0A03780F-7A34-2909-56FB-4D721A5345D9}"/>
               </a:ext>
             </a:extLst>
           </p:cNvPr>
@@ -624,7 +651,7 @@
           <p:cNvPr id="3" name="Notes Placeholder 2">
             <a:extLst>
               <a:ext uri="{FF2B5EF4-FFF2-40B4-BE49-F238E27FC236}">
-                <a16:creationId xmlns:a16="http://schemas.microsoft.com/office/drawing/2014/main" id="{A7722037-A8C6-BE4B-13F1-1D9C8880364A}"/>
+                <a16:creationId xmlns:a16="http://schemas.microsoft.com/office/drawing/2014/main" id="{F9733E91-2514-BC60-4AC4-916C62CEEF16}"/>
               </a:ext>
             </a:extLst>
           </p:cNvPr>
@@ -649,7 +676,7 @@
           <p:cNvPr id="4" name="Slide Number Placeholder 3">
             <a:extLst>
               <a:ext uri="{FF2B5EF4-FFF2-40B4-BE49-F238E27FC236}">
-                <a16:creationId xmlns:a16="http://schemas.microsoft.com/office/drawing/2014/main" id="{EB8B95D1-B98A-1151-AD07-6BC3ED57F48A}"/>
+                <a16:creationId xmlns:a16="http://schemas.microsoft.com/office/drawing/2014/main" id="{84F82281-ED00-1131-5852-568CC4E108B6}"/>
               </a:ext>
             </a:extLst>
           </p:cNvPr>
@@ -667,7 +694,7 @@
           <a:p>
             <a:fld id="{729FA9E1-7914-0B4B-8703-4645984130C6}" type="slidenum">
               <a:rPr lang="en-US" smtClean="0"/>
-              <a:t>24</a:t>
+              <a:t>17</a:t>
             </a:fld>
             <a:endParaRPr lang="en-US"/>
           </a:p>
@@ -676,7 +703,115 @@
     </p:spTree>
     <p:extLst>
       <p:ext uri="{BB962C8B-B14F-4D97-AF65-F5344CB8AC3E}">
-        <p14:creationId xmlns:p14="http://schemas.microsoft.com/office/powerpoint/2010/main" val="2789412267"/>
+        <p14:creationId xmlns:p14="http://schemas.microsoft.com/office/powerpoint/2010/main" val="763550654"/>
+      </p:ext>
+    </p:extLst>
+  </p:cSld>
+  <p:clrMapOvr>
+    <a:masterClrMapping/>
+  </p:clrMapOvr>
+</p:notes>
+</file>
+
+<file path=ppt/notesSlides/notesSlide3.xml><?xml version="1.0" encoding="utf-8"?>
+<p:notes xmlns:a="http://schemas.openxmlformats.org/drawingml/2006/main" xmlns:r="http://schemas.openxmlformats.org/officeDocument/2006/relationships" xmlns:p="http://schemas.openxmlformats.org/presentationml/2006/main">
+  <p:cSld>
+    <p:spTree>
+      <p:nvGrpSpPr>
+        <p:cNvPr id="1" name="">
+          <a:extLst>
+            <a:ext uri="{FF2B5EF4-FFF2-40B4-BE49-F238E27FC236}">
+              <a16:creationId xmlns:a16="http://schemas.microsoft.com/office/drawing/2014/main" id="{0065486A-7037-4BF2-FA7D-0389A77D295C}"/>
+            </a:ext>
+          </a:extLst>
+        </p:cNvPr>
+        <p:cNvGrpSpPr/>
+        <p:nvPr/>
+      </p:nvGrpSpPr>
+      <p:grpSpPr>
+        <a:xfrm>
+          <a:off x="0" y="0"/>
+          <a:ext cx="0" cy="0"/>
+          <a:chOff x="0" y="0"/>
+          <a:chExt cx="0" cy="0"/>
+        </a:xfrm>
+      </p:grpSpPr>
+      <p:sp>
+        <p:nvSpPr>
+          <p:cNvPr id="2" name="Slide Image Placeholder 1">
+            <a:extLst>
+              <a:ext uri="{FF2B5EF4-FFF2-40B4-BE49-F238E27FC236}">
+                <a16:creationId xmlns:a16="http://schemas.microsoft.com/office/drawing/2014/main" id="{9FA4BCD5-0149-E969-76BB-A8CD1427FA65}"/>
+              </a:ext>
+            </a:extLst>
+          </p:cNvPr>
+          <p:cNvSpPr>
+            <a:spLocks noGrp="1" noRot="1" noChangeAspect="1"/>
+          </p:cNvSpPr>
+          <p:nvPr>
+            <p:ph type="sldImg"/>
+          </p:nvPr>
+        </p:nvSpPr>
+        <p:spPr/>
+      </p:sp>
+      <p:sp>
+        <p:nvSpPr>
+          <p:cNvPr id="3" name="Notes Placeholder 2">
+            <a:extLst>
+              <a:ext uri="{FF2B5EF4-FFF2-40B4-BE49-F238E27FC236}">
+                <a16:creationId xmlns:a16="http://schemas.microsoft.com/office/drawing/2014/main" id="{9615530C-489A-972E-0F84-6263569509A5}"/>
+              </a:ext>
+            </a:extLst>
+          </p:cNvPr>
+          <p:cNvSpPr>
+            <a:spLocks noGrp="1"/>
+          </p:cNvSpPr>
+          <p:nvPr>
+            <p:ph type="body" idx="1"/>
+          </p:nvPr>
+        </p:nvSpPr>
+        <p:spPr/>
+        <p:txBody>
+          <a:bodyPr/>
+          <a:lstStyle/>
+          <a:p>
+            <a:endParaRPr lang="en-US" dirty="0"/>
+          </a:p>
+        </p:txBody>
+      </p:sp>
+      <p:sp>
+        <p:nvSpPr>
+          <p:cNvPr id="4" name="Slide Number Placeholder 3">
+            <a:extLst>
+              <a:ext uri="{FF2B5EF4-FFF2-40B4-BE49-F238E27FC236}">
+                <a16:creationId xmlns:a16="http://schemas.microsoft.com/office/drawing/2014/main" id="{D5174840-6C85-246A-D53C-9121ED4DB62B}"/>
+              </a:ext>
+            </a:extLst>
+          </p:cNvPr>
+          <p:cNvSpPr>
+            <a:spLocks noGrp="1"/>
+          </p:cNvSpPr>
+          <p:nvPr>
+            <p:ph type="sldNum" sz="quarter" idx="5"/>
+          </p:nvPr>
+        </p:nvSpPr>
+        <p:spPr/>
+        <p:txBody>
+          <a:bodyPr/>
+          <a:lstStyle/>
+          <a:p>
+            <a:fld id="{729FA9E1-7914-0B4B-8703-4645984130C6}" type="slidenum">
+              <a:rPr lang="en-US" smtClean="0"/>
+              <a:t>26</a:t>
+            </a:fld>
+            <a:endParaRPr lang="en-US"/>
+          </a:p>
+        </p:txBody>
+      </p:sp>
+    </p:spTree>
+    <p:extLst>
+      <p:ext uri="{BB962C8B-B14F-4D97-AF65-F5344CB8AC3E}">
+        <p14:creationId xmlns:p14="http://schemas.microsoft.com/office/powerpoint/2010/main" val="3903433688"/>
       </p:ext>
     </p:extLst>
   </p:cSld>
@@ -842,7 +977,7 @@
           <a:p>
             <a:fld id="{6444479B-705B-4489-957E-7E8A228BDFA0}" type="datetime1">
               <a:rPr lang="en-US" smtClean="0"/>
-              <a:t>6/6/25</a:t>
+              <a:t>6/27/25</a:t>
             </a:fld>
             <a:endParaRPr lang="en-US"/>
           </a:p>
@@ -1042,7 +1177,7 @@
           <a:p>
             <a:fld id="{C07B66AD-7C08-490A-ADA4-B47E10FB2407}" type="datetime1">
               <a:rPr lang="en-US" smtClean="0"/>
-              <a:t>6/6/25</a:t>
+              <a:t>6/27/25</a:t>
             </a:fld>
             <a:endParaRPr lang="en-US"/>
           </a:p>
@@ -1301,7 +1436,7 @@
           <a:p>
             <a:fld id="{05B95027-4255-49E7-9841-CD21BCC99996}" type="datetime1">
               <a:rPr lang="en-US" smtClean="0"/>
-              <a:t>6/6/25</a:t>
+              <a:t>6/27/25</a:t>
             </a:fld>
             <a:endParaRPr lang="en-US"/>
           </a:p>
@@ -1542,7 +1677,7 @@
           <a:p>
             <a:fld id="{9F89F774-3FA6-43B8-9241-99959C8FD463}" type="datetime1">
               <a:rPr lang="en-US" smtClean="0"/>
-              <a:t>6/6/25</a:t>
+              <a:t>6/27/25</a:t>
             </a:fld>
             <a:endParaRPr lang="en-US"/>
           </a:p>
@@ -1869,7 +2004,7 @@
           <a:p>
             <a:fld id="{F9504452-5DCC-4FE2-A5C9-8A5EF6714D65}" type="datetime1">
               <a:rPr lang="en-US" smtClean="0"/>
-              <a:t>6/6/25</a:t>
+              <a:t>6/27/25</a:t>
             </a:fld>
             <a:endParaRPr lang="en-US"/>
           </a:p>
@@ -2179,7 +2314,7 @@
           <a:p>
             <a:fld id="{E579ABC2-0180-4F3A-A895-A85BC724D472}" type="datetime1">
               <a:rPr lang="en-US" smtClean="0"/>
-              <a:t>6/6/25</a:t>
+              <a:t>6/27/25</a:t>
             </a:fld>
             <a:endParaRPr lang="en-US"/>
           </a:p>
@@ -2597,7 +2732,7 @@
           <a:p>
             <a:fld id="{6AEEA9BA-4E8F-439E-BEA4-91FBA01E3F5F}" type="datetime1">
               <a:rPr lang="en-US" smtClean="0"/>
-              <a:t>6/6/25</a:t>
+              <a:t>6/27/25</a:t>
             </a:fld>
             <a:endParaRPr lang="en-US"/>
           </a:p>
@@ -2739,7 +2874,7 @@
           <a:p>
             <a:fld id="{BE15BF18-0007-481C-AA29-413124BC3EE7}" type="datetime1">
               <a:rPr lang="en-US" smtClean="0"/>
-              <a:t>6/6/25</a:t>
+              <a:t>6/27/25</a:t>
             </a:fld>
             <a:endParaRPr lang="en-US"/>
           </a:p>
@@ -2901,7 +3036,7 @@
           <a:p>
             <a:fld id="{09BE9870-3748-43AD-B547-02A075CB4A1D}" type="datetime1">
               <a:rPr lang="en-US" smtClean="0"/>
-              <a:t>6/6/25</a:t>
+              <a:t>6/27/25</a:t>
             </a:fld>
             <a:endParaRPr lang="en-US"/>
           </a:p>
@@ -3218,7 +3353,7 @@
           <a:p>
             <a:fld id="{558E7897-33C5-4F1A-9307-D068E37F3DC7}" type="datetime1">
               <a:rPr lang="en-US" smtClean="0"/>
-              <a:t>6/6/25</a:t>
+              <a:t>6/27/25</a:t>
             </a:fld>
             <a:endParaRPr lang="en-US"/>
           </a:p>
@@ -3513,7 +3648,7 @@
           <a:p>
             <a:fld id="{82E171BA-CC09-47C8-A6DF-F5C5CB59CEEC}" type="datetime1">
               <a:rPr lang="en-US" smtClean="0"/>
-              <a:t>6/6/25</a:t>
+              <a:t>6/27/25</a:t>
             </a:fld>
             <a:endParaRPr lang="en-US"/>
           </a:p>
@@ -3754,7 +3889,7 @@
           <a:p>
             <a:fld id="{7DA38F49-B3E2-4BF0-BEC7-C30D34ABBB8D}" type="datetime1">
               <a:rPr lang="en-US" smtClean="0"/>
-              <a:t>6/6/25</a:t>
+              <a:t>6/27/25</a:t>
             </a:fld>
             <a:endParaRPr lang="en-US"/>
           </a:p>
@@ -5633,7 +5768,21 @@
           <a:p>
             <a:r>
               <a:rPr lang="en-GB" dirty="0"/>
-              <a:t>SACv1: Provided Custom Implementation</a:t>
+              <a:t>SAC:</a:t>
+            </a:r>
+            <a:br>
+              <a:rPr lang="en-GB" dirty="0"/>
+            </a:br>
+            <a:r>
+              <a:rPr lang="en-GB" dirty="0"/>
+              <a:t>Implementation on</a:t>
+            </a:r>
+            <a:br>
+              <a:rPr lang="en-GB" dirty="0"/>
+            </a:br>
+            <a:r>
+              <a:rPr lang="en-GB" dirty="0"/>
+              <a:t>LunarLanderv2</a:t>
             </a:r>
             <a:endParaRPr lang="en-US" dirty="0"/>
           </a:p>
@@ -6651,7 +6800,13 @@
   <p:cSld>
     <p:spTree>
       <p:nvGrpSpPr>
-        <p:cNvPr id="1" name=""/>
+        <p:cNvPr id="1" name="">
+          <a:extLst>
+            <a:ext uri="{FF2B5EF4-FFF2-40B4-BE49-F238E27FC236}">
+              <a16:creationId xmlns:a16="http://schemas.microsoft.com/office/drawing/2014/main" id="{79A81DC2-9F12-7077-32FA-685F799F516F}"/>
+            </a:ext>
+          </a:extLst>
+        </p:cNvPr>
         <p:cNvGrpSpPr/>
         <p:nvPr/>
       </p:nvGrpSpPr>
@@ -6668,7 +6823,7 @@
           <p:cNvPr id="2" name="Title 1">
             <a:extLst>
               <a:ext uri="{FF2B5EF4-FFF2-40B4-BE49-F238E27FC236}">
-                <a16:creationId xmlns:a16="http://schemas.microsoft.com/office/drawing/2014/main" id="{E83B15D0-87BD-C930-DD55-7833C31278BE}"/>
+                <a16:creationId xmlns:a16="http://schemas.microsoft.com/office/drawing/2014/main" id="{FFFF50FC-2B0F-93E6-1A4D-4B2D34AD48AD}"/>
               </a:ext>
             </a:extLst>
           </p:cNvPr>
@@ -6679,9 +6834,16 @@
             <p:ph type="title"/>
           </p:nvPr>
         </p:nvSpPr>
-        <p:spPr/>
+        <p:spPr>
+          <a:xfrm>
+            <a:off x="650535" y="1052645"/>
+            <a:ext cx="10890929" cy="555078"/>
+          </a:xfrm>
+        </p:spPr>
         <p:txBody>
-          <a:bodyPr/>
+          <a:bodyPr>
+            <a:normAutofit fontScale="90000"/>
+          </a:bodyPr>
           <a:lstStyle/>
           <a:p>
             <a:r>
@@ -6692,88 +6854,18 @@
                 <a:effectLst/>
                 <a:latin typeface="-webkit-standard"/>
               </a:rPr>
-              <a:t>Results Overview -  LunarLanderContinuousv2</a:t>
+              <a:t>Results Overview -  LunarLanderContinuousv2 Online</a:t>
             </a:r>
             <a:endParaRPr lang="en-US" dirty="0"/>
-          </a:p>
-        </p:txBody>
-      </p:sp>
-      <p:sp>
-        <p:nvSpPr>
-          <p:cNvPr id="6" name="TextBox 5">
-            <a:extLst>
-              <a:ext uri="{FF2B5EF4-FFF2-40B4-BE49-F238E27FC236}">
-                <a16:creationId xmlns:a16="http://schemas.microsoft.com/office/drawing/2014/main" id="{5E1808B5-CD61-1780-7647-50CE7117EB48}"/>
-              </a:ext>
-            </a:extLst>
-          </p:cNvPr>
-          <p:cNvSpPr txBox="1"/>
-          <p:nvPr/>
-        </p:nvSpPr>
-        <p:spPr>
-          <a:xfrm>
-            <a:off x="2472264" y="6191695"/>
-            <a:ext cx="1140177" cy="369332"/>
-          </a:xfrm>
-          <a:prstGeom prst="rect">
-            <a:avLst/>
-          </a:prstGeom>
-          <a:noFill/>
-        </p:spPr>
-        <p:txBody>
-          <a:bodyPr wrap="square" rtlCol="0">
-            <a:spAutoFit/>
-          </a:bodyPr>
-          <a:lstStyle/>
-          <a:p>
-            <a:r>
-              <a:rPr lang="en-US" dirty="0"/>
-              <a:t>ONLINE</a:t>
-            </a:r>
-          </a:p>
-        </p:txBody>
-      </p:sp>
-      <p:sp>
-        <p:nvSpPr>
-          <p:cNvPr id="9" name="TextBox 8">
-            <a:extLst>
-              <a:ext uri="{FF2B5EF4-FFF2-40B4-BE49-F238E27FC236}">
-                <a16:creationId xmlns:a16="http://schemas.microsoft.com/office/drawing/2014/main" id="{9F6DEF4C-A73C-792A-0BE8-3101FF04960A}"/>
-              </a:ext>
-            </a:extLst>
-          </p:cNvPr>
-          <p:cNvSpPr txBox="1"/>
-          <p:nvPr/>
-        </p:nvSpPr>
-        <p:spPr>
-          <a:xfrm>
-            <a:off x="7929786" y="6201123"/>
-            <a:ext cx="1140177" cy="369332"/>
-          </a:xfrm>
-          <a:prstGeom prst="rect">
-            <a:avLst/>
-          </a:prstGeom>
-          <a:noFill/>
-        </p:spPr>
-        <p:txBody>
-          <a:bodyPr wrap="square" rtlCol="0">
-            <a:spAutoFit/>
-          </a:bodyPr>
-          <a:lstStyle/>
-          <a:p>
-            <a:r>
-              <a:rPr lang="en-US" dirty="0"/>
-              <a:t>OFFLINE</a:t>
-            </a:r>
           </a:p>
         </p:txBody>
       </p:sp>
       <p:pic>
         <p:nvPicPr>
-          <p:cNvPr id="4" name="Picture 3" descr="A graph of a graph&#10;&#10;Description automatically generated">
-            <a:extLst>
-              <a:ext uri="{FF2B5EF4-FFF2-40B4-BE49-F238E27FC236}">
-                <a16:creationId xmlns:a16="http://schemas.microsoft.com/office/drawing/2014/main" id="{8F9942E5-8522-C93F-5C1E-C6580D6BFB1D}"/>
+          <p:cNvPr id="4" name="Picture 3" descr="A graph showing a number of different colored lines&#10;&#10;Description automatically generated">
+            <a:extLst>
+              <a:ext uri="{FF2B5EF4-FFF2-40B4-BE49-F238E27FC236}">
+                <a16:creationId xmlns:a16="http://schemas.microsoft.com/office/drawing/2014/main" id="{E45E7541-0517-48E0-DC7A-DA5EB8964640}"/>
               </a:ext>
             </a:extLst>
           </p:cNvPr>
@@ -6790,38 +6882,8 @@
         </p:blipFill>
         <p:spPr>
           <a:xfrm>
-            <a:off x="485782" y="2178747"/>
-            <a:ext cx="5350598" cy="4012948"/>
-          </a:xfrm>
-          <a:prstGeom prst="rect">
-            <a:avLst/>
-          </a:prstGeom>
-        </p:spPr>
-      </p:pic>
-      <p:pic>
-        <p:nvPicPr>
-          <p:cNvPr id="11" name="Picture 10">
-            <a:extLst>
-              <a:ext uri="{FF2B5EF4-FFF2-40B4-BE49-F238E27FC236}">
-                <a16:creationId xmlns:a16="http://schemas.microsoft.com/office/drawing/2014/main" id="{283F01C3-6E32-5378-3B55-543872784F76}"/>
-              </a:ext>
-            </a:extLst>
-          </p:cNvPr>
-          <p:cNvPicPr>
-            <a:picLocks noChangeAspect="1"/>
-          </p:cNvPicPr>
-          <p:nvPr/>
-        </p:nvPicPr>
-        <p:blipFill>
-          <a:blip r:embed="rId4"/>
-          <a:stretch>
-            <a:fillRect/>
-          </a:stretch>
-        </p:blipFill>
-        <p:spPr>
-          <a:xfrm>
-            <a:off x="5836380" y="2315377"/>
-            <a:ext cx="5666493" cy="3724178"/>
+            <a:off x="1335658" y="1740182"/>
+            <a:ext cx="8773402" cy="5117818"/>
           </a:xfrm>
           <a:prstGeom prst="rect">
             <a:avLst/>
@@ -6831,7 +6893,7 @@
     </p:spTree>
     <p:extLst>
       <p:ext uri="{BB962C8B-B14F-4D97-AF65-F5344CB8AC3E}">
-        <p14:creationId xmlns:p14="http://schemas.microsoft.com/office/powerpoint/2010/main" val="2372270496"/>
+        <p14:creationId xmlns:p14="http://schemas.microsoft.com/office/powerpoint/2010/main" val="442873021"/>
       </p:ext>
     </p:extLst>
   </p:cSld>
@@ -6849,7 +6911,7 @@
         <p:cNvPr id="1" name="">
           <a:extLst>
             <a:ext uri="{FF2B5EF4-FFF2-40B4-BE49-F238E27FC236}">
-              <a16:creationId xmlns:a16="http://schemas.microsoft.com/office/drawing/2014/main" id="{97411ADE-F3A0-1E4B-66ED-E70B9125EABB}"/>
+              <a16:creationId xmlns:a16="http://schemas.microsoft.com/office/drawing/2014/main" id="{C723E7CD-F48A-9E6A-64CB-B266C9D409C0}"/>
             </a:ext>
           </a:extLst>
         </p:cNvPr>
@@ -6869,7 +6931,7 @@
           <p:cNvPr id="2" name="Title 1">
             <a:extLst>
               <a:ext uri="{FF2B5EF4-FFF2-40B4-BE49-F238E27FC236}">
-                <a16:creationId xmlns:a16="http://schemas.microsoft.com/office/drawing/2014/main" id="{F1297408-EC8D-16A5-C425-323EDF0ECC8F}"/>
+                <a16:creationId xmlns:a16="http://schemas.microsoft.com/office/drawing/2014/main" id="{98E0F5E1-EC3C-75A6-34EF-E5F44F63BB65}"/>
               </a:ext>
             </a:extLst>
           </p:cNvPr>
@@ -6880,9 +6942,16 @@
             <p:ph type="title"/>
           </p:nvPr>
         </p:nvSpPr>
-        <p:spPr/>
+        <p:spPr>
+          <a:xfrm>
+            <a:off x="650535" y="1052645"/>
+            <a:ext cx="10890929" cy="555078"/>
+          </a:xfrm>
+        </p:spPr>
         <p:txBody>
-          <a:bodyPr/>
+          <a:bodyPr>
+            <a:normAutofit fontScale="90000"/>
+          </a:bodyPr>
           <a:lstStyle/>
           <a:p>
             <a:r>
@@ -6893,118 +6962,18 @@
                 <a:effectLst/>
                 <a:latin typeface="-webkit-standard"/>
               </a:rPr>
-              <a:t>Results Overview -  Pendulum V1</a:t>
+              <a:t>Results Overview -  LunarLanderContinuousv2 Offline</a:t>
             </a:r>
             <a:endParaRPr lang="en-US" dirty="0"/>
-          </a:p>
-        </p:txBody>
-      </p:sp>
-      <p:sp>
-        <p:nvSpPr>
-          <p:cNvPr id="6" name="TextBox 5">
-            <a:extLst>
-              <a:ext uri="{FF2B5EF4-FFF2-40B4-BE49-F238E27FC236}">
-                <a16:creationId xmlns:a16="http://schemas.microsoft.com/office/drawing/2014/main" id="{32B83FA1-DF76-0D66-14D3-1C239576BCF3}"/>
-              </a:ext>
-            </a:extLst>
-          </p:cNvPr>
-          <p:cNvSpPr txBox="1"/>
-          <p:nvPr/>
-        </p:nvSpPr>
-        <p:spPr>
-          <a:xfrm>
-            <a:off x="2472267" y="6206023"/>
-            <a:ext cx="1140177" cy="369332"/>
-          </a:xfrm>
-          <a:prstGeom prst="rect">
-            <a:avLst/>
-          </a:prstGeom>
-          <a:noFill/>
-        </p:spPr>
-        <p:txBody>
-          <a:bodyPr wrap="square" rtlCol="0">
-            <a:spAutoFit/>
-          </a:bodyPr>
-          <a:lstStyle/>
-          <a:p>
-            <a:r>
-              <a:rPr lang="en-US" dirty="0"/>
-              <a:t>ONLINE</a:t>
-            </a:r>
-          </a:p>
-        </p:txBody>
-      </p:sp>
-      <p:sp>
-        <p:nvSpPr>
-          <p:cNvPr id="9" name="TextBox 8">
-            <a:extLst>
-              <a:ext uri="{FF2B5EF4-FFF2-40B4-BE49-F238E27FC236}">
-                <a16:creationId xmlns:a16="http://schemas.microsoft.com/office/drawing/2014/main" id="{2A32C72A-363F-EF6B-4194-69669A7A9B27}"/>
-              </a:ext>
-            </a:extLst>
-          </p:cNvPr>
-          <p:cNvSpPr txBox="1"/>
-          <p:nvPr/>
-        </p:nvSpPr>
-        <p:spPr>
-          <a:xfrm>
-            <a:off x="8082656" y="6206023"/>
-            <a:ext cx="1140177" cy="369332"/>
-          </a:xfrm>
-          <a:prstGeom prst="rect">
-            <a:avLst/>
-          </a:prstGeom>
-          <a:noFill/>
-        </p:spPr>
-        <p:txBody>
-          <a:bodyPr wrap="square" rtlCol="0">
-            <a:spAutoFit/>
-          </a:bodyPr>
-          <a:lstStyle/>
-          <a:p>
-            <a:r>
-              <a:rPr lang="en-US" dirty="0"/>
-              <a:t>OFFLINE</a:t>
-            </a:r>
           </a:p>
         </p:txBody>
       </p:sp>
       <p:pic>
         <p:nvPicPr>
-          <p:cNvPr id="10" name="Picture 9" descr="A graph of a graph showing the growth of a number of people&#10;&#10;Description automatically generated with medium confidence">
-            <a:extLst>
-              <a:ext uri="{FF2B5EF4-FFF2-40B4-BE49-F238E27FC236}">
-                <a16:creationId xmlns:a16="http://schemas.microsoft.com/office/drawing/2014/main" id="{060DF116-5852-8667-36B0-310472F3FC1A}"/>
-              </a:ext>
-            </a:extLst>
-          </p:cNvPr>
-          <p:cNvPicPr>
-            <a:picLocks noChangeAspect="1"/>
-          </p:cNvPicPr>
-          <p:nvPr/>
-        </p:nvPicPr>
-        <p:blipFill>
-          <a:blip r:embed="rId2"/>
-          <a:stretch>
-            <a:fillRect/>
-          </a:stretch>
-        </p:blipFill>
-        <p:spPr>
-          <a:xfrm>
-            <a:off x="640079" y="2170941"/>
-            <a:ext cx="5380108" cy="4035081"/>
-          </a:xfrm>
-          <a:prstGeom prst="rect">
-            <a:avLst/>
-          </a:prstGeom>
-        </p:spPr>
-      </p:pic>
-      <p:pic>
-        <p:nvPicPr>
-          <p:cNvPr id="11" name="Picture 10">
-            <a:extLst>
-              <a:ext uri="{FF2B5EF4-FFF2-40B4-BE49-F238E27FC236}">
-                <a16:creationId xmlns:a16="http://schemas.microsoft.com/office/drawing/2014/main" id="{1257AC68-E65B-5C30-C810-89C757A5B217}"/>
+          <p:cNvPr id="5" name="Picture 4" descr="A graph showing different colored lines&#10;&#10;Description automatically generated">
+            <a:extLst>
+              <a:ext uri="{FF2B5EF4-FFF2-40B4-BE49-F238E27FC236}">
+                <a16:creationId xmlns:a16="http://schemas.microsoft.com/office/drawing/2014/main" id="{6D37FD82-59CE-1C6B-C0B7-4839B71B28DB}"/>
               </a:ext>
             </a:extLst>
           </p:cNvPr>
@@ -7021,8 +6990,8 @@
         </p:blipFill>
         <p:spPr>
           <a:xfrm>
-            <a:off x="6020187" y="2363731"/>
-            <a:ext cx="5222985" cy="3649499"/>
+            <a:off x="1223059" y="1607723"/>
+            <a:ext cx="9000475" cy="5250277"/>
           </a:xfrm>
           <a:prstGeom prst="rect">
             <a:avLst/>
@@ -7032,7 +7001,7 @@
     </p:spTree>
     <p:extLst>
       <p:ext uri="{BB962C8B-B14F-4D97-AF65-F5344CB8AC3E}">
-        <p14:creationId xmlns:p14="http://schemas.microsoft.com/office/powerpoint/2010/main" val="903695998"/>
+        <p14:creationId xmlns:p14="http://schemas.microsoft.com/office/powerpoint/2010/main" val="2950324425"/>
       </p:ext>
     </p:extLst>
   </p:cSld>
@@ -7081,9 +7050,16 @@
             <p:ph type="title"/>
           </p:nvPr>
         </p:nvSpPr>
-        <p:spPr/>
+        <p:spPr>
+          <a:xfrm>
+            <a:off x="650535" y="1140107"/>
+            <a:ext cx="10890929" cy="639500"/>
+          </a:xfrm>
+        </p:spPr>
         <p:txBody>
-          <a:bodyPr/>
+          <a:bodyPr>
+            <a:normAutofit fontScale="90000"/>
+          </a:bodyPr>
           <a:lstStyle/>
           <a:p>
             <a:r>
@@ -7103,91 +7079,18 @@
                 </a:solidFill>
                 <a:latin typeface="-webkit-standard"/>
               </a:rPr>
-              <a:t>Lunar &amp; Pendulum</a:t>
-            </a:r>
-            <a:endParaRPr lang="en-US" dirty="0"/>
-          </a:p>
-        </p:txBody>
-      </p:sp>
-      <p:sp>
-        <p:nvSpPr>
-          <p:cNvPr id="6" name="TextBox 5">
-            <a:extLst>
-              <a:ext uri="{FF2B5EF4-FFF2-40B4-BE49-F238E27FC236}">
-                <a16:creationId xmlns:a16="http://schemas.microsoft.com/office/drawing/2014/main" id="{BD4A13B6-D46A-D830-44DB-A0227B39F60F}"/>
-              </a:ext>
-            </a:extLst>
-          </p:cNvPr>
-          <p:cNvSpPr txBox="1"/>
-          <p:nvPr/>
-        </p:nvSpPr>
-        <p:spPr>
-          <a:xfrm>
-            <a:off x="1911934" y="5841913"/>
-            <a:ext cx="2562577" cy="369332"/>
-          </a:xfrm>
-          <a:prstGeom prst="rect">
-            <a:avLst/>
-          </a:prstGeom>
-          <a:noFill/>
-        </p:spPr>
-        <p:txBody>
-          <a:bodyPr wrap="square" rtlCol="0">
-            <a:spAutoFit/>
-          </a:bodyPr>
-          <a:lstStyle/>
-          <a:p>
-            <a:r>
-              <a:rPr lang="en-US" dirty="0"/>
-              <a:t>Lunar- Online v Offline</a:t>
-            </a:r>
-          </a:p>
-        </p:txBody>
-      </p:sp>
-      <p:sp>
-        <p:nvSpPr>
-          <p:cNvPr id="9" name="TextBox 8">
-            <a:extLst>
-              <a:ext uri="{FF2B5EF4-FFF2-40B4-BE49-F238E27FC236}">
-                <a16:creationId xmlns:a16="http://schemas.microsoft.com/office/drawing/2014/main" id="{C7507907-2512-9C97-438E-82F917835E2A}"/>
-              </a:ext>
-            </a:extLst>
-          </p:cNvPr>
-          <p:cNvSpPr txBox="1"/>
-          <p:nvPr/>
-        </p:nvSpPr>
-        <p:spPr>
-          <a:xfrm>
-            <a:off x="7981244" y="5841913"/>
-            <a:ext cx="3409055" cy="646331"/>
-          </a:xfrm>
-          <a:prstGeom prst="rect">
-            <a:avLst/>
-          </a:prstGeom>
-          <a:noFill/>
-        </p:spPr>
-        <p:txBody>
-          <a:bodyPr wrap="square" rtlCol="0">
-            <a:spAutoFit/>
-          </a:bodyPr>
-          <a:lstStyle/>
-          <a:p>
-            <a:r>
-              <a:rPr lang="en-US" dirty="0"/>
-              <a:t>Pendulum- Online v Offline</a:t>
-            </a:r>
-          </a:p>
-          <a:p>
+              <a:t>Lunar Online vs Offline</a:t>
+            </a:r>
             <a:endParaRPr lang="en-US" dirty="0"/>
           </a:p>
         </p:txBody>
       </p:sp>
       <p:pic>
         <p:nvPicPr>
-          <p:cNvPr id="4" name="Picture 3" descr="A graph with blue lines and numbers&#10;&#10;Description automatically generated">
-            <a:extLst>
-              <a:ext uri="{FF2B5EF4-FFF2-40B4-BE49-F238E27FC236}">
-                <a16:creationId xmlns:a16="http://schemas.microsoft.com/office/drawing/2014/main" id="{064B3732-B11A-70FF-20E1-619045EBE594}"/>
+          <p:cNvPr id="4" name="Picture 3" descr="A graph of a graph showing a blue line&#10;&#10;Description automatically generated with medium confidence">
+            <a:extLst>
+              <a:ext uri="{FF2B5EF4-FFF2-40B4-BE49-F238E27FC236}">
+                <a16:creationId xmlns:a16="http://schemas.microsoft.com/office/drawing/2014/main" id="{6872F422-B4F7-075C-FD39-B4D54C7F5FD1}"/>
               </a:ext>
             </a:extLst>
           </p:cNvPr>
@@ -7204,38 +7107,8 @@
         </p:blipFill>
         <p:spPr>
           <a:xfrm>
-            <a:off x="194733" y="2589510"/>
-            <a:ext cx="5996980" cy="2998490"/>
-          </a:xfrm>
-          <a:prstGeom prst="rect">
-            <a:avLst/>
-          </a:prstGeom>
-        </p:spPr>
-      </p:pic>
-      <p:pic>
-        <p:nvPicPr>
-          <p:cNvPr id="5" name="Picture 4">
-            <a:extLst>
-              <a:ext uri="{FF2B5EF4-FFF2-40B4-BE49-F238E27FC236}">
-                <a16:creationId xmlns:a16="http://schemas.microsoft.com/office/drawing/2014/main" id="{67841E28-FDF4-1273-C05F-044F2A3C96B9}"/>
-              </a:ext>
-            </a:extLst>
-          </p:cNvPr>
-          <p:cNvPicPr>
-            <a:picLocks noChangeAspect="1"/>
-          </p:cNvPicPr>
-          <p:nvPr/>
-        </p:nvPicPr>
-        <p:blipFill>
-          <a:blip r:embed="rId3"/>
-          <a:stretch>
-            <a:fillRect/>
-          </a:stretch>
-        </p:blipFill>
-        <p:spPr>
-          <a:xfrm>
-            <a:off x="6200985" y="2630184"/>
-            <a:ext cx="5796282" cy="2856215"/>
+            <a:off x="1385102" y="1718842"/>
+            <a:ext cx="8545977" cy="4985153"/>
           </a:xfrm>
           <a:prstGeom prst="rect">
             <a:avLst/>
@@ -7258,9 +7131,23 @@
 <file path=ppt/slides/slide19.xml><?xml version="1.0" encoding="utf-8"?>
 <p:sld xmlns:a="http://schemas.openxmlformats.org/drawingml/2006/main" xmlns:r="http://schemas.openxmlformats.org/officeDocument/2006/relationships" xmlns:p="http://schemas.openxmlformats.org/presentationml/2006/main">
   <p:cSld>
+    <p:bg>
+      <p:bgPr>
+        <a:solidFill>
+          <a:schemeClr val="bg1"/>
+        </a:solidFill>
+        <a:effectLst/>
+      </p:bgPr>
+    </p:bg>
     <p:spTree>
       <p:nvGrpSpPr>
-        <p:cNvPr id="1" name=""/>
+        <p:cNvPr id="1" name="">
+          <a:extLst>
+            <a:ext uri="{FF2B5EF4-FFF2-40B4-BE49-F238E27FC236}">
+              <a16:creationId xmlns:a16="http://schemas.microsoft.com/office/drawing/2014/main" id="{E9B4EE20-2CA9-2B2E-1896-BF718B048925}"/>
+            </a:ext>
+          </a:extLst>
+        </p:cNvPr>
         <p:cNvGrpSpPr/>
         <p:nvPr/>
       </p:nvGrpSpPr>
@@ -7272,12 +7159,88 @@
           <a:chExt cx="0" cy="0"/>
         </a:xfrm>
       </p:grpSpPr>
+      <p:sp useBgFill="1">
+        <p:nvSpPr>
+          <p:cNvPr id="14" name="Rectangle 13">
+            <a:extLst>
+              <a:ext uri="{FF2B5EF4-FFF2-40B4-BE49-F238E27FC236}">
+                <a16:creationId xmlns:a16="http://schemas.microsoft.com/office/drawing/2014/main" id="{744CAA32-F237-419C-A2DD-43C28D920D3C}"/>
+              </a:ext>
+              <a:ext uri="{C183D7F6-B498-43B3-948B-1728B52AA6E4}">
+                <adec:decorative xmlns:adec="http://schemas.microsoft.com/office/drawing/2017/decorative" val="1"/>
+              </a:ext>
+            </a:extLst>
+          </p:cNvPr>
+          <p:cNvSpPr>
+            <a:spLocks noGrp="1" noRot="1" noChangeAspect="1" noMove="1" noResize="1" noEditPoints="1" noAdjustHandles="1" noChangeArrowheads="1" noChangeShapeType="1" noTextEdit="1"/>
+          </p:cNvSpPr>
+          <p:nvPr>
+            <p:extLst>
+              <p:ext uri="{386F3935-93C4-4BCD-93E2-E3B085C9AB24}">
+                <p16:designElem xmlns:p16="http://schemas.microsoft.com/office/powerpoint/2015/main" val="1"/>
+              </p:ext>
+            </p:extLst>
+          </p:nvPr>
+        </p:nvSpPr>
+        <p:spPr>
+          <a:xfrm>
+            <a:off x="0" y="0"/>
+            <a:ext cx="12192000" cy="6858000"/>
+          </a:xfrm>
+          <a:prstGeom prst="rect">
+            <a:avLst/>
+          </a:prstGeom>
+          <a:ln w="12700" cap="flat" cmpd="sng" algn="ctr">
+            <a:noFill/>
+            <a:prstDash val="solid"/>
+            <a:miter lim="800000"/>
+          </a:ln>
+          <a:effectLst/>
+          <a:extLst>
+            <a:ext uri="{91240B29-F687-4F45-9708-019B960494DF}">
+              <a14:hiddenLine xmlns:a14="http://schemas.microsoft.com/office/drawing/2010/main" w="12700" cap="flat" cmpd="sng" algn="ctr">
+                <a:solidFill>
+                  <a:schemeClr val="accent1">
+                    <a:shade val="50000"/>
+                  </a:schemeClr>
+                </a:solidFill>
+                <a:prstDash val="solid"/>
+                <a:miter lim="800000"/>
+              </a14:hiddenLine>
+            </a:ext>
+          </a:extLst>
+        </p:spPr>
+        <p:style>
+          <a:lnRef idx="2">
+            <a:schemeClr val="accent1">
+              <a:shade val="50000"/>
+            </a:schemeClr>
+          </a:lnRef>
+          <a:fillRef idx="1">
+            <a:schemeClr val="accent1"/>
+          </a:fillRef>
+          <a:effectRef idx="0">
+            <a:schemeClr val="accent1"/>
+          </a:effectRef>
+          <a:fontRef idx="minor">
+            <a:schemeClr val="lt1"/>
+          </a:fontRef>
+        </p:style>
+        <p:txBody>
+          <a:bodyPr rtlCol="0" anchor="ctr"/>
+          <a:lstStyle/>
+          <a:p>
+            <a:pPr algn="ctr"/>
+            <a:endParaRPr lang="en-US"/>
+          </a:p>
+        </p:txBody>
+      </p:sp>
       <p:sp>
         <p:nvSpPr>
           <p:cNvPr id="2" name="Title 1">
             <a:extLst>
               <a:ext uri="{FF2B5EF4-FFF2-40B4-BE49-F238E27FC236}">
-                <a16:creationId xmlns:a16="http://schemas.microsoft.com/office/drawing/2014/main" id="{5E912A75-B5DF-E978-2A96-E110C2500A23}"/>
+                <a16:creationId xmlns:a16="http://schemas.microsoft.com/office/drawing/2014/main" id="{1DD6D132-9235-CDAF-1B90-76A0B31DFA27}"/>
               </a:ext>
             </a:extLst>
           </p:cNvPr>
@@ -7290,309 +7253,1267 @@
         </p:nvSpPr>
         <p:spPr>
           <a:xfrm>
-            <a:off x="640078" y="1179690"/>
-            <a:ext cx="10890929" cy="1097280"/>
+            <a:off x="713232" y="1174830"/>
+            <a:ext cx="11208692" cy="642394"/>
           </a:xfrm>
         </p:spPr>
         <p:txBody>
-          <a:bodyPr/>
+          <a:bodyPr vert="horz" lIns="91440" tIns="45720" rIns="91440" bIns="45720" rtlCol="0" anchor="t">
+            <a:normAutofit/>
+          </a:bodyPr>
           <a:lstStyle/>
           <a:p>
-            <a:r>
-              <a:rPr lang="en-US" dirty="0"/>
-              <a:t>Key Challenges</a:t>
+            <a:pPr>
+              <a:lnSpc>
+                <a:spcPct val="90000"/>
+              </a:lnSpc>
+            </a:pPr>
+            <a:r>
+              <a:rPr lang="en-US" sz="3400" i="0" u="none" strike="noStrike" dirty="0">
+                <a:effectLst/>
+              </a:rPr>
+              <a:t>Sample Efficiency-  </a:t>
+            </a:r>
+            <a:r>
+              <a:rPr lang="en-US" sz="3400" dirty="0"/>
+              <a:t>Lunar Online vs Offline</a:t>
             </a:r>
           </a:p>
         </p:txBody>
       </p:sp>
-      <p:sp>
-        <p:nvSpPr>
-          <p:cNvPr id="3" name="Content Placeholder 2">
-            <a:extLst>
-              <a:ext uri="{FF2B5EF4-FFF2-40B4-BE49-F238E27FC236}">
-                <a16:creationId xmlns:a16="http://schemas.microsoft.com/office/drawing/2014/main" id="{E852C7A2-1D23-9EC1-3857-BD9D21A2D9EB}"/>
-              </a:ext>
-            </a:extLst>
-          </p:cNvPr>
-          <p:cNvSpPr>
-            <a:spLocks noGrp="1"/>
-          </p:cNvSpPr>
+      <p:cxnSp>
+        <p:nvCxnSpPr>
+          <p:cNvPr id="15" name="Straight Connector 14">
+            <a:extLst>
+              <a:ext uri="{FF2B5EF4-FFF2-40B4-BE49-F238E27FC236}">
+                <a16:creationId xmlns:a16="http://schemas.microsoft.com/office/drawing/2014/main" id="{753FE100-D0AB-4AE2-824B-60CFA31EC6A2}"/>
+              </a:ext>
+              <a:ext uri="{C183D7F6-B498-43B3-948B-1728B52AA6E4}">
+                <adec:decorative xmlns:adec="http://schemas.microsoft.com/office/drawing/2017/decorative" val="1"/>
+              </a:ext>
+            </a:extLst>
+          </p:cNvPr>
+          <p:cNvCxnSpPr>
+            <a:cxnSpLocks noGrp="1" noRot="1" noChangeAspect="1" noMove="1" noResize="1" noEditPoints="1" noAdjustHandles="1" noChangeArrowheads="1" noChangeShapeType="1"/>
+          </p:cNvCxnSpPr>
           <p:nvPr>
-            <p:ph idx="1"/>
+            <p:extLst>
+              <p:ext uri="{386F3935-93C4-4BCD-93E2-E3B085C9AB24}">
+                <p16:designElem xmlns:p16="http://schemas.microsoft.com/office/powerpoint/2015/main" val="1"/>
+              </p:ext>
+            </p:extLst>
           </p:nvPr>
-        </p:nvSpPr>
+        </p:nvCxnSpPr>
         <p:spPr>
           <a:xfrm>
-            <a:off x="640079" y="2082122"/>
-            <a:ext cx="10890928" cy="4613995"/>
+            <a:off x="713232" y="1031001"/>
+            <a:ext cx="978862" cy="0"/>
           </a:xfrm>
+          <a:prstGeom prst="line">
+            <a:avLst/>
+          </a:prstGeom>
+          <a:ln w="76200"/>
         </p:spPr>
-        <p:txBody>
-          <a:bodyPr>
-            <a:noAutofit/>
-          </a:bodyPr>
-          <a:lstStyle/>
-          <a:p>
-            <a:pPr marL="0" indent="0" algn="l">
-              <a:buNone/>
-            </a:pPr>
-            <a:r>
-              <a:rPr lang="en-GB" sz="1600" b="1" i="0" u="none" strike="noStrike" dirty="0">
-                <a:solidFill>
-                  <a:srgbClr val="000000"/>
-                </a:solidFill>
-                <a:effectLst/>
-              </a:rPr>
-              <a:t>1. </a:t>
-            </a:r>
-            <a:r>
-              <a:rPr lang="en-GB" sz="1600" b="1" i="0" u="none" strike="noStrike" dirty="0" err="1">
-                <a:solidFill>
-                  <a:srgbClr val="000000"/>
-                </a:solidFill>
-                <a:effectLst/>
-              </a:rPr>
-              <a:t>NaNs</a:t>
-            </a:r>
-            <a:r>
-              <a:rPr lang="en-GB" sz="1600" b="1" i="0" u="none" strike="noStrike" dirty="0">
-                <a:solidFill>
-                  <a:srgbClr val="000000"/>
-                </a:solidFill>
-                <a:effectLst/>
-              </a:rPr>
-              <a:t> During Training (Pendulum)</a:t>
-            </a:r>
-          </a:p>
-          <a:p>
-            <a:pPr algn="l"/>
-            <a:r>
-              <a:rPr lang="en-GB" sz="1600" b="0" i="0" u="none" strike="noStrike" dirty="0">
-                <a:solidFill>
-                  <a:srgbClr val="000000"/>
-                </a:solidFill>
-                <a:effectLst/>
-              </a:rPr>
-              <a:t>When we ran SAC on Pendulum, training exploded — the policy outputs and losses became </a:t>
-            </a:r>
-            <a:r>
-              <a:rPr lang="en-GB" sz="1600" b="0" i="0" u="none" strike="noStrike" dirty="0" err="1">
-                <a:solidFill>
-                  <a:srgbClr val="000000"/>
-                </a:solidFill>
-                <a:effectLst/>
-              </a:rPr>
-              <a:t>NaN</a:t>
-            </a:r>
-            <a:r>
-              <a:rPr lang="en-GB" sz="1600" b="0" i="0" u="none" strike="noStrike" dirty="0">
-                <a:solidFill>
-                  <a:srgbClr val="000000"/>
-                </a:solidFill>
-                <a:effectLst/>
-              </a:rPr>
-              <a:t> early on.</a:t>
-            </a:r>
-            <a:br>
-              <a:rPr lang="en-GB" sz="1600" b="0" i="0" u="none" strike="noStrike" dirty="0">
-                <a:solidFill>
-                  <a:srgbClr val="000000"/>
-                </a:solidFill>
-                <a:effectLst/>
-              </a:rPr>
-            </a:br>
-            <a:r>
-              <a:rPr lang="en-GB" sz="1600" b="0" i="0" u="none" strike="noStrike" dirty="0">
-                <a:solidFill>
-                  <a:srgbClr val="000000"/>
-                </a:solidFill>
-                <a:effectLst/>
-              </a:rPr>
-              <a:t>This happened because Pendulum gives small, consistent negative rewards (–16 to 0), making it easy for unstable gradients to blow up.</a:t>
-            </a:r>
-          </a:p>
-          <a:p>
-            <a:pPr marL="0" indent="0" algn="l">
-              <a:buNone/>
-            </a:pPr>
-            <a:r>
-              <a:rPr lang="en-GB" sz="1600" b="1" i="0" u="none" strike="noStrike" dirty="0">
-                <a:solidFill>
-                  <a:srgbClr val="000000"/>
-                </a:solidFill>
-                <a:effectLst/>
-              </a:rPr>
-              <a:t>Fixed</a:t>
-            </a:r>
-            <a:r>
-              <a:rPr lang="en-GB" sz="1600" b="0" i="0" u="none" strike="noStrike" dirty="0">
-                <a:solidFill>
-                  <a:srgbClr val="000000"/>
-                </a:solidFill>
-                <a:effectLst/>
-              </a:rPr>
-              <a:t>:</a:t>
-            </a:r>
-          </a:p>
-          <a:p>
-            <a:pPr algn="l">
-              <a:buFont typeface="Arial" panose="020B0604020202020204" pitchFamily="34" charset="0"/>
-              <a:buChar char="•"/>
-            </a:pPr>
-            <a:r>
-              <a:rPr lang="en-GB" sz="1600" b="0" i="0" u="none" strike="noStrike" dirty="0">
-                <a:solidFill>
-                  <a:srgbClr val="000000"/>
-                </a:solidFill>
-                <a:effectLst/>
-              </a:rPr>
-              <a:t>Added a </a:t>
-            </a:r>
-            <a:r>
-              <a:rPr lang="en-GB" sz="1600" b="1" i="0" u="none" strike="noStrike" dirty="0">
-                <a:solidFill>
-                  <a:srgbClr val="000000"/>
-                </a:solidFill>
-                <a:effectLst/>
-              </a:rPr>
-              <a:t>random warm-up phase</a:t>
-            </a:r>
-            <a:r>
-              <a:rPr lang="en-GB" sz="1600" b="0" i="0" u="none" strike="noStrike" dirty="0">
-                <a:solidFill>
-                  <a:srgbClr val="000000"/>
-                </a:solidFill>
-                <a:effectLst/>
-              </a:rPr>
-              <a:t> (5,000–10,000 steps) before learning started</a:t>
-            </a:r>
-          </a:p>
-          <a:p>
-            <a:pPr algn="l">
-              <a:buFont typeface="Arial" panose="020B0604020202020204" pitchFamily="34" charset="0"/>
-              <a:buChar char="•"/>
-            </a:pPr>
-            <a:r>
-              <a:rPr lang="en-GB" sz="1600" b="1" i="0" u="none" strike="noStrike" dirty="0">
-                <a:solidFill>
-                  <a:srgbClr val="000000"/>
-                </a:solidFill>
-                <a:effectLst/>
-              </a:rPr>
-              <a:t>Clamped</a:t>
-            </a:r>
-            <a:r>
-              <a:rPr lang="en-GB" sz="1600" b="0" i="0" u="none" strike="noStrike" dirty="0">
-                <a:solidFill>
-                  <a:srgbClr val="000000"/>
-                </a:solidFill>
-                <a:effectLst/>
-              </a:rPr>
-              <a:t> log standard deviation (log </a:t>
-            </a:r>
-            <a:r>
-              <a:rPr lang="el-GR" sz="1600" b="0" i="0" u="none" strike="noStrike" dirty="0">
-                <a:solidFill>
-                  <a:srgbClr val="000000"/>
-                </a:solidFill>
-                <a:effectLst/>
-              </a:rPr>
-              <a:t>σ) </a:t>
-            </a:r>
-            <a:r>
-              <a:rPr lang="en-GB" sz="1600" b="0" i="0" u="none" strike="noStrike" dirty="0">
-                <a:solidFill>
-                  <a:srgbClr val="000000"/>
-                </a:solidFill>
-                <a:effectLst/>
-              </a:rPr>
-              <a:t>to stay in a safe range [–20, +2]</a:t>
-            </a:r>
-          </a:p>
-          <a:p>
-            <a:pPr algn="l">
-              <a:buFont typeface="Arial" panose="020B0604020202020204" pitchFamily="34" charset="0"/>
-              <a:buChar char="•"/>
-            </a:pPr>
-            <a:r>
-              <a:rPr lang="en-GB" sz="1600" b="0" i="0" u="none" strike="noStrike" dirty="0">
-                <a:solidFill>
-                  <a:srgbClr val="000000"/>
-                </a:solidFill>
-                <a:effectLst/>
-              </a:rPr>
-              <a:t>Limited </a:t>
-            </a:r>
-            <a:r>
-              <a:rPr lang="el-GR" sz="1600" b="0" i="0" u="none" strike="noStrike" dirty="0">
-                <a:solidFill>
-                  <a:srgbClr val="000000"/>
-                </a:solidFill>
-                <a:effectLst/>
-              </a:rPr>
-              <a:t>σ </a:t>
-            </a:r>
-            <a:r>
-              <a:rPr lang="en-GB" sz="1600" b="0" i="0" u="none" strike="noStrike" dirty="0">
-                <a:solidFill>
-                  <a:srgbClr val="000000"/>
-                </a:solidFill>
-                <a:effectLst/>
-              </a:rPr>
-              <a:t>values themselves to avoid zero or extreme variance</a:t>
-            </a:r>
-          </a:p>
-          <a:p>
-            <a:pPr algn="l">
-              <a:buFont typeface="Arial" panose="020B0604020202020204" pitchFamily="34" charset="0"/>
-              <a:buChar char="•"/>
-            </a:pPr>
-            <a:r>
-              <a:rPr lang="en-GB" sz="1600" b="0" i="0" u="none" strike="noStrike" dirty="0">
-                <a:solidFill>
-                  <a:srgbClr val="000000"/>
-                </a:solidFill>
-                <a:effectLst/>
-              </a:rPr>
-              <a:t>Added </a:t>
-            </a:r>
-            <a:r>
-              <a:rPr lang="en-GB" sz="1600" b="1" i="0" u="none" strike="noStrike" dirty="0">
-                <a:solidFill>
-                  <a:srgbClr val="000000"/>
-                </a:solidFill>
-                <a:effectLst/>
-              </a:rPr>
-              <a:t>gradient clipping</a:t>
-            </a:r>
-            <a:r>
-              <a:rPr lang="en-GB" sz="1600" b="0" i="0" u="none" strike="noStrike" dirty="0">
-                <a:solidFill>
-                  <a:srgbClr val="000000"/>
-                </a:solidFill>
-                <a:effectLst/>
-              </a:rPr>
-              <a:t> to stop huge updates from destabilizing learning</a:t>
-            </a:r>
-          </a:p>
-          <a:p>
-            <a:pPr algn="l"/>
-            <a:r>
-              <a:rPr lang="en-GB" sz="1600" b="0" i="0" u="none" strike="noStrike" dirty="0">
-                <a:solidFill>
-                  <a:srgbClr val="000000"/>
-                </a:solidFill>
-                <a:effectLst/>
-              </a:rPr>
-              <a:t>These tweaks made the training smooth and reproducible.</a:t>
-            </a:r>
-          </a:p>
-        </p:txBody>
-      </p:sp>
+        <p:style>
+          <a:lnRef idx="1">
+            <a:schemeClr val="accent1"/>
+          </a:lnRef>
+          <a:fillRef idx="0">
+            <a:schemeClr val="accent1"/>
+          </a:fillRef>
+          <a:effectRef idx="0">
+            <a:schemeClr val="accent1"/>
+          </a:effectRef>
+          <a:fontRef idx="minor">
+            <a:schemeClr val="tx1"/>
+          </a:fontRef>
+        </p:style>
+      </p:cxnSp>
+      <p:graphicFrame>
+        <p:nvGraphicFramePr>
+          <p:cNvPr id="3" name="Table 2">
+            <a:extLst>
+              <a:ext uri="{FF2B5EF4-FFF2-40B4-BE49-F238E27FC236}">
+                <a16:creationId xmlns:a16="http://schemas.microsoft.com/office/drawing/2014/main" id="{2641F6E1-A54D-A8E1-CEA3-6AC4FFC963E9}"/>
+              </a:ext>
+            </a:extLst>
+          </p:cNvPr>
+          <p:cNvGraphicFramePr>
+            <a:graphicFrameLocks noGrp="1"/>
+          </p:cNvGraphicFramePr>
+          <p:nvPr>
+            <p:extLst>
+              <p:ext uri="{D42A27DB-BD31-4B8C-83A1-F6EECF244321}">
+                <p14:modId xmlns:p14="http://schemas.microsoft.com/office/powerpoint/2010/main" val="2161113515"/>
+              </p:ext>
+            </p:extLst>
+          </p:nvPr>
+        </p:nvGraphicFramePr>
+        <p:xfrm>
+          <a:off x="984148" y="2068768"/>
+          <a:ext cx="9893649" cy="3987648"/>
+        </p:xfrm>
+        <a:graphic>
+          <a:graphicData uri="http://schemas.openxmlformats.org/drawingml/2006/table">
+            <a:tbl>
+              <a:tblPr/>
+              <a:tblGrid>
+                <a:gridCol w="3297883">
+                  <a:extLst>
+                    <a:ext uri="{9D8B030D-6E8A-4147-A177-3AD203B41FA5}">
+                      <a16:colId xmlns:a16="http://schemas.microsoft.com/office/drawing/2014/main" val="1159065571"/>
+                    </a:ext>
+                  </a:extLst>
+                </a:gridCol>
+                <a:gridCol w="3297883">
+                  <a:extLst>
+                    <a:ext uri="{9D8B030D-6E8A-4147-A177-3AD203B41FA5}">
+                      <a16:colId xmlns:a16="http://schemas.microsoft.com/office/drawing/2014/main" val="1645107876"/>
+                    </a:ext>
+                  </a:extLst>
+                </a:gridCol>
+                <a:gridCol w="3297883">
+                  <a:extLst>
+                    <a:ext uri="{9D8B030D-6E8A-4147-A177-3AD203B41FA5}">
+                      <a16:colId xmlns:a16="http://schemas.microsoft.com/office/drawing/2014/main" val="3942544538"/>
+                    </a:ext>
+                  </a:extLst>
+                </a:gridCol>
+              </a:tblGrid>
+              <a:tr h="569664">
+                <a:tc>
+                  <a:txBody>
+                    <a:bodyPr/>
+                    <a:lstStyle/>
+                    <a:p>
+                      <a:r>
+                        <a:rPr lang="en-GB"/>
+                        <a:t>Metric</a:t>
+                      </a:r>
+                    </a:p>
+                  </a:txBody>
+                  <a:tcPr anchor="ctr">
+                    <a:lnL w="12700" cap="flat" cmpd="sng" algn="ctr">
+                      <a:solidFill>
+                        <a:schemeClr val="tx1"/>
+                      </a:solidFill>
+                      <a:prstDash val="solid"/>
+                      <a:round/>
+                      <a:headEnd type="none" w="med" len="med"/>
+                      <a:tailEnd type="none" w="med" len="med"/>
+                    </a:lnL>
+                    <a:lnR w="12700" cap="flat" cmpd="sng" algn="ctr">
+                      <a:solidFill>
+                        <a:schemeClr val="tx1"/>
+                      </a:solidFill>
+                      <a:prstDash val="solid"/>
+                      <a:round/>
+                      <a:headEnd type="none" w="med" len="med"/>
+                      <a:tailEnd type="none" w="med" len="med"/>
+                    </a:lnR>
+                    <a:lnT w="12700" cap="flat" cmpd="sng" algn="ctr">
+                      <a:solidFill>
+                        <a:schemeClr val="tx1"/>
+                      </a:solidFill>
+                      <a:prstDash val="solid"/>
+                      <a:round/>
+                      <a:headEnd type="none" w="med" len="med"/>
+                      <a:tailEnd type="none" w="med" len="med"/>
+                    </a:lnT>
+                    <a:lnB w="12700" cap="flat" cmpd="sng" algn="ctr">
+                      <a:solidFill>
+                        <a:schemeClr val="tx1"/>
+                      </a:solidFill>
+                      <a:prstDash val="solid"/>
+                      <a:round/>
+                      <a:headEnd type="none" w="med" len="med"/>
+                      <a:tailEnd type="none" w="med" len="med"/>
+                    </a:lnB>
+                    <a:noFill/>
+                  </a:tcPr>
+                </a:tc>
+                <a:tc>
+                  <a:txBody>
+                    <a:bodyPr/>
+                    <a:lstStyle/>
+                    <a:p>
+                      <a:r>
+                        <a:rPr lang="en-GB"/>
+                        <a:t>Online SAC</a:t>
+                      </a:r>
+                    </a:p>
+                  </a:txBody>
+                  <a:tcPr anchor="ctr">
+                    <a:lnL w="12700" cap="flat" cmpd="sng" algn="ctr">
+                      <a:solidFill>
+                        <a:schemeClr val="tx1"/>
+                      </a:solidFill>
+                      <a:prstDash val="solid"/>
+                      <a:round/>
+                      <a:headEnd type="none" w="med" len="med"/>
+                      <a:tailEnd type="none" w="med" len="med"/>
+                    </a:lnL>
+                    <a:lnR w="12700" cap="flat" cmpd="sng" algn="ctr">
+                      <a:solidFill>
+                        <a:schemeClr val="tx1"/>
+                      </a:solidFill>
+                      <a:prstDash val="solid"/>
+                      <a:round/>
+                      <a:headEnd type="none" w="med" len="med"/>
+                      <a:tailEnd type="none" w="med" len="med"/>
+                    </a:lnR>
+                    <a:lnT w="12700" cap="flat" cmpd="sng" algn="ctr">
+                      <a:solidFill>
+                        <a:schemeClr val="tx1"/>
+                      </a:solidFill>
+                      <a:prstDash val="solid"/>
+                      <a:round/>
+                      <a:headEnd type="none" w="med" len="med"/>
+                      <a:tailEnd type="none" w="med" len="med"/>
+                    </a:lnT>
+                    <a:lnB w="12700" cap="flat" cmpd="sng" algn="ctr">
+                      <a:solidFill>
+                        <a:schemeClr val="tx1"/>
+                      </a:solidFill>
+                      <a:prstDash val="solid"/>
+                      <a:round/>
+                      <a:headEnd type="none" w="med" len="med"/>
+                      <a:tailEnd type="none" w="med" len="med"/>
+                    </a:lnB>
+                    <a:noFill/>
+                  </a:tcPr>
+                </a:tc>
+                <a:tc>
+                  <a:txBody>
+                    <a:bodyPr/>
+                    <a:lstStyle/>
+                    <a:p>
+                      <a:r>
+                        <a:rPr lang="en-GB"/>
+                        <a:t>Offline SAC</a:t>
+                      </a:r>
+                    </a:p>
+                  </a:txBody>
+                  <a:tcPr anchor="ctr">
+                    <a:lnL w="12700" cap="flat" cmpd="sng" algn="ctr">
+                      <a:solidFill>
+                        <a:schemeClr val="tx1"/>
+                      </a:solidFill>
+                      <a:prstDash val="solid"/>
+                      <a:round/>
+                      <a:headEnd type="none" w="med" len="med"/>
+                      <a:tailEnd type="none" w="med" len="med"/>
+                    </a:lnL>
+                    <a:lnR w="12700" cap="flat" cmpd="sng" algn="ctr">
+                      <a:solidFill>
+                        <a:schemeClr val="tx1"/>
+                      </a:solidFill>
+                      <a:prstDash val="solid"/>
+                      <a:round/>
+                      <a:headEnd type="none" w="med" len="med"/>
+                      <a:tailEnd type="none" w="med" len="med"/>
+                    </a:lnR>
+                    <a:lnT w="12700" cap="flat" cmpd="sng" algn="ctr">
+                      <a:solidFill>
+                        <a:schemeClr val="tx1"/>
+                      </a:solidFill>
+                      <a:prstDash val="solid"/>
+                      <a:round/>
+                      <a:headEnd type="none" w="med" len="med"/>
+                      <a:tailEnd type="none" w="med" len="med"/>
+                    </a:lnT>
+                    <a:lnB w="12700" cap="flat" cmpd="sng" algn="ctr">
+                      <a:solidFill>
+                        <a:schemeClr val="tx1"/>
+                      </a:solidFill>
+                      <a:prstDash val="solid"/>
+                      <a:round/>
+                      <a:headEnd type="none" w="med" len="med"/>
+                      <a:tailEnd type="none" w="med" len="med"/>
+                    </a:lnB>
+                    <a:noFill/>
+                  </a:tcPr>
+                </a:tc>
+                <a:extLst>
+                  <a:ext uri="{0D108BD9-81ED-4DB2-BD59-A6C34878D82A}">
+                    <a16:rowId xmlns:a16="http://schemas.microsoft.com/office/drawing/2014/main" val="3929131100"/>
+                  </a:ext>
+                </a:extLst>
+              </a:tr>
+              <a:tr h="569664">
+                <a:tc>
+                  <a:txBody>
+                    <a:bodyPr/>
+                    <a:lstStyle/>
+                    <a:p>
+                      <a:r>
+                        <a:rPr lang="en-GB" b="1"/>
+                        <a:t>Solved Task (≥200)</a:t>
+                      </a:r>
+                      <a:endParaRPr lang="en-GB"/>
+                    </a:p>
+                  </a:txBody>
+                  <a:tcPr anchor="ctr">
+                    <a:lnL w="12700" cap="flat" cmpd="sng" algn="ctr">
+                      <a:solidFill>
+                        <a:schemeClr val="tx1"/>
+                      </a:solidFill>
+                      <a:prstDash val="solid"/>
+                      <a:round/>
+                      <a:headEnd type="none" w="med" len="med"/>
+                      <a:tailEnd type="none" w="med" len="med"/>
+                    </a:lnL>
+                    <a:lnR w="12700" cap="flat" cmpd="sng" algn="ctr">
+                      <a:solidFill>
+                        <a:schemeClr val="tx1"/>
+                      </a:solidFill>
+                      <a:prstDash val="solid"/>
+                      <a:round/>
+                      <a:headEnd type="none" w="med" len="med"/>
+                      <a:tailEnd type="none" w="med" len="med"/>
+                    </a:lnR>
+                    <a:lnT w="12700" cap="flat" cmpd="sng" algn="ctr">
+                      <a:solidFill>
+                        <a:schemeClr val="tx1"/>
+                      </a:solidFill>
+                      <a:prstDash val="solid"/>
+                      <a:round/>
+                      <a:headEnd type="none" w="med" len="med"/>
+                      <a:tailEnd type="none" w="med" len="med"/>
+                    </a:lnT>
+                    <a:lnB w="12700" cap="flat" cmpd="sng" algn="ctr">
+                      <a:solidFill>
+                        <a:schemeClr val="tx1"/>
+                      </a:solidFill>
+                      <a:prstDash val="solid"/>
+                      <a:round/>
+                      <a:headEnd type="none" w="med" len="med"/>
+                      <a:tailEnd type="none" w="med" len="med"/>
+                    </a:lnB>
+                    <a:noFill/>
+                  </a:tcPr>
+                </a:tc>
+                <a:tc>
+                  <a:txBody>
+                    <a:bodyPr/>
+                    <a:lstStyle/>
+                    <a:p>
+                      <a:r>
+                        <a:rPr lang="en-GB" dirty="0"/>
+                        <a:t> Yes</a:t>
+                      </a:r>
+                    </a:p>
+                  </a:txBody>
+                  <a:tcPr anchor="ctr">
+                    <a:lnL w="12700" cap="flat" cmpd="sng" algn="ctr">
+                      <a:solidFill>
+                        <a:schemeClr val="tx1"/>
+                      </a:solidFill>
+                      <a:prstDash val="solid"/>
+                      <a:round/>
+                      <a:headEnd type="none" w="med" len="med"/>
+                      <a:tailEnd type="none" w="med" len="med"/>
+                    </a:lnL>
+                    <a:lnR w="12700" cap="flat" cmpd="sng" algn="ctr">
+                      <a:solidFill>
+                        <a:schemeClr val="tx1"/>
+                      </a:solidFill>
+                      <a:prstDash val="solid"/>
+                      <a:round/>
+                      <a:headEnd type="none" w="med" len="med"/>
+                      <a:tailEnd type="none" w="med" len="med"/>
+                    </a:lnR>
+                    <a:lnT w="12700" cap="flat" cmpd="sng" algn="ctr">
+                      <a:solidFill>
+                        <a:schemeClr val="tx1"/>
+                      </a:solidFill>
+                      <a:prstDash val="solid"/>
+                      <a:round/>
+                      <a:headEnd type="none" w="med" len="med"/>
+                      <a:tailEnd type="none" w="med" len="med"/>
+                    </a:lnT>
+                    <a:lnB w="12700" cap="flat" cmpd="sng" algn="ctr">
+                      <a:solidFill>
+                        <a:schemeClr val="tx1"/>
+                      </a:solidFill>
+                      <a:prstDash val="solid"/>
+                      <a:round/>
+                      <a:headEnd type="none" w="med" len="med"/>
+                      <a:tailEnd type="none" w="med" len="med"/>
+                    </a:lnB>
+                    <a:noFill/>
+                  </a:tcPr>
+                </a:tc>
+                <a:tc>
+                  <a:txBody>
+                    <a:bodyPr/>
+                    <a:lstStyle/>
+                    <a:p>
+                      <a:r>
+                        <a:rPr lang="en-GB" dirty="0"/>
+                        <a:t> No</a:t>
+                      </a:r>
+                    </a:p>
+                  </a:txBody>
+                  <a:tcPr anchor="ctr">
+                    <a:lnL w="12700" cap="flat" cmpd="sng" algn="ctr">
+                      <a:solidFill>
+                        <a:schemeClr val="tx1"/>
+                      </a:solidFill>
+                      <a:prstDash val="solid"/>
+                      <a:round/>
+                      <a:headEnd type="none" w="med" len="med"/>
+                      <a:tailEnd type="none" w="med" len="med"/>
+                    </a:lnL>
+                    <a:lnR w="12700" cap="flat" cmpd="sng" algn="ctr">
+                      <a:solidFill>
+                        <a:schemeClr val="tx1"/>
+                      </a:solidFill>
+                      <a:prstDash val="solid"/>
+                      <a:round/>
+                      <a:headEnd type="none" w="med" len="med"/>
+                      <a:tailEnd type="none" w="med" len="med"/>
+                    </a:lnR>
+                    <a:lnT w="12700" cap="flat" cmpd="sng" algn="ctr">
+                      <a:solidFill>
+                        <a:schemeClr val="tx1"/>
+                      </a:solidFill>
+                      <a:prstDash val="solid"/>
+                      <a:round/>
+                      <a:headEnd type="none" w="med" len="med"/>
+                      <a:tailEnd type="none" w="med" len="med"/>
+                    </a:lnT>
+                    <a:lnB w="12700" cap="flat" cmpd="sng" algn="ctr">
+                      <a:solidFill>
+                        <a:schemeClr val="tx1"/>
+                      </a:solidFill>
+                      <a:prstDash val="solid"/>
+                      <a:round/>
+                      <a:headEnd type="none" w="med" len="med"/>
+                      <a:tailEnd type="none" w="med" len="med"/>
+                    </a:lnB>
+                    <a:noFill/>
+                  </a:tcPr>
+                </a:tc>
+                <a:extLst>
+                  <a:ext uri="{0D108BD9-81ED-4DB2-BD59-A6C34878D82A}">
+                    <a16:rowId xmlns:a16="http://schemas.microsoft.com/office/drawing/2014/main" val="511302462"/>
+                  </a:ext>
+                </a:extLst>
+              </a:tr>
+              <a:tr h="569664">
+                <a:tc>
+                  <a:txBody>
+                    <a:bodyPr/>
+                    <a:lstStyle/>
+                    <a:p>
+                      <a:r>
+                        <a:rPr lang="en-GB" b="1"/>
+                        <a:t>Success %</a:t>
+                      </a:r>
+                      <a:endParaRPr lang="en-GB"/>
+                    </a:p>
+                  </a:txBody>
+                  <a:tcPr anchor="ctr">
+                    <a:lnL w="12700" cap="flat" cmpd="sng" algn="ctr">
+                      <a:solidFill>
+                        <a:schemeClr val="tx1"/>
+                      </a:solidFill>
+                      <a:prstDash val="solid"/>
+                      <a:round/>
+                      <a:headEnd type="none" w="med" len="med"/>
+                      <a:tailEnd type="none" w="med" len="med"/>
+                    </a:lnL>
+                    <a:lnR w="12700" cap="flat" cmpd="sng" algn="ctr">
+                      <a:solidFill>
+                        <a:schemeClr val="tx1"/>
+                      </a:solidFill>
+                      <a:prstDash val="solid"/>
+                      <a:round/>
+                      <a:headEnd type="none" w="med" len="med"/>
+                      <a:tailEnd type="none" w="med" len="med"/>
+                    </a:lnR>
+                    <a:lnT w="12700" cap="flat" cmpd="sng" algn="ctr">
+                      <a:solidFill>
+                        <a:schemeClr val="tx1"/>
+                      </a:solidFill>
+                      <a:prstDash val="solid"/>
+                      <a:round/>
+                      <a:headEnd type="none" w="med" len="med"/>
+                      <a:tailEnd type="none" w="med" len="med"/>
+                    </a:lnT>
+                    <a:lnB w="12700" cap="flat" cmpd="sng" algn="ctr">
+                      <a:solidFill>
+                        <a:schemeClr val="tx1"/>
+                      </a:solidFill>
+                      <a:prstDash val="solid"/>
+                      <a:round/>
+                      <a:headEnd type="none" w="med" len="med"/>
+                      <a:tailEnd type="none" w="med" len="med"/>
+                    </a:lnB>
+                    <a:noFill/>
+                  </a:tcPr>
+                </a:tc>
+                <a:tc>
+                  <a:txBody>
+                    <a:bodyPr/>
+                    <a:lstStyle/>
+                    <a:p>
+                      <a:r>
+                        <a:rPr lang="en-GB" dirty="0"/>
+                        <a:t>100.0%</a:t>
+                      </a:r>
+                    </a:p>
+                  </a:txBody>
+                  <a:tcPr anchor="ctr">
+                    <a:lnL w="12700" cap="flat" cmpd="sng" algn="ctr">
+                      <a:solidFill>
+                        <a:schemeClr val="tx1"/>
+                      </a:solidFill>
+                      <a:prstDash val="solid"/>
+                      <a:round/>
+                      <a:headEnd type="none" w="med" len="med"/>
+                      <a:tailEnd type="none" w="med" len="med"/>
+                    </a:lnL>
+                    <a:lnR w="12700" cap="flat" cmpd="sng" algn="ctr">
+                      <a:solidFill>
+                        <a:schemeClr val="tx1"/>
+                      </a:solidFill>
+                      <a:prstDash val="solid"/>
+                      <a:round/>
+                      <a:headEnd type="none" w="med" len="med"/>
+                      <a:tailEnd type="none" w="med" len="med"/>
+                    </a:lnR>
+                    <a:lnT w="12700" cap="flat" cmpd="sng" algn="ctr">
+                      <a:solidFill>
+                        <a:schemeClr val="tx1"/>
+                      </a:solidFill>
+                      <a:prstDash val="solid"/>
+                      <a:round/>
+                      <a:headEnd type="none" w="med" len="med"/>
+                      <a:tailEnd type="none" w="med" len="med"/>
+                    </a:lnT>
+                    <a:lnB w="12700" cap="flat" cmpd="sng" algn="ctr">
+                      <a:solidFill>
+                        <a:schemeClr val="tx1"/>
+                      </a:solidFill>
+                      <a:prstDash val="solid"/>
+                      <a:round/>
+                      <a:headEnd type="none" w="med" len="med"/>
+                      <a:tailEnd type="none" w="med" len="med"/>
+                    </a:lnB>
+                    <a:noFill/>
+                  </a:tcPr>
+                </a:tc>
+                <a:tc>
+                  <a:txBody>
+                    <a:bodyPr/>
+                    <a:lstStyle/>
+                    <a:p>
+                      <a:r>
+                        <a:rPr lang="en-GB"/>
+                        <a:t>0.0%</a:t>
+                      </a:r>
+                    </a:p>
+                  </a:txBody>
+                  <a:tcPr anchor="ctr">
+                    <a:lnL w="12700" cap="flat" cmpd="sng" algn="ctr">
+                      <a:solidFill>
+                        <a:schemeClr val="tx1"/>
+                      </a:solidFill>
+                      <a:prstDash val="solid"/>
+                      <a:round/>
+                      <a:headEnd type="none" w="med" len="med"/>
+                      <a:tailEnd type="none" w="med" len="med"/>
+                    </a:lnL>
+                    <a:lnR w="12700" cap="flat" cmpd="sng" algn="ctr">
+                      <a:solidFill>
+                        <a:schemeClr val="tx1"/>
+                      </a:solidFill>
+                      <a:prstDash val="solid"/>
+                      <a:round/>
+                      <a:headEnd type="none" w="med" len="med"/>
+                      <a:tailEnd type="none" w="med" len="med"/>
+                    </a:lnR>
+                    <a:lnT w="12700" cap="flat" cmpd="sng" algn="ctr">
+                      <a:solidFill>
+                        <a:schemeClr val="tx1"/>
+                      </a:solidFill>
+                      <a:prstDash val="solid"/>
+                      <a:round/>
+                      <a:headEnd type="none" w="med" len="med"/>
+                      <a:tailEnd type="none" w="med" len="med"/>
+                    </a:lnT>
+                    <a:lnB w="12700" cap="flat" cmpd="sng" algn="ctr">
+                      <a:solidFill>
+                        <a:schemeClr val="tx1"/>
+                      </a:solidFill>
+                      <a:prstDash val="solid"/>
+                      <a:round/>
+                      <a:headEnd type="none" w="med" len="med"/>
+                      <a:tailEnd type="none" w="med" len="med"/>
+                    </a:lnB>
+                    <a:noFill/>
+                  </a:tcPr>
+                </a:tc>
+                <a:extLst>
+                  <a:ext uri="{0D108BD9-81ED-4DB2-BD59-A6C34878D82A}">
+                    <a16:rowId xmlns:a16="http://schemas.microsoft.com/office/drawing/2014/main" val="2261833419"/>
+                  </a:ext>
+                </a:extLst>
+              </a:tr>
+              <a:tr h="569664">
+                <a:tc>
+                  <a:txBody>
+                    <a:bodyPr/>
+                    <a:lstStyle/>
+                    <a:p>
+                      <a:r>
+                        <a:rPr lang="en-GB" b="1"/>
+                        <a:t>Total Steps</a:t>
+                      </a:r>
+                      <a:endParaRPr lang="en-GB"/>
+                    </a:p>
+                  </a:txBody>
+                  <a:tcPr anchor="ctr">
+                    <a:lnL w="12700" cap="flat" cmpd="sng" algn="ctr">
+                      <a:solidFill>
+                        <a:schemeClr val="tx1"/>
+                      </a:solidFill>
+                      <a:prstDash val="solid"/>
+                      <a:round/>
+                      <a:headEnd type="none" w="med" len="med"/>
+                      <a:tailEnd type="none" w="med" len="med"/>
+                    </a:lnL>
+                    <a:lnR w="12700" cap="flat" cmpd="sng" algn="ctr">
+                      <a:solidFill>
+                        <a:schemeClr val="tx1"/>
+                      </a:solidFill>
+                      <a:prstDash val="solid"/>
+                      <a:round/>
+                      <a:headEnd type="none" w="med" len="med"/>
+                      <a:tailEnd type="none" w="med" len="med"/>
+                    </a:lnR>
+                    <a:lnT w="12700" cap="flat" cmpd="sng" algn="ctr">
+                      <a:solidFill>
+                        <a:schemeClr val="tx1"/>
+                      </a:solidFill>
+                      <a:prstDash val="solid"/>
+                      <a:round/>
+                      <a:headEnd type="none" w="med" len="med"/>
+                      <a:tailEnd type="none" w="med" len="med"/>
+                    </a:lnT>
+                    <a:lnB w="12700" cap="flat" cmpd="sng" algn="ctr">
+                      <a:solidFill>
+                        <a:schemeClr val="tx1"/>
+                      </a:solidFill>
+                      <a:prstDash val="solid"/>
+                      <a:round/>
+                      <a:headEnd type="none" w="med" len="med"/>
+                      <a:tailEnd type="none" w="med" len="med"/>
+                    </a:lnB>
+                    <a:noFill/>
+                  </a:tcPr>
+                </a:tc>
+                <a:tc>
+                  <a:txBody>
+                    <a:bodyPr/>
+                    <a:lstStyle/>
+                    <a:p>
+                      <a:r>
+                        <a:rPr lang="en-GB"/>
+                        <a:t>1,500,000</a:t>
+                      </a:r>
+                    </a:p>
+                  </a:txBody>
+                  <a:tcPr anchor="ctr">
+                    <a:lnL w="12700" cap="flat" cmpd="sng" algn="ctr">
+                      <a:solidFill>
+                        <a:schemeClr val="tx1"/>
+                      </a:solidFill>
+                      <a:prstDash val="solid"/>
+                      <a:round/>
+                      <a:headEnd type="none" w="med" len="med"/>
+                      <a:tailEnd type="none" w="med" len="med"/>
+                    </a:lnL>
+                    <a:lnR w="12700" cap="flat" cmpd="sng" algn="ctr">
+                      <a:solidFill>
+                        <a:schemeClr val="tx1"/>
+                      </a:solidFill>
+                      <a:prstDash val="solid"/>
+                      <a:round/>
+                      <a:headEnd type="none" w="med" len="med"/>
+                      <a:tailEnd type="none" w="med" len="med"/>
+                    </a:lnR>
+                    <a:lnT w="12700" cap="flat" cmpd="sng" algn="ctr">
+                      <a:solidFill>
+                        <a:schemeClr val="tx1"/>
+                      </a:solidFill>
+                      <a:prstDash val="solid"/>
+                      <a:round/>
+                      <a:headEnd type="none" w="med" len="med"/>
+                      <a:tailEnd type="none" w="med" len="med"/>
+                    </a:lnT>
+                    <a:lnB w="12700" cap="flat" cmpd="sng" algn="ctr">
+                      <a:solidFill>
+                        <a:schemeClr val="tx1"/>
+                      </a:solidFill>
+                      <a:prstDash val="solid"/>
+                      <a:round/>
+                      <a:headEnd type="none" w="med" len="med"/>
+                      <a:tailEnd type="none" w="med" len="med"/>
+                    </a:lnB>
+                    <a:noFill/>
+                  </a:tcPr>
+                </a:tc>
+                <a:tc>
+                  <a:txBody>
+                    <a:bodyPr/>
+                    <a:lstStyle/>
+                    <a:p>
+                      <a:r>
+                        <a:rPr lang="en-GB"/>
+                        <a:t>1,250,000</a:t>
+                      </a:r>
+                    </a:p>
+                  </a:txBody>
+                  <a:tcPr anchor="ctr">
+                    <a:lnL w="12700" cap="flat" cmpd="sng" algn="ctr">
+                      <a:solidFill>
+                        <a:schemeClr val="tx1"/>
+                      </a:solidFill>
+                      <a:prstDash val="solid"/>
+                      <a:round/>
+                      <a:headEnd type="none" w="med" len="med"/>
+                      <a:tailEnd type="none" w="med" len="med"/>
+                    </a:lnL>
+                    <a:lnR w="12700" cap="flat" cmpd="sng" algn="ctr">
+                      <a:solidFill>
+                        <a:schemeClr val="tx1"/>
+                      </a:solidFill>
+                      <a:prstDash val="solid"/>
+                      <a:round/>
+                      <a:headEnd type="none" w="med" len="med"/>
+                      <a:tailEnd type="none" w="med" len="med"/>
+                    </a:lnR>
+                    <a:lnT w="12700" cap="flat" cmpd="sng" algn="ctr">
+                      <a:solidFill>
+                        <a:schemeClr val="tx1"/>
+                      </a:solidFill>
+                      <a:prstDash val="solid"/>
+                      <a:round/>
+                      <a:headEnd type="none" w="med" len="med"/>
+                      <a:tailEnd type="none" w="med" len="med"/>
+                    </a:lnT>
+                    <a:lnB w="12700" cap="flat" cmpd="sng" algn="ctr">
+                      <a:solidFill>
+                        <a:schemeClr val="tx1"/>
+                      </a:solidFill>
+                      <a:prstDash val="solid"/>
+                      <a:round/>
+                      <a:headEnd type="none" w="med" len="med"/>
+                      <a:tailEnd type="none" w="med" len="med"/>
+                    </a:lnB>
+                    <a:noFill/>
+                  </a:tcPr>
+                </a:tc>
+                <a:extLst>
+                  <a:ext uri="{0D108BD9-81ED-4DB2-BD59-A6C34878D82A}">
+                    <a16:rowId xmlns:a16="http://schemas.microsoft.com/office/drawing/2014/main" val="2067518627"/>
+                  </a:ext>
+                </a:extLst>
+              </a:tr>
+              <a:tr h="569664">
+                <a:tc>
+                  <a:txBody>
+                    <a:bodyPr/>
+                    <a:lstStyle/>
+                    <a:p>
+                      <a:r>
+                        <a:rPr lang="en-GB" b="1"/>
+                        <a:t>Total Data Used</a:t>
+                      </a:r>
+                      <a:endParaRPr lang="en-GB"/>
+                    </a:p>
+                  </a:txBody>
+                  <a:tcPr anchor="ctr">
+                    <a:lnL w="12700" cap="flat" cmpd="sng" algn="ctr">
+                      <a:solidFill>
+                        <a:schemeClr val="tx1"/>
+                      </a:solidFill>
+                      <a:prstDash val="solid"/>
+                      <a:round/>
+                      <a:headEnd type="none" w="med" len="med"/>
+                      <a:tailEnd type="none" w="med" len="med"/>
+                    </a:lnL>
+                    <a:lnR w="12700" cap="flat" cmpd="sng" algn="ctr">
+                      <a:solidFill>
+                        <a:schemeClr val="tx1"/>
+                      </a:solidFill>
+                      <a:prstDash val="solid"/>
+                      <a:round/>
+                      <a:headEnd type="none" w="med" len="med"/>
+                      <a:tailEnd type="none" w="med" len="med"/>
+                    </a:lnR>
+                    <a:lnT w="12700" cap="flat" cmpd="sng" algn="ctr">
+                      <a:solidFill>
+                        <a:schemeClr val="tx1"/>
+                      </a:solidFill>
+                      <a:prstDash val="solid"/>
+                      <a:round/>
+                      <a:headEnd type="none" w="med" len="med"/>
+                      <a:tailEnd type="none" w="med" len="med"/>
+                    </a:lnT>
+                    <a:lnB w="12700" cap="flat" cmpd="sng" algn="ctr">
+                      <a:solidFill>
+                        <a:schemeClr val="tx1"/>
+                      </a:solidFill>
+                      <a:prstDash val="solid"/>
+                      <a:round/>
+                      <a:headEnd type="none" w="med" len="med"/>
+                      <a:tailEnd type="none" w="med" len="med"/>
+                    </a:lnB>
+                    <a:noFill/>
+                  </a:tcPr>
+                </a:tc>
+                <a:tc>
+                  <a:txBody>
+                    <a:bodyPr/>
+                    <a:lstStyle/>
+                    <a:p>
+                      <a:r>
+                        <a:rPr lang="en-GB"/>
+                        <a:t>12,000,000</a:t>
+                      </a:r>
+                    </a:p>
+                  </a:txBody>
+                  <a:tcPr anchor="ctr">
+                    <a:lnL w="12700" cap="flat" cmpd="sng" algn="ctr">
+                      <a:solidFill>
+                        <a:schemeClr val="tx1"/>
+                      </a:solidFill>
+                      <a:prstDash val="solid"/>
+                      <a:round/>
+                      <a:headEnd type="none" w="med" len="med"/>
+                      <a:tailEnd type="none" w="med" len="med"/>
+                    </a:lnL>
+                    <a:lnR w="12700" cap="flat" cmpd="sng" algn="ctr">
+                      <a:solidFill>
+                        <a:schemeClr val="tx1"/>
+                      </a:solidFill>
+                      <a:prstDash val="solid"/>
+                      <a:round/>
+                      <a:headEnd type="none" w="med" len="med"/>
+                      <a:tailEnd type="none" w="med" len="med"/>
+                    </a:lnR>
+                    <a:lnT w="12700" cap="flat" cmpd="sng" algn="ctr">
+                      <a:solidFill>
+                        <a:schemeClr val="tx1"/>
+                      </a:solidFill>
+                      <a:prstDash val="solid"/>
+                      <a:round/>
+                      <a:headEnd type="none" w="med" len="med"/>
+                      <a:tailEnd type="none" w="med" len="med"/>
+                    </a:lnT>
+                    <a:lnB w="12700" cap="flat" cmpd="sng" algn="ctr">
+                      <a:solidFill>
+                        <a:schemeClr val="tx1"/>
+                      </a:solidFill>
+                      <a:prstDash val="solid"/>
+                      <a:round/>
+                      <a:headEnd type="none" w="med" len="med"/>
+                      <a:tailEnd type="none" w="med" len="med"/>
+                    </a:lnB>
+                    <a:noFill/>
+                  </a:tcPr>
+                </a:tc>
+                <a:tc>
+                  <a:txBody>
+                    <a:bodyPr/>
+                    <a:lstStyle/>
+                    <a:p>
+                      <a:r>
+                        <a:rPr lang="en-GB"/>
+                        <a:t>10,000,000</a:t>
+                      </a:r>
+                    </a:p>
+                  </a:txBody>
+                  <a:tcPr anchor="ctr">
+                    <a:lnL w="12700" cap="flat" cmpd="sng" algn="ctr">
+                      <a:solidFill>
+                        <a:schemeClr val="tx1"/>
+                      </a:solidFill>
+                      <a:prstDash val="solid"/>
+                      <a:round/>
+                      <a:headEnd type="none" w="med" len="med"/>
+                      <a:tailEnd type="none" w="med" len="med"/>
+                    </a:lnL>
+                    <a:lnR w="12700" cap="flat" cmpd="sng" algn="ctr">
+                      <a:solidFill>
+                        <a:schemeClr val="tx1"/>
+                      </a:solidFill>
+                      <a:prstDash val="solid"/>
+                      <a:round/>
+                      <a:headEnd type="none" w="med" len="med"/>
+                      <a:tailEnd type="none" w="med" len="med"/>
+                    </a:lnR>
+                    <a:lnT w="12700" cap="flat" cmpd="sng" algn="ctr">
+                      <a:solidFill>
+                        <a:schemeClr val="tx1"/>
+                      </a:solidFill>
+                      <a:prstDash val="solid"/>
+                      <a:round/>
+                      <a:headEnd type="none" w="med" len="med"/>
+                      <a:tailEnd type="none" w="med" len="med"/>
+                    </a:lnT>
+                    <a:lnB w="12700" cap="flat" cmpd="sng" algn="ctr">
+                      <a:solidFill>
+                        <a:schemeClr val="tx1"/>
+                      </a:solidFill>
+                      <a:prstDash val="solid"/>
+                      <a:round/>
+                      <a:headEnd type="none" w="med" len="med"/>
+                      <a:tailEnd type="none" w="med" len="med"/>
+                    </a:lnB>
+                    <a:noFill/>
+                  </a:tcPr>
+                </a:tc>
+                <a:extLst>
+                  <a:ext uri="{0D108BD9-81ED-4DB2-BD59-A6C34878D82A}">
+                    <a16:rowId xmlns:a16="http://schemas.microsoft.com/office/drawing/2014/main" val="550624568"/>
+                  </a:ext>
+                </a:extLst>
+              </a:tr>
+              <a:tr h="569664">
+                <a:tc>
+                  <a:txBody>
+                    <a:bodyPr/>
+                    <a:lstStyle/>
+                    <a:p>
+                      <a:r>
+                        <a:rPr lang="en-GB" b="1"/>
+                        <a:t>Steps to Reach 200</a:t>
+                      </a:r>
+                      <a:endParaRPr lang="en-GB"/>
+                    </a:p>
+                  </a:txBody>
+                  <a:tcPr anchor="ctr">
+                    <a:lnL w="12700" cap="flat" cmpd="sng" algn="ctr">
+                      <a:solidFill>
+                        <a:schemeClr val="tx1"/>
+                      </a:solidFill>
+                      <a:prstDash val="solid"/>
+                      <a:round/>
+                      <a:headEnd type="none" w="med" len="med"/>
+                      <a:tailEnd type="none" w="med" len="med"/>
+                    </a:lnL>
+                    <a:lnR w="12700" cap="flat" cmpd="sng" algn="ctr">
+                      <a:solidFill>
+                        <a:schemeClr val="tx1"/>
+                      </a:solidFill>
+                      <a:prstDash val="solid"/>
+                      <a:round/>
+                      <a:headEnd type="none" w="med" len="med"/>
+                      <a:tailEnd type="none" w="med" len="med"/>
+                    </a:lnR>
+                    <a:lnT w="12700" cap="flat" cmpd="sng" algn="ctr">
+                      <a:solidFill>
+                        <a:schemeClr val="tx1"/>
+                      </a:solidFill>
+                      <a:prstDash val="solid"/>
+                      <a:round/>
+                      <a:headEnd type="none" w="med" len="med"/>
+                      <a:tailEnd type="none" w="med" len="med"/>
+                    </a:lnT>
+                    <a:lnB w="12700" cap="flat" cmpd="sng" algn="ctr">
+                      <a:solidFill>
+                        <a:schemeClr val="tx1"/>
+                      </a:solidFill>
+                      <a:prstDash val="solid"/>
+                      <a:round/>
+                      <a:headEnd type="none" w="med" len="med"/>
+                      <a:tailEnd type="none" w="med" len="med"/>
+                    </a:lnB>
+                    <a:noFill/>
+                  </a:tcPr>
+                </a:tc>
+                <a:tc>
+                  <a:txBody>
+                    <a:bodyPr/>
+                    <a:lstStyle/>
+                    <a:p>
+                      <a:r>
+                        <a:rPr lang="en-GB"/>
+                        <a:t>305,000</a:t>
+                      </a:r>
+                    </a:p>
+                  </a:txBody>
+                  <a:tcPr anchor="ctr">
+                    <a:lnL w="12700" cap="flat" cmpd="sng" algn="ctr">
+                      <a:solidFill>
+                        <a:schemeClr val="tx1"/>
+                      </a:solidFill>
+                      <a:prstDash val="solid"/>
+                      <a:round/>
+                      <a:headEnd type="none" w="med" len="med"/>
+                      <a:tailEnd type="none" w="med" len="med"/>
+                    </a:lnL>
+                    <a:lnR w="12700" cap="flat" cmpd="sng" algn="ctr">
+                      <a:solidFill>
+                        <a:schemeClr val="tx1"/>
+                      </a:solidFill>
+                      <a:prstDash val="solid"/>
+                      <a:round/>
+                      <a:headEnd type="none" w="med" len="med"/>
+                      <a:tailEnd type="none" w="med" len="med"/>
+                    </a:lnR>
+                    <a:lnT w="12700" cap="flat" cmpd="sng" algn="ctr">
+                      <a:solidFill>
+                        <a:schemeClr val="tx1"/>
+                      </a:solidFill>
+                      <a:prstDash val="solid"/>
+                      <a:round/>
+                      <a:headEnd type="none" w="med" len="med"/>
+                      <a:tailEnd type="none" w="med" len="med"/>
+                    </a:lnT>
+                    <a:lnB w="12700" cap="flat" cmpd="sng" algn="ctr">
+                      <a:solidFill>
+                        <a:schemeClr val="tx1"/>
+                      </a:solidFill>
+                      <a:prstDash val="solid"/>
+                      <a:round/>
+                      <a:headEnd type="none" w="med" len="med"/>
+                      <a:tailEnd type="none" w="med" len="med"/>
+                    </a:lnB>
+                    <a:noFill/>
+                  </a:tcPr>
+                </a:tc>
+                <a:tc>
+                  <a:txBody>
+                    <a:bodyPr/>
+                    <a:lstStyle/>
+                    <a:p>
+                      <a:r>
+                        <a:rPr lang="en-GB"/>
+                        <a:t>—</a:t>
+                      </a:r>
+                    </a:p>
+                  </a:txBody>
+                  <a:tcPr anchor="ctr">
+                    <a:lnL w="12700" cap="flat" cmpd="sng" algn="ctr">
+                      <a:solidFill>
+                        <a:schemeClr val="tx1"/>
+                      </a:solidFill>
+                      <a:prstDash val="solid"/>
+                      <a:round/>
+                      <a:headEnd type="none" w="med" len="med"/>
+                      <a:tailEnd type="none" w="med" len="med"/>
+                    </a:lnL>
+                    <a:lnR w="12700" cap="flat" cmpd="sng" algn="ctr">
+                      <a:solidFill>
+                        <a:schemeClr val="tx1"/>
+                      </a:solidFill>
+                      <a:prstDash val="solid"/>
+                      <a:round/>
+                      <a:headEnd type="none" w="med" len="med"/>
+                      <a:tailEnd type="none" w="med" len="med"/>
+                    </a:lnR>
+                    <a:lnT w="12700" cap="flat" cmpd="sng" algn="ctr">
+                      <a:solidFill>
+                        <a:schemeClr val="tx1"/>
+                      </a:solidFill>
+                      <a:prstDash val="solid"/>
+                      <a:round/>
+                      <a:headEnd type="none" w="med" len="med"/>
+                      <a:tailEnd type="none" w="med" len="med"/>
+                    </a:lnT>
+                    <a:lnB w="12700" cap="flat" cmpd="sng" algn="ctr">
+                      <a:solidFill>
+                        <a:schemeClr val="tx1"/>
+                      </a:solidFill>
+                      <a:prstDash val="solid"/>
+                      <a:round/>
+                      <a:headEnd type="none" w="med" len="med"/>
+                      <a:tailEnd type="none" w="med" len="med"/>
+                    </a:lnB>
+                    <a:noFill/>
+                  </a:tcPr>
+                </a:tc>
+                <a:extLst>
+                  <a:ext uri="{0D108BD9-81ED-4DB2-BD59-A6C34878D82A}">
+                    <a16:rowId xmlns:a16="http://schemas.microsoft.com/office/drawing/2014/main" val="2979145964"/>
+                  </a:ext>
+                </a:extLst>
+              </a:tr>
+              <a:tr h="569664">
+                <a:tc>
+                  <a:txBody>
+                    <a:bodyPr/>
+                    <a:lstStyle/>
+                    <a:p>
+                      <a:r>
+                        <a:rPr lang="en-GB" b="1"/>
+                        <a:t>Data to Reach 200</a:t>
+                      </a:r>
+                      <a:endParaRPr lang="en-GB"/>
+                    </a:p>
+                  </a:txBody>
+                  <a:tcPr anchor="ctr">
+                    <a:lnL w="12700" cap="flat" cmpd="sng" algn="ctr">
+                      <a:solidFill>
+                        <a:schemeClr val="tx1"/>
+                      </a:solidFill>
+                      <a:prstDash val="solid"/>
+                      <a:round/>
+                      <a:headEnd type="none" w="med" len="med"/>
+                      <a:tailEnd type="none" w="med" len="med"/>
+                    </a:lnL>
+                    <a:lnR w="12700" cap="flat" cmpd="sng" algn="ctr">
+                      <a:solidFill>
+                        <a:schemeClr val="tx1"/>
+                      </a:solidFill>
+                      <a:prstDash val="solid"/>
+                      <a:round/>
+                      <a:headEnd type="none" w="med" len="med"/>
+                      <a:tailEnd type="none" w="med" len="med"/>
+                    </a:lnR>
+                    <a:lnT w="12700" cap="flat" cmpd="sng" algn="ctr">
+                      <a:solidFill>
+                        <a:schemeClr val="tx1"/>
+                      </a:solidFill>
+                      <a:prstDash val="solid"/>
+                      <a:round/>
+                      <a:headEnd type="none" w="med" len="med"/>
+                      <a:tailEnd type="none" w="med" len="med"/>
+                    </a:lnT>
+                    <a:lnB w="12700" cap="flat" cmpd="sng" algn="ctr">
+                      <a:solidFill>
+                        <a:schemeClr val="tx1"/>
+                      </a:solidFill>
+                      <a:prstDash val="solid"/>
+                      <a:round/>
+                      <a:headEnd type="none" w="med" len="med"/>
+                      <a:tailEnd type="none" w="med" len="med"/>
+                    </a:lnB>
+                    <a:noFill/>
+                  </a:tcPr>
+                </a:tc>
+                <a:tc>
+                  <a:txBody>
+                    <a:bodyPr/>
+                    <a:lstStyle/>
+                    <a:p>
+                      <a:r>
+                        <a:rPr lang="en-GB"/>
+                        <a:t>2,440,000</a:t>
+                      </a:r>
+                    </a:p>
+                  </a:txBody>
+                  <a:tcPr anchor="ctr">
+                    <a:lnL w="12700" cap="flat" cmpd="sng" algn="ctr">
+                      <a:solidFill>
+                        <a:schemeClr val="tx1"/>
+                      </a:solidFill>
+                      <a:prstDash val="solid"/>
+                      <a:round/>
+                      <a:headEnd type="none" w="med" len="med"/>
+                      <a:tailEnd type="none" w="med" len="med"/>
+                    </a:lnL>
+                    <a:lnR w="12700" cap="flat" cmpd="sng" algn="ctr">
+                      <a:solidFill>
+                        <a:schemeClr val="tx1"/>
+                      </a:solidFill>
+                      <a:prstDash val="solid"/>
+                      <a:round/>
+                      <a:headEnd type="none" w="med" len="med"/>
+                      <a:tailEnd type="none" w="med" len="med"/>
+                    </a:lnR>
+                    <a:lnT w="12700" cap="flat" cmpd="sng" algn="ctr">
+                      <a:solidFill>
+                        <a:schemeClr val="tx1"/>
+                      </a:solidFill>
+                      <a:prstDash val="solid"/>
+                      <a:round/>
+                      <a:headEnd type="none" w="med" len="med"/>
+                      <a:tailEnd type="none" w="med" len="med"/>
+                    </a:lnT>
+                    <a:lnB w="12700" cap="flat" cmpd="sng" algn="ctr">
+                      <a:solidFill>
+                        <a:schemeClr val="tx1"/>
+                      </a:solidFill>
+                      <a:prstDash val="solid"/>
+                      <a:round/>
+                      <a:headEnd type="none" w="med" len="med"/>
+                      <a:tailEnd type="none" w="med" len="med"/>
+                    </a:lnB>
+                    <a:noFill/>
+                  </a:tcPr>
+                </a:tc>
+                <a:tc>
+                  <a:txBody>
+                    <a:bodyPr/>
+                    <a:lstStyle/>
+                    <a:p>
+                      <a:r>
+                        <a:rPr lang="en-GB" dirty="0"/>
+                        <a:t>—</a:t>
+                      </a:r>
+                    </a:p>
+                  </a:txBody>
+                  <a:tcPr anchor="ctr">
+                    <a:lnL w="12700" cap="flat" cmpd="sng" algn="ctr">
+                      <a:solidFill>
+                        <a:schemeClr val="tx1"/>
+                      </a:solidFill>
+                      <a:prstDash val="solid"/>
+                      <a:round/>
+                      <a:headEnd type="none" w="med" len="med"/>
+                      <a:tailEnd type="none" w="med" len="med"/>
+                    </a:lnL>
+                    <a:lnR w="12700" cap="flat" cmpd="sng" algn="ctr">
+                      <a:solidFill>
+                        <a:schemeClr val="tx1"/>
+                      </a:solidFill>
+                      <a:prstDash val="solid"/>
+                      <a:round/>
+                      <a:headEnd type="none" w="med" len="med"/>
+                      <a:tailEnd type="none" w="med" len="med"/>
+                    </a:lnR>
+                    <a:lnT w="12700" cap="flat" cmpd="sng" algn="ctr">
+                      <a:solidFill>
+                        <a:schemeClr val="tx1"/>
+                      </a:solidFill>
+                      <a:prstDash val="solid"/>
+                      <a:round/>
+                      <a:headEnd type="none" w="med" len="med"/>
+                      <a:tailEnd type="none" w="med" len="med"/>
+                    </a:lnT>
+                    <a:lnB w="12700" cap="flat" cmpd="sng" algn="ctr">
+                      <a:solidFill>
+                        <a:schemeClr val="tx1"/>
+                      </a:solidFill>
+                      <a:prstDash val="solid"/>
+                      <a:round/>
+                      <a:headEnd type="none" w="med" len="med"/>
+                      <a:tailEnd type="none" w="med" len="med"/>
+                    </a:lnB>
+                    <a:noFill/>
+                  </a:tcPr>
+                </a:tc>
+                <a:extLst>
+                  <a:ext uri="{0D108BD9-81ED-4DB2-BD59-A6C34878D82A}">
+                    <a16:rowId xmlns:a16="http://schemas.microsoft.com/office/drawing/2014/main" val="4126745477"/>
+                  </a:ext>
+                </a:extLst>
+              </a:tr>
+            </a:tbl>
+          </a:graphicData>
+        </a:graphic>
+      </p:graphicFrame>
     </p:spTree>
     <p:extLst>
       <p:ext uri="{BB962C8B-B14F-4D97-AF65-F5344CB8AC3E}">
-        <p14:creationId xmlns:p14="http://schemas.microsoft.com/office/powerpoint/2010/main" val="1159262020"/>
+        <p14:creationId xmlns:p14="http://schemas.microsoft.com/office/powerpoint/2010/main" val="2152094460"/>
       </p:ext>
     </p:extLst>
   </p:cSld>
@@ -8022,13 +8943,7 @@
   <p:cSld>
     <p:spTree>
       <p:nvGrpSpPr>
-        <p:cNvPr id="1" name="">
-          <a:extLst>
-            <a:ext uri="{FF2B5EF4-FFF2-40B4-BE49-F238E27FC236}">
-              <a16:creationId xmlns:a16="http://schemas.microsoft.com/office/drawing/2014/main" id="{8E30BA45-7EBD-57E1-03A8-5B0B278A6433}"/>
-            </a:ext>
-          </a:extLst>
-        </p:cNvPr>
+        <p:cNvPr id="1" name=""/>
         <p:cNvGrpSpPr/>
         <p:nvPr/>
       </p:nvGrpSpPr>
@@ -8045,7 +8960,7 @@
           <p:cNvPr id="2" name="Title 1">
             <a:extLst>
               <a:ext uri="{FF2B5EF4-FFF2-40B4-BE49-F238E27FC236}">
-                <a16:creationId xmlns:a16="http://schemas.microsoft.com/office/drawing/2014/main" id="{68E0AAD1-FA64-01B5-A9DD-71A0C76D310A}"/>
+                <a16:creationId xmlns:a16="http://schemas.microsoft.com/office/drawing/2014/main" id="{27FE4AC6-A516-671C-75E0-C283C6D91FB1}"/>
               </a:ext>
             </a:extLst>
           </p:cNvPr>
@@ -8056,260 +8971,141 @@
             <p:ph type="title"/>
           </p:nvPr>
         </p:nvSpPr>
-        <p:spPr>
-          <a:xfrm>
-            <a:off x="640078" y="1179690"/>
-            <a:ext cx="10890929" cy="1097280"/>
-          </a:xfrm>
-        </p:spPr>
+        <p:spPr/>
         <p:txBody>
           <a:bodyPr/>
           <a:lstStyle/>
           <a:p>
             <a:r>
               <a:rPr lang="en-US" dirty="0"/>
-              <a:t>Key Challenges (Cont.)</a:t>
+              <a:t>Poor Offline SAC - Expected</a:t>
             </a:r>
           </a:p>
         </p:txBody>
       </p:sp>
       <p:sp>
         <p:nvSpPr>
-          <p:cNvPr id="3" name="Content Placeholder 2">
-            <a:extLst>
-              <a:ext uri="{FF2B5EF4-FFF2-40B4-BE49-F238E27FC236}">
-                <a16:creationId xmlns:a16="http://schemas.microsoft.com/office/drawing/2014/main" id="{771D944B-DDE6-AD6F-9B53-05D2D0C4C38C}"/>
-              </a:ext>
-            </a:extLst>
-          </p:cNvPr>
-          <p:cNvSpPr>
-            <a:spLocks noGrp="1"/>
-          </p:cNvSpPr>
-          <p:nvPr>
-            <p:ph idx="1"/>
-          </p:nvPr>
+          <p:cNvPr id="5" name="TextBox 4">
+            <a:extLst>
+              <a:ext uri="{FF2B5EF4-FFF2-40B4-BE49-F238E27FC236}">
+                <a16:creationId xmlns:a16="http://schemas.microsoft.com/office/drawing/2014/main" id="{5E67FB93-D849-2857-B5DD-7F75FF6EC87F}"/>
+              </a:ext>
+            </a:extLst>
+          </p:cNvPr>
+          <p:cNvSpPr txBox="1"/>
+          <p:nvPr/>
         </p:nvSpPr>
         <p:spPr>
           <a:xfrm>
-            <a:off x="640079" y="2082122"/>
-            <a:ext cx="10890928" cy="4613995"/>
+            <a:off x="660992" y="2303259"/>
+            <a:ext cx="11284081" cy="3785652"/>
           </a:xfrm>
+          <a:prstGeom prst="rect">
+            <a:avLst/>
+          </a:prstGeom>
+          <a:noFill/>
         </p:spPr>
         <p:txBody>
-          <a:bodyPr>
-            <a:noAutofit/>
+          <a:bodyPr wrap="square">
+            <a:spAutoFit/>
           </a:bodyPr>
           <a:lstStyle/>
           <a:p>
-            <a:pPr marL="0" indent="0" algn="l">
-              <a:buNone/>
+            <a:r>
+              <a:rPr lang="en-GB" sz="2000" b="1" dirty="0"/>
+              <a:t> Q-function thinks bad actions are good</a:t>
+            </a:r>
+            <a:r>
+              <a:rPr lang="en-GB" sz="2000" dirty="0"/>
+              <a:t> (overestimates their value).</a:t>
+            </a:r>
+          </a:p>
+          <a:p>
+            <a:endParaRPr lang="en-GB" sz="2000" b="1" dirty="0"/>
+          </a:p>
+          <a:p>
+            <a:r>
+              <a:rPr lang="en-GB" sz="2000" b="1" dirty="0"/>
+              <a:t>Policy learns to choose those bad actions</a:t>
+            </a:r>
+            <a:r>
+              <a:rPr lang="en-GB" sz="2000" dirty="0"/>
+              <a:t>.</a:t>
+            </a:r>
+          </a:p>
+          <a:p>
+            <a:r>
+              <a:rPr lang="en-GB" sz="2000" dirty="0"/>
+              <a:t>	During evaluation, the environment </a:t>
+            </a:r>
+            <a:r>
+              <a:rPr lang="en-GB" sz="2000" b="1" dirty="0"/>
+              <a:t>executes those actions</a:t>
+            </a:r>
+            <a:r>
+              <a:rPr lang="en-GB" sz="2000" dirty="0"/>
+              <a:t>, which are:</a:t>
+            </a:r>
+          </a:p>
+          <a:p>
+            <a:pPr lvl="1"/>
+            <a:r>
+              <a:rPr lang="en-GB" sz="2000" dirty="0"/>
+              <a:t>OOD (never seen in the dataset)</a:t>
+            </a:r>
+          </a:p>
+          <a:p>
+            <a:pPr lvl="1"/>
+            <a:r>
+              <a:rPr lang="en-GB" sz="2000" dirty="0"/>
+              <a:t>Unsafe or ineffective</a:t>
+            </a:r>
+          </a:p>
+          <a:p>
+            <a:pPr lvl="1"/>
+            <a:r>
+              <a:rPr lang="en-GB" sz="2000" dirty="0"/>
+              <a:t>Misleadingly rated as high-value</a:t>
+            </a:r>
+          </a:p>
+          <a:p>
+            <a:endParaRPr lang="en-GB" sz="2000" dirty="0"/>
+          </a:p>
+          <a:p>
+            <a:r>
+              <a:rPr lang="en-GB" sz="2000" dirty="0"/>
+              <a:t>Result in</a:t>
+            </a:r>
+          </a:p>
+          <a:p>
+            <a:pPr marL="742950" lvl="1" indent="-285750">
+              <a:buFont typeface="+mj-lt"/>
+              <a:buAutoNum type="arabicPeriod"/>
             </a:pPr>
             <a:r>
-              <a:rPr lang="en-GB" sz="1600" b="1" i="0" u="none" strike="noStrike" dirty="0">
-                <a:solidFill>
-                  <a:srgbClr val="000000"/>
-                </a:solidFill>
-                <a:effectLst/>
-              </a:rPr>
-              <a:t> 2. Gym API Changes</a:t>
-            </a:r>
-          </a:p>
-          <a:p>
-            <a:pPr algn="l"/>
-            <a:r>
-              <a:rPr lang="en-GB" sz="1600" b="0" i="0" u="none" strike="noStrike" dirty="0">
-                <a:solidFill>
-                  <a:srgbClr val="000000"/>
-                </a:solidFill>
-                <a:effectLst/>
-              </a:rPr>
-              <a:t>The latest version of Gym changed how </a:t>
-            </a:r>
-            <a:r>
-              <a:rPr lang="en-GB" sz="1600" b="0" i="0" u="none" strike="noStrike" dirty="0" err="1">
-                <a:solidFill>
-                  <a:srgbClr val="000000"/>
-                </a:solidFill>
-                <a:effectLst/>
-              </a:rPr>
-              <a:t>env.reset</a:t>
-            </a:r>
-            <a:r>
-              <a:rPr lang="en-GB" sz="1600" b="0" i="0" u="none" strike="noStrike" dirty="0">
-                <a:solidFill>
-                  <a:srgbClr val="000000"/>
-                </a:solidFill>
-                <a:effectLst/>
-              </a:rPr>
-              <a:t>() works — it started returning a tuple (</a:t>
-            </a:r>
-            <a:r>
-              <a:rPr lang="en-GB" sz="1600" b="0" i="0" u="none" strike="noStrike" dirty="0" err="1">
-                <a:solidFill>
-                  <a:srgbClr val="000000"/>
-                </a:solidFill>
-                <a:effectLst/>
-              </a:rPr>
-              <a:t>obs</a:t>
-            </a:r>
-            <a:r>
-              <a:rPr lang="en-GB" sz="1600" b="0" i="0" u="none" strike="noStrike" dirty="0">
-                <a:solidFill>
-                  <a:srgbClr val="000000"/>
-                </a:solidFill>
-                <a:effectLst/>
-              </a:rPr>
-              <a:t>, info) instead of just obs.</a:t>
-            </a:r>
-            <a:br>
-              <a:rPr lang="en-GB" sz="1600" b="0" i="0" u="none" strike="noStrike" dirty="0">
-                <a:solidFill>
-                  <a:srgbClr val="000000"/>
-                </a:solidFill>
-                <a:effectLst/>
-              </a:rPr>
-            </a:br>
-            <a:r>
-              <a:rPr lang="en-GB" sz="1600" b="0" i="0" u="none" strike="noStrike" dirty="0">
-                <a:solidFill>
-                  <a:srgbClr val="000000"/>
-                </a:solidFill>
-                <a:effectLst/>
-              </a:rPr>
-              <a:t>If not handled, this broke the input to the agent and caused crashes or silent bugs.</a:t>
-            </a:r>
-          </a:p>
-          <a:p>
-            <a:pPr algn="l"/>
-            <a:r>
-              <a:rPr lang="en-GB" sz="1600" b="0" i="0" u="none" strike="noStrike" dirty="0">
-                <a:solidFill>
-                  <a:srgbClr val="000000"/>
-                </a:solidFill>
-                <a:effectLst/>
-              </a:rPr>
-              <a:t>We unpacked the tuple properly before passing observations to the network.</a:t>
-            </a:r>
-          </a:p>
-          <a:p>
-            <a:pPr marL="0" indent="0" algn="l">
-              <a:buNone/>
+              <a:rPr lang="en-GB" sz="2000" b="1" dirty="0"/>
+              <a:t>Low or negative reward</a:t>
+            </a:r>
+            <a:endParaRPr lang="en-GB" sz="2000" dirty="0"/>
+          </a:p>
+          <a:p>
+            <a:pPr marL="742950" lvl="1" indent="-285750">
+              <a:buFont typeface="+mj-lt"/>
+              <a:buAutoNum type="arabicPeriod"/>
             </a:pPr>
-            <a:endParaRPr lang="en-GB" sz="1600" b="0" i="0" u="none" strike="noStrike" dirty="0">
-              <a:solidFill>
-                <a:srgbClr val="000000"/>
-              </a:solidFill>
-              <a:effectLst/>
-            </a:endParaRPr>
-          </a:p>
-          <a:p>
-            <a:pPr marL="0" indent="0" algn="l">
-              <a:buNone/>
+            <a:r>
+              <a:rPr lang="en-GB" sz="2000" dirty="0"/>
+              <a:t>No improvement in average score</a:t>
+            </a:r>
+          </a:p>
+          <a:p>
+            <a:pPr marL="742950" lvl="1" indent="-285750">
+              <a:buFont typeface="+mj-lt"/>
+              <a:buAutoNum type="arabicPeriod"/>
             </a:pPr>
             <a:r>
-              <a:rPr lang="en-GB" sz="1600" b="1" i="0" u="none" strike="noStrike" dirty="0">
-                <a:solidFill>
-                  <a:srgbClr val="000000"/>
-                </a:solidFill>
-                <a:effectLst/>
-              </a:rPr>
-              <a:t>3. Missing Folders During Model Saving</a:t>
-            </a:r>
-          </a:p>
-          <a:p>
-            <a:pPr algn="l"/>
-            <a:r>
-              <a:rPr lang="en-GB" sz="1600" b="0" i="0" u="none" strike="noStrike" dirty="0">
-                <a:solidFill>
-                  <a:srgbClr val="000000"/>
-                </a:solidFill>
-                <a:effectLst/>
-              </a:rPr>
-              <a:t>Our model checkpoints were failing to save because folders like models/ or </a:t>
-            </a:r>
-            <a:r>
-              <a:rPr lang="en-GB" sz="1600" b="0" i="0" u="none" strike="noStrike" dirty="0" err="1">
-                <a:solidFill>
-                  <a:srgbClr val="000000"/>
-                </a:solidFill>
-                <a:effectLst/>
-              </a:rPr>
-              <a:t>tmp</a:t>
-            </a:r>
-            <a:r>
-              <a:rPr lang="en-GB" sz="1600" b="0" i="0" u="none" strike="noStrike" dirty="0">
-                <a:solidFill>
-                  <a:srgbClr val="000000"/>
-                </a:solidFill>
-                <a:effectLst/>
-              </a:rPr>
-              <a:t>/ didn’t exist.</a:t>
-            </a:r>
-          </a:p>
-          <a:p>
-            <a:pPr algn="l"/>
-            <a:r>
-              <a:rPr lang="en-GB" sz="1600" b="0" i="0" u="none" strike="noStrike" dirty="0">
-                <a:solidFill>
-                  <a:srgbClr val="000000"/>
-                </a:solidFill>
-                <a:effectLst/>
-              </a:rPr>
-              <a:t>We fixed this by calling </a:t>
-            </a:r>
-            <a:r>
-              <a:rPr lang="en-GB" sz="1600" b="0" i="0" u="none" strike="noStrike" dirty="0" err="1">
-                <a:solidFill>
-                  <a:srgbClr val="000000"/>
-                </a:solidFill>
-                <a:effectLst/>
-              </a:rPr>
-              <a:t>os.makedirs</a:t>
-            </a:r>
-            <a:r>
-              <a:rPr lang="en-GB" sz="1600" b="0" i="0" u="none" strike="noStrike" dirty="0">
-                <a:solidFill>
-                  <a:srgbClr val="000000"/>
-                </a:solidFill>
-                <a:effectLst/>
-              </a:rPr>
-              <a:t>(..., </a:t>
-            </a:r>
-            <a:r>
-              <a:rPr lang="en-GB" sz="1600" b="0" i="0" u="none" strike="noStrike" dirty="0" err="1">
-                <a:solidFill>
-                  <a:srgbClr val="000000"/>
-                </a:solidFill>
-                <a:effectLst/>
-              </a:rPr>
-              <a:t>exist_ok</a:t>
-            </a:r>
-            <a:r>
-              <a:rPr lang="en-GB" sz="1600" b="0" i="0" u="none" strike="noStrike" dirty="0">
-                <a:solidFill>
-                  <a:srgbClr val="000000"/>
-                </a:solidFill>
-                <a:effectLst/>
-              </a:rPr>
-              <a:t>=True) before each </a:t>
-            </a:r>
-            <a:r>
-              <a:rPr lang="en-GB" sz="1600" b="0" i="0" u="none" strike="noStrike" dirty="0" err="1">
-                <a:solidFill>
-                  <a:srgbClr val="000000"/>
-                </a:solidFill>
-                <a:effectLst/>
-              </a:rPr>
-              <a:t>torch.save</a:t>
-            </a:r>
-            <a:r>
-              <a:rPr lang="en-GB" sz="1600" b="0" i="0" u="none" strike="noStrike" dirty="0">
-                <a:solidFill>
-                  <a:srgbClr val="000000"/>
-                </a:solidFill>
-                <a:effectLst/>
-              </a:rPr>
-              <a:t>().</a:t>
+              <a:rPr lang="en-GB" sz="2000" dirty="0"/>
+              <a:t>Policy keeps following “bad advice” from a misled Q-function</a:t>
             </a:r>
           </a:p>
         </p:txBody>
@@ -8317,7 +9113,7 @@
     </p:spTree>
     <p:extLst>
       <p:ext uri="{BB962C8B-B14F-4D97-AF65-F5344CB8AC3E}">
-        <p14:creationId xmlns:p14="http://schemas.microsoft.com/office/powerpoint/2010/main" val="1976937400"/>
+        <p14:creationId xmlns:p14="http://schemas.microsoft.com/office/powerpoint/2010/main" val="1459212869"/>
       </p:ext>
     </p:extLst>
   </p:cSld>
@@ -8349,7 +9145,7 @@
           <p:cNvPr id="2" name="Title 1">
             <a:extLst>
               <a:ext uri="{FF2B5EF4-FFF2-40B4-BE49-F238E27FC236}">
-                <a16:creationId xmlns:a16="http://schemas.microsoft.com/office/drawing/2014/main" id="{D8A3157F-3BBE-B3E0-5AB1-2725A9A8CCC7}"/>
+                <a16:creationId xmlns:a16="http://schemas.microsoft.com/office/drawing/2014/main" id="{AB6EF8A3-7885-8B10-7A92-FE15F7857E3B}"/>
               </a:ext>
             </a:extLst>
           </p:cNvPr>
@@ -8360,19 +9156,14 @@
             <p:ph type="title"/>
           </p:nvPr>
         </p:nvSpPr>
-        <p:spPr>
-          <a:xfrm>
-            <a:off x="640078" y="1220103"/>
-            <a:ext cx="10890929" cy="744164"/>
-          </a:xfrm>
-        </p:spPr>
+        <p:spPr/>
         <p:txBody>
           <a:bodyPr/>
           <a:lstStyle/>
           <a:p>
             <a:r>
               <a:rPr lang="en-US" dirty="0"/>
-              <a:t>Interpretation</a:t>
+              <a:t>Poor Offline SAC - Expected</a:t>
             </a:r>
           </a:p>
         </p:txBody>
@@ -8382,7 +9173,7 @@
           <p:cNvPr id="3" name="Content Placeholder 2">
             <a:extLst>
               <a:ext uri="{FF2B5EF4-FFF2-40B4-BE49-F238E27FC236}">
-                <a16:creationId xmlns:a16="http://schemas.microsoft.com/office/drawing/2014/main" id="{F55BE3B6-24AE-B9BC-6E4F-76931E56A0CD}"/>
+                <a16:creationId xmlns:a16="http://schemas.microsoft.com/office/drawing/2014/main" id="{AFD23DE3-4A4F-76B2-3268-1F53DC7D58F0}"/>
               </a:ext>
             </a:extLst>
           </p:cNvPr>
@@ -8395,69 +9186,75 @@
         </p:nvSpPr>
         <p:spPr>
           <a:xfrm>
-            <a:off x="640079" y="2317383"/>
+            <a:off x="650536" y="2332530"/>
             <a:ext cx="10890928" cy="3566160"/>
           </a:xfrm>
         </p:spPr>
         <p:txBody>
           <a:bodyPr>
-            <a:normAutofit fontScale="85000" lnSpcReduction="20000"/>
+            <a:normAutofit fontScale="92500"/>
           </a:bodyPr>
           <a:lstStyle/>
           <a:p>
             <a:r>
-              <a:rPr lang="en-GB" b="1" dirty="0" err="1"/>
-              <a:t>LunarLander</a:t>
-            </a:r>
-            <a:r>
               <a:rPr lang="en-GB" b="1" dirty="0"/>
-              <a:t> Online:</a:t>
+              <a:t>Kumar et al. (2020)</a:t>
             </a:r>
             <a:r>
               <a:rPr lang="en-GB" dirty="0"/>
-              <a:t> The agent’s rolling average climbs from negative to about +100 by episode 300 but never reliably reaches the “solved” threshold of 200, indicating it learned a decent landing policy but not an optimal one.</a:t>
-            </a:r>
-          </a:p>
-          <a:p>
-            <a:r>
-              <a:rPr lang="en-GB" b="1" dirty="0" err="1"/>
-              <a:t>LunarLander</a:t>
-            </a:r>
+              <a:t> (CQL):</a:t>
+            </a:r>
+          </a:p>
+          <a:p>
+            <a:r>
+              <a:rPr lang="en-GB" dirty="0"/>
+              <a:t>"Standard off-policy RL methods like SAC fail in offline settings due to overestimation on OOD actions and lack of pessimism."</a:t>
+            </a:r>
+          </a:p>
+          <a:p>
             <a:r>
               <a:rPr lang="en-GB" b="1" dirty="0"/>
-              <a:t> Offline:</a:t>
+              <a:t>Lyu et al. (2022)</a:t>
             </a:r>
             <a:r>
               <a:rPr lang="en-GB" dirty="0"/>
-              <a:t> Starting from a static replay buffer, offline SAC quickly reaches ~+100 reward by ~30 000 gradient steps and plateaus there—never hitting 200 because the dataset lacked enough high-reward trajectories.</a:t>
+              <a:t> (MCQ):</a:t>
+            </a:r>
+          </a:p>
+          <a:p>
+            <a:r>
+              <a:rPr lang="en-GB" dirty="0"/>
+              <a:t>"Offline SAC tends to learn degenerate or unstable policies unless explicitly regularized for distributional shift."</a:t>
             </a:r>
           </a:p>
           <a:p>
             <a:r>
               <a:rPr lang="en-GB" b="1" dirty="0"/>
-              <a:t>Pendulum Online:</a:t>
+              <a:t>Fu et al. (2021)</a:t>
             </a:r>
             <a:r>
               <a:rPr lang="en-GB" dirty="0"/>
-              <a:t> Returns drop to ~–1 350 around episode 60 then steadily improve to ~–800 by episode 300; the agent is learning but remains far from the ideal (near 0), showing slow and unstable on-policy progress.</a:t>
-            </a:r>
-          </a:p>
-          <a:p>
-            <a:r>
-              <a:rPr lang="en-GB" b="1" dirty="0"/>
-              <a:t>Pendulum Offline:</a:t>
-            </a:r>
+              <a:t>:</a:t>
+            </a:r>
+          </a:p>
+          <a:p>
             <a:r>
               <a:rPr lang="en-GB" dirty="0"/>
-              <a:t> From pre-collected data, offline SAC jumps to ~–200 by 40 000 steps and edges to ~–150 by 200 000 steps, but a wide ±300–400 spread persists, reflecting that the fixed dataset did not cover all swing-up scenarios.</a:t>
-            </a:r>
+              <a:t>"Without policy or value constraints, offline SAC performs poorly due to distributional mismatch."</a:t>
+            </a:r>
+          </a:p>
+          <a:p>
+            <a:pPr marL="0" indent="0">
+              <a:buNone/>
+            </a:pPr>
+            <a:endParaRPr lang="en-US" dirty="0"/>
           </a:p>
         </p:txBody>
       </p:sp>
     </p:spTree>
     <p:extLst>
       <p:ext uri="{BB962C8B-B14F-4D97-AF65-F5344CB8AC3E}">
-        <p14:creationId xmlns:p14="http://schemas.microsoft.com/office/powerpoint/2010/main" val="3006436803"/>
+        <p14:creationId xmlns:p14="http://schemas.microsoft.com/office/powerpoint/2010/main" val="3656011190"/>
       </p:ext>
     </p:extLst>
   </p:cSld>
@@ -8468,145 +9265,6 @@
 </file>
 
 <file path=ppt/slides/slide22.xml><?xml version="1.0" encoding="utf-8"?>
-<p:sld xmlns:a="http://schemas.openxmlformats.org/drawingml/2006/main" xmlns:r="http://schemas.openxmlformats.org/officeDocument/2006/relationships" xmlns:p="http://schemas.openxmlformats.org/presentationml/2006/main">
-  <p:cSld>
-    <p:spTree>
-      <p:nvGrpSpPr>
-        <p:cNvPr id="1" name="">
-          <a:extLst>
-            <a:ext uri="{FF2B5EF4-FFF2-40B4-BE49-F238E27FC236}">
-              <a16:creationId xmlns:a16="http://schemas.microsoft.com/office/drawing/2014/main" id="{9E1A4F2D-AF7F-347F-BC5E-24FAA8919DF9}"/>
-            </a:ext>
-          </a:extLst>
-        </p:cNvPr>
-        <p:cNvGrpSpPr/>
-        <p:nvPr/>
-      </p:nvGrpSpPr>
-      <p:grpSpPr>
-        <a:xfrm>
-          <a:off x="0" y="0"/>
-          <a:ext cx="0" cy="0"/>
-          <a:chOff x="0" y="0"/>
-          <a:chExt cx="0" cy="0"/>
-        </a:xfrm>
-      </p:grpSpPr>
-      <p:sp>
-        <p:nvSpPr>
-          <p:cNvPr id="2" name="Title 1">
-            <a:extLst>
-              <a:ext uri="{FF2B5EF4-FFF2-40B4-BE49-F238E27FC236}">
-                <a16:creationId xmlns:a16="http://schemas.microsoft.com/office/drawing/2014/main" id="{8C17CD9E-7FAF-F4AA-6AD4-1CA35A0B6EB5}"/>
-              </a:ext>
-            </a:extLst>
-          </p:cNvPr>
-          <p:cNvSpPr>
-            <a:spLocks noGrp="1"/>
-          </p:cNvSpPr>
-          <p:nvPr>
-            <p:ph type="ctrTitle"/>
-          </p:nvPr>
-        </p:nvSpPr>
-        <p:spPr/>
-        <p:txBody>
-          <a:bodyPr/>
-          <a:lstStyle/>
-          <a:p>
-            <a:r>
-              <a:rPr lang="en-GB" dirty="0"/>
-              <a:t>SAC SB3 (Stable-Baselines3)</a:t>
-            </a:r>
-            <a:endParaRPr lang="en-US" dirty="0"/>
-          </a:p>
-        </p:txBody>
-      </p:sp>
-      <p:sp>
-        <p:nvSpPr>
-          <p:cNvPr id="3" name="Subtitle 2">
-            <a:extLst>
-              <a:ext uri="{FF2B5EF4-FFF2-40B4-BE49-F238E27FC236}">
-                <a16:creationId xmlns:a16="http://schemas.microsoft.com/office/drawing/2014/main" id="{7DA3F550-AEC6-1503-2B8E-7AD86416E21C}"/>
-              </a:ext>
-            </a:extLst>
-          </p:cNvPr>
-          <p:cNvSpPr>
-            <a:spLocks noGrp="1"/>
-          </p:cNvSpPr>
-          <p:nvPr>
-            <p:ph type="subTitle" idx="1"/>
-          </p:nvPr>
-        </p:nvSpPr>
-        <p:spPr>
-          <a:xfrm>
-            <a:off x="640080" y="3805946"/>
-            <a:ext cx="6675120" cy="1287887"/>
-          </a:xfrm>
-        </p:spPr>
-        <p:txBody>
-          <a:bodyPr/>
-          <a:lstStyle/>
-          <a:p>
-            <a:r>
-              <a:rPr lang="en-GB" dirty="0"/>
-              <a:t>Uses SB3’s Built-in training loop</a:t>
-            </a:r>
-          </a:p>
-          <a:p>
-            <a:r>
-              <a:rPr lang="en-GB" dirty="0"/>
-              <a:t>Default </a:t>
-            </a:r>
-            <a:r>
-              <a:rPr lang="en-GB" dirty="0" err="1"/>
-              <a:t>MLPPolicy</a:t>
-            </a:r>
-            <a:endParaRPr lang="en-GB" dirty="0"/>
-          </a:p>
-        </p:txBody>
-      </p:sp>
-      <p:pic>
-        <p:nvPicPr>
-          <p:cNvPr id="5" name="Picture 4">
-            <a:extLst>
-              <a:ext uri="{FF2B5EF4-FFF2-40B4-BE49-F238E27FC236}">
-                <a16:creationId xmlns:a16="http://schemas.microsoft.com/office/drawing/2014/main" id="{30BC6AB7-BD3B-2211-B3F5-0E55926CB55B}"/>
-              </a:ext>
-            </a:extLst>
-          </p:cNvPr>
-          <p:cNvPicPr>
-            <a:picLocks noChangeAspect="1"/>
-          </p:cNvPicPr>
-          <p:nvPr/>
-        </p:nvPicPr>
-        <p:blipFill>
-          <a:blip r:embed="rId2"/>
-          <a:stretch>
-            <a:fillRect/>
-          </a:stretch>
-        </p:blipFill>
-        <p:spPr>
-          <a:xfrm>
-            <a:off x="7589520" y="1529644"/>
-            <a:ext cx="3009900" cy="3962400"/>
-          </a:xfrm>
-          <a:prstGeom prst="rect">
-            <a:avLst/>
-          </a:prstGeom>
-        </p:spPr>
-      </p:pic>
-    </p:spTree>
-    <p:extLst>
-      <p:ext uri="{BB962C8B-B14F-4D97-AF65-F5344CB8AC3E}">
-        <p14:creationId xmlns:p14="http://schemas.microsoft.com/office/powerpoint/2010/main" val="3605829790"/>
-      </p:ext>
-    </p:extLst>
-  </p:cSld>
-  <p:clrMapOvr>
-    <a:masterClrMapping/>
-  </p:clrMapOvr>
-</p:sld>
-</file>
-
-<file path=ppt/slides/slide23.xml><?xml version="1.0" encoding="utf-8"?>
 <p:sld xmlns:a="http://schemas.openxmlformats.org/drawingml/2006/main" xmlns:r="http://schemas.openxmlformats.org/officeDocument/2006/relationships" xmlns:p="http://schemas.openxmlformats.org/presentationml/2006/main">
   <p:cSld>
     <p:spTree>
@@ -8628,7 +9286,7 @@
           <p:cNvPr id="2" name="Title 1">
             <a:extLst>
               <a:ext uri="{FF2B5EF4-FFF2-40B4-BE49-F238E27FC236}">
-                <a16:creationId xmlns:a16="http://schemas.microsoft.com/office/drawing/2014/main" id="{A918DB94-6BA3-20EC-9F5E-15951333DDDD}"/>
+                <a16:creationId xmlns:a16="http://schemas.microsoft.com/office/drawing/2014/main" id="{693EBAD0-B8EA-7B2E-BAD1-BC8E53332B1A}"/>
               </a:ext>
             </a:extLst>
           </p:cNvPr>
@@ -8645,109 +9303,213 @@
           <a:lstStyle/>
           <a:p>
             <a:r>
-              <a:rPr lang="en-GB" b="1" dirty="0"/>
-              <a:t>SAC SB3?</a:t>
-            </a:r>
-            <a:endParaRPr lang="en-US" dirty="0"/>
+              <a:rPr lang="en-US" dirty="0"/>
+              <a:t>CQL Implementation</a:t>
+            </a:r>
           </a:p>
         </p:txBody>
       </p:sp>
       <p:sp>
         <p:nvSpPr>
-          <p:cNvPr id="3" name="Content Placeholder 2">
-            <a:extLst>
-              <a:ext uri="{FF2B5EF4-FFF2-40B4-BE49-F238E27FC236}">
-                <a16:creationId xmlns:a16="http://schemas.microsoft.com/office/drawing/2014/main" id="{5BC3F40E-B528-C0B3-6F14-4CB7F40107E9}"/>
-              </a:ext>
-            </a:extLst>
-          </p:cNvPr>
-          <p:cNvSpPr>
-            <a:spLocks noGrp="1"/>
-          </p:cNvSpPr>
-          <p:nvPr>
-            <p:ph idx="1"/>
-          </p:nvPr>
+          <p:cNvPr id="5" name="TextBox 4">
+            <a:extLst>
+              <a:ext uri="{FF2B5EF4-FFF2-40B4-BE49-F238E27FC236}">
+                <a16:creationId xmlns:a16="http://schemas.microsoft.com/office/drawing/2014/main" id="{BE6CB632-309B-A055-DA47-DD2F23D09640}"/>
+              </a:ext>
+            </a:extLst>
+          </p:cNvPr>
+          <p:cNvSpPr txBox="1"/>
+          <p:nvPr/>
         </p:nvSpPr>
         <p:spPr>
           <a:xfrm>
-            <a:off x="660993" y="2373828"/>
-            <a:ext cx="10890928" cy="3566160"/>
+            <a:off x="828304" y="2258062"/>
+            <a:ext cx="10890929" cy="2031325"/>
           </a:xfrm>
+          <a:prstGeom prst="rect">
+            <a:avLst/>
+          </a:prstGeom>
+          <a:noFill/>
         </p:spPr>
         <p:txBody>
-          <a:bodyPr>
-            <a:normAutofit fontScale="77500" lnSpcReduction="20000"/>
+          <a:bodyPr wrap="square">
+            <a:spAutoFit/>
           </a:bodyPr>
           <a:lstStyle/>
           <a:p>
-            <a:pPr marL="0" indent="0">
-              <a:buNone/>
+            <a:r>
+              <a:rPr lang="en-GB" dirty="0"/>
+              <a:t>Penalize overestimation of </a:t>
+            </a:r>
+            <a:r>
+              <a:rPr lang="en-GB" b="1" dirty="0"/>
+              <a:t>out-of-distribution (OOD)</a:t>
+            </a:r>
+            <a:r>
+              <a:rPr lang="en-GB" dirty="0"/>
+              <a:t> actions by minimizing Q-values on randomly sampled actions from the action space.</a:t>
+            </a:r>
+          </a:p>
+          <a:p>
+            <a:endParaRPr lang="en-GB" dirty="0"/>
+          </a:p>
+          <a:p>
+            <a:r>
+              <a:rPr lang="en-GB" b="1" dirty="0"/>
+              <a:t>Method Highlights:</a:t>
+            </a:r>
+            <a:endParaRPr lang="en-GB" dirty="0"/>
+          </a:p>
+          <a:p>
+            <a:pPr marL="285750" indent="-285750">
+              <a:buFont typeface="Arial" panose="020B0604020202020204" pitchFamily="34" charset="0"/>
+              <a:buChar char="•"/>
             </a:pPr>
             <a:r>
               <a:rPr lang="en-GB" dirty="0"/>
-              <a:t>SAC SB3 is the </a:t>
+              <a:t>Adds a </a:t>
             </a:r>
             <a:r>
               <a:rPr lang="en-GB" b="1" dirty="0"/>
-              <a:t>Soft Actor-Critic algorithm implemented in the Stable-Baselines3 (SB3) library</a:t>
+              <a:t>conservative regularization term</a:t>
             </a:r>
             <a:r>
               <a:rPr lang="en-GB" dirty="0"/>
-              <a:t>, using a standard Multi-Layer Perceptron (MLP) policy. It provides a reliable, high-level API for training reinforcement learning agents with minimal setup.</a:t>
-            </a:r>
-          </a:p>
-          <a:p>
-            <a:pPr marL="0" indent="0">
-              <a:buNone/>
+              <a:t> to the Bellman loss.</a:t>
+            </a:r>
+          </a:p>
+          <a:p>
+            <a:pPr marL="285750" indent="-285750">
+              <a:buFont typeface="Arial" panose="020B0604020202020204" pitchFamily="34" charset="0"/>
+              <a:buChar char="•"/>
             </a:pPr>
-            <a:endParaRPr lang="en-GB" dirty="0"/>
-          </a:p>
-          <a:p>
-            <a:pPr marL="0" indent="0">
-              <a:buNone/>
+            <a:r>
+              <a:rPr lang="en-GB" dirty="0"/>
+              <a:t>Prevents exploitation of </a:t>
+            </a:r>
+            <a:r>
+              <a:rPr lang="en-GB" b="1" dirty="0"/>
+              <a:t>bad Q estimates</a:t>
+            </a:r>
+            <a:r>
+              <a:rPr lang="en-GB" dirty="0"/>
+              <a:t> from unseen actions.</a:t>
+            </a:r>
+          </a:p>
+          <a:p>
+            <a:pPr marL="285750" indent="-285750">
+              <a:buFont typeface="Arial" panose="020B0604020202020204" pitchFamily="34" charset="0"/>
+              <a:buChar char="•"/>
             </a:pPr>
             <a:r>
+              <a:rPr lang="en-GB" dirty="0"/>
+              <a:t>Works well across a range of continuous control tasks.</a:t>
+            </a:r>
+          </a:p>
+        </p:txBody>
+      </p:sp>
+      <p:sp>
+        <p:nvSpPr>
+          <p:cNvPr id="7" name="TextBox 6">
+            <a:extLst>
+              <a:ext uri="{FF2B5EF4-FFF2-40B4-BE49-F238E27FC236}">
+                <a16:creationId xmlns:a16="http://schemas.microsoft.com/office/drawing/2014/main" id="{069ABEE2-88DC-240E-7051-8E2D7DFFE0AA}"/>
+              </a:ext>
+            </a:extLst>
+          </p:cNvPr>
+          <p:cNvSpPr txBox="1"/>
+          <p:nvPr/>
+        </p:nvSpPr>
+        <p:spPr>
+          <a:xfrm>
+            <a:off x="828304" y="4389120"/>
+            <a:ext cx="10702704" cy="1477328"/>
+          </a:xfrm>
+          <a:prstGeom prst="rect">
+            <a:avLst/>
+          </a:prstGeom>
+          <a:noFill/>
+        </p:spPr>
+        <p:txBody>
+          <a:bodyPr wrap="square">
+            <a:spAutoFit/>
+          </a:bodyPr>
+          <a:lstStyle/>
+          <a:p>
+            <a:r>
               <a:rPr lang="en-GB" b="1" dirty="0"/>
-              <a:t>Why ? – Key Points</a:t>
-            </a:r>
-          </a:p>
-          <a:p>
-            <a:r>
+              <a:t>Title:</a:t>
+            </a:r>
+            <a:br>
               <a:rPr lang="en-GB" dirty="0"/>
-              <a:t>Off-the-shelf SAC implementation from Stable-Baselines3.</a:t>
-            </a:r>
-          </a:p>
-          <a:p>
-            <a:r>
+            </a:br>
+            <a:r>
+              <a:rPr lang="en-GB" b="1" dirty="0"/>
+              <a:t>Conservative Q-Learning for Offline Reinforcement Learning</a:t>
+            </a:r>
+            <a:br>
               <a:rPr lang="en-GB" dirty="0"/>
-              <a:t>Uses default MLP policy (2 hidden layers, 256 units).</a:t>
-            </a:r>
-          </a:p>
-          <a:p>
+            </a:br>
+            <a:r>
+              <a:rPr lang="en-GB" b="1" dirty="0"/>
+              <a:t>Authors:</a:t>
+            </a:r>
             <a:r>
               <a:rPr lang="en-GB" dirty="0"/>
-              <a:t>Handles training logic, replay buffer, and updates internally.</a:t>
-            </a:r>
-          </a:p>
-          <a:p>
+              <a:t> </a:t>
+            </a:r>
+            <a:r>
+              <a:rPr lang="en-GB" dirty="0" err="1"/>
+              <a:t>Aviral</a:t>
+            </a:r>
             <a:r>
               <a:rPr lang="en-GB" dirty="0"/>
-              <a:t>More stable and easier to use than custom code.</a:t>
-            </a:r>
-          </a:p>
-          <a:p>
+              <a:t> Kumar, </a:t>
+            </a:r>
+            <a:r>
+              <a:rPr lang="en-GB" dirty="0" err="1"/>
+              <a:t>Aurick</a:t>
+            </a:r>
             <a:r>
               <a:rPr lang="en-GB" dirty="0"/>
-              <a:t>Ideal for fast, reliable experimentation.</a:t>
-            </a:r>
-          </a:p>
-          <a:p>
-            <a:pPr marL="0" indent="0">
-              <a:buNone/>
-            </a:pPr>
-            <a:endParaRPr lang="en-GB" dirty="0"/>
-          </a:p>
-          <a:p>
+              <a:t> Zhou, George Tucker, Sergey Levine</a:t>
+            </a:r>
+            <a:br>
+              <a:rPr lang="en-GB" dirty="0"/>
+            </a:br>
+            <a:r>
+              <a:rPr lang="en-GB" b="1" dirty="0"/>
+              <a:t>Published:</a:t>
+            </a:r>
+            <a:r>
+              <a:rPr lang="en-GB" dirty="0"/>
+              <a:t> </a:t>
+            </a:r>
+            <a:r>
+              <a:rPr lang="en-GB" dirty="0" err="1"/>
+              <a:t>NeurIPS</a:t>
+            </a:r>
+            <a:r>
+              <a:rPr lang="en-GB" dirty="0"/>
+              <a:t> 2020</a:t>
+            </a:r>
+            <a:br>
+              <a:rPr lang="en-GB" dirty="0"/>
+            </a:br>
+            <a:r>
+              <a:rPr lang="en-GB" b="1" dirty="0"/>
+              <a:t>Link:</a:t>
+            </a:r>
+            <a:r>
+              <a:rPr lang="en-GB" dirty="0"/>
+              <a:t> </a:t>
+            </a:r>
+            <a:r>
+              <a:rPr lang="en-GB" dirty="0">
+                <a:hlinkClick r:id="rId2"/>
+              </a:rPr>
+              <a:t>https://arxiv.org/abs/2006.04779</a:t>
+            </a:r>
             <a:endParaRPr lang="en-US" dirty="0"/>
           </a:p>
         </p:txBody>
@@ -8755,7 +9517,388 @@
     </p:spTree>
     <p:extLst>
       <p:ext uri="{BB962C8B-B14F-4D97-AF65-F5344CB8AC3E}">
-        <p14:creationId xmlns:p14="http://schemas.microsoft.com/office/powerpoint/2010/main" val="1856784282"/>
+        <p14:creationId xmlns:p14="http://schemas.microsoft.com/office/powerpoint/2010/main" val="3430629717"/>
+      </p:ext>
+    </p:extLst>
+  </p:cSld>
+  <p:clrMapOvr>
+    <a:masterClrMapping/>
+  </p:clrMapOvr>
+</p:sld>
+</file>
+
+<file path=ppt/slides/slide23.xml><?xml version="1.0" encoding="utf-8"?>
+<p:sld xmlns:a="http://schemas.openxmlformats.org/drawingml/2006/main" xmlns:r="http://schemas.openxmlformats.org/officeDocument/2006/relationships" xmlns:p="http://schemas.openxmlformats.org/presentationml/2006/main">
+  <p:cSld>
+    <p:spTree>
+      <p:nvGrpSpPr>
+        <p:cNvPr id="1" name="">
+          <a:extLst>
+            <a:ext uri="{FF2B5EF4-FFF2-40B4-BE49-F238E27FC236}">
+              <a16:creationId xmlns:a16="http://schemas.microsoft.com/office/drawing/2014/main" id="{E7C82CE8-3968-AD9A-E54E-29043C098840}"/>
+            </a:ext>
+          </a:extLst>
+        </p:cNvPr>
+        <p:cNvGrpSpPr/>
+        <p:nvPr/>
+      </p:nvGrpSpPr>
+      <p:grpSpPr>
+        <a:xfrm>
+          <a:off x="0" y="0"/>
+          <a:ext cx="0" cy="0"/>
+          <a:chOff x="0" y="0"/>
+          <a:chExt cx="0" cy="0"/>
+        </a:xfrm>
+      </p:grpSpPr>
+      <p:sp>
+        <p:nvSpPr>
+          <p:cNvPr id="2" name="Title 1">
+            <a:extLst>
+              <a:ext uri="{FF2B5EF4-FFF2-40B4-BE49-F238E27FC236}">
+                <a16:creationId xmlns:a16="http://schemas.microsoft.com/office/drawing/2014/main" id="{B5E28916-9104-3160-AE96-972410A6F9E1}"/>
+              </a:ext>
+            </a:extLst>
+          </p:cNvPr>
+          <p:cNvSpPr>
+            <a:spLocks noGrp="1"/>
+          </p:cNvSpPr>
+          <p:nvPr>
+            <p:ph type="title"/>
+          </p:nvPr>
+        </p:nvSpPr>
+        <p:spPr>
+          <a:xfrm>
+            <a:off x="640079" y="1258712"/>
+            <a:ext cx="10890929" cy="748218"/>
+          </a:xfrm>
+        </p:spPr>
+        <p:txBody>
+          <a:bodyPr/>
+          <a:lstStyle/>
+          <a:p>
+            <a:r>
+              <a:rPr lang="en-GB" b="0" i="0" u="none" strike="noStrike" dirty="0">
+                <a:solidFill>
+                  <a:srgbClr val="000000"/>
+                </a:solidFill>
+                <a:effectLst/>
+                <a:latin typeface="-webkit-standard"/>
+              </a:rPr>
+              <a:t>Code Structure (.</a:t>
+            </a:r>
+            <a:r>
+              <a:rPr lang="en-GB" b="0" i="0" u="none" strike="noStrike" dirty="0" err="1">
+                <a:solidFill>
+                  <a:srgbClr val="000000"/>
+                </a:solidFill>
+                <a:effectLst/>
+                <a:latin typeface="-webkit-standard"/>
+              </a:rPr>
+              <a:t>py</a:t>
+            </a:r>
+            <a:r>
+              <a:rPr lang="en-GB" b="0" i="0" u="none" strike="noStrike" dirty="0">
+                <a:solidFill>
+                  <a:srgbClr val="000000"/>
+                </a:solidFill>
+                <a:effectLst/>
+                <a:latin typeface="-webkit-standard"/>
+              </a:rPr>
+              <a:t> Files) – Key Changes for CQL</a:t>
+            </a:r>
+            <a:endParaRPr lang="en-US" dirty="0"/>
+          </a:p>
+        </p:txBody>
+      </p:sp>
+      <p:sp>
+        <p:nvSpPr>
+          <p:cNvPr id="9" name="TextBox 8">
+            <a:extLst>
+              <a:ext uri="{FF2B5EF4-FFF2-40B4-BE49-F238E27FC236}">
+                <a16:creationId xmlns:a16="http://schemas.microsoft.com/office/drawing/2014/main" id="{E1507579-5442-6003-AE45-9D4CF2CFEB66}"/>
+              </a:ext>
+            </a:extLst>
+          </p:cNvPr>
+          <p:cNvSpPr txBox="1"/>
+          <p:nvPr/>
+        </p:nvSpPr>
+        <p:spPr>
+          <a:xfrm>
+            <a:off x="768926" y="2154116"/>
+            <a:ext cx="11225151" cy="2031325"/>
+          </a:xfrm>
+          <a:prstGeom prst="rect">
+            <a:avLst/>
+          </a:prstGeom>
+          <a:noFill/>
+        </p:spPr>
+        <p:txBody>
+          <a:bodyPr wrap="square">
+            <a:spAutoFit/>
+          </a:bodyPr>
+          <a:lstStyle/>
+          <a:p>
+            <a:r>
+              <a:rPr lang="en-GB" dirty="0"/>
+              <a:t>Followed a </a:t>
+            </a:r>
+            <a:r>
+              <a:rPr lang="en-GB" b="1" dirty="0"/>
+              <a:t>modular approach</a:t>
+            </a:r>
+            <a:r>
+              <a:rPr lang="en-GB" dirty="0"/>
+              <a:t> without altering core files like </a:t>
+            </a:r>
+            <a:r>
+              <a:rPr lang="en-GB" dirty="0" err="1"/>
+              <a:t>networks.py</a:t>
+            </a:r>
+            <a:r>
+              <a:rPr lang="en-GB" dirty="0"/>
+              <a:t> or </a:t>
+            </a:r>
+            <a:r>
+              <a:rPr lang="en-GB" dirty="0" err="1"/>
+              <a:t>buffer.py</a:t>
+            </a:r>
+            <a:r>
+              <a:rPr lang="en-GB" dirty="0"/>
+              <a:t>.</a:t>
+            </a:r>
+          </a:p>
+          <a:p>
+            <a:endParaRPr lang="en-GB" dirty="0"/>
+          </a:p>
+          <a:p>
+            <a:r>
+              <a:rPr lang="en-GB" b="1" dirty="0"/>
+              <a:t>New File: </a:t>
+            </a:r>
+            <a:r>
+              <a:rPr lang="en-GB" b="1" dirty="0" err="1"/>
+              <a:t>sac_torch_cql.py</a:t>
+            </a:r>
+            <a:endParaRPr lang="en-GB" b="1" dirty="0"/>
+          </a:p>
+          <a:p>
+            <a:endParaRPr lang="en-GB" b="1" dirty="0"/>
+          </a:p>
+          <a:p>
+            <a:pPr marL="285750" indent="-285750">
+              <a:buFont typeface="Arial" panose="020B0604020202020204" pitchFamily="34" charset="0"/>
+              <a:buChar char="•"/>
+            </a:pPr>
+            <a:r>
+              <a:rPr lang="en-GB" dirty="0"/>
+              <a:t>Introduced a </a:t>
+            </a:r>
+            <a:r>
+              <a:rPr lang="en-GB" b="1" dirty="0"/>
+              <a:t>SAC_CQL class</a:t>
+            </a:r>
+            <a:r>
+              <a:rPr lang="en-GB" dirty="0"/>
+              <a:t> that extends offline SAC with CQL logic.</a:t>
+            </a:r>
+          </a:p>
+          <a:p>
+            <a:pPr marL="285750" indent="-285750">
+              <a:buFont typeface="Arial" panose="020B0604020202020204" pitchFamily="34" charset="0"/>
+              <a:buChar char="•"/>
+            </a:pPr>
+            <a:r>
+              <a:rPr lang="en-GB" dirty="0"/>
+              <a:t>Imported existing </a:t>
+            </a:r>
+            <a:r>
+              <a:rPr lang="en-GB" dirty="0" err="1"/>
+              <a:t>ActorNetwork</a:t>
+            </a:r>
+            <a:r>
+              <a:rPr lang="en-GB" dirty="0"/>
+              <a:t> and </a:t>
+            </a:r>
+            <a:r>
+              <a:rPr lang="en-GB" dirty="0" err="1"/>
+              <a:t>CriticNetwork</a:t>
+            </a:r>
+            <a:r>
+              <a:rPr lang="en-GB" dirty="0"/>
+              <a:t> from </a:t>
+            </a:r>
+            <a:r>
+              <a:rPr lang="en-GB" dirty="0" err="1"/>
+              <a:t>networks.py</a:t>
+            </a:r>
+            <a:r>
+              <a:rPr lang="en-GB" dirty="0"/>
+              <a:t>.</a:t>
+            </a:r>
+          </a:p>
+          <a:p>
+            <a:pPr marL="285750" indent="-285750">
+              <a:buFont typeface="Arial" panose="020B0604020202020204" pitchFamily="34" charset="0"/>
+              <a:buChar char="•"/>
+            </a:pPr>
+            <a:r>
+              <a:rPr lang="en-GB" dirty="0"/>
+              <a:t>Added a </a:t>
+            </a:r>
+            <a:r>
+              <a:rPr lang="en-GB" dirty="0" err="1"/>
+              <a:t>TwinCritic</a:t>
+            </a:r>
+            <a:r>
+              <a:rPr lang="en-GB" dirty="0"/>
+              <a:t> wrapper for computing Q1 and Q2.</a:t>
+            </a:r>
+          </a:p>
+        </p:txBody>
+      </p:sp>
+      <p:sp>
+        <p:nvSpPr>
+          <p:cNvPr id="11" name="TextBox 10">
+            <a:extLst>
+              <a:ext uri="{FF2B5EF4-FFF2-40B4-BE49-F238E27FC236}">
+                <a16:creationId xmlns:a16="http://schemas.microsoft.com/office/drawing/2014/main" id="{523CEFCB-25AF-325D-AA0B-D0EE559317C4}"/>
+              </a:ext>
+            </a:extLst>
+          </p:cNvPr>
+          <p:cNvSpPr txBox="1"/>
+          <p:nvPr/>
+        </p:nvSpPr>
+        <p:spPr>
+          <a:xfrm>
+            <a:off x="768926" y="5056319"/>
+            <a:ext cx="9562606" cy="646331"/>
+          </a:xfrm>
+          <a:prstGeom prst="rect">
+            <a:avLst/>
+          </a:prstGeom>
+          <a:noFill/>
+        </p:spPr>
+        <p:txBody>
+          <a:bodyPr wrap="square">
+            <a:spAutoFit/>
+          </a:bodyPr>
+          <a:lstStyle/>
+          <a:p>
+            <a:r>
+              <a:rPr lang="en-GB" dirty="0"/>
+              <a:t>In the train() function:</a:t>
+            </a:r>
+          </a:p>
+          <a:p>
+            <a:r>
+              <a:rPr lang="en-GB" dirty="0"/>
+              <a:t>We added the </a:t>
+            </a:r>
+            <a:r>
+              <a:rPr lang="en-GB" b="1" dirty="0"/>
+              <a:t>log-sum-exp penalty</a:t>
+            </a:r>
+            <a:r>
+              <a:rPr lang="en-GB" dirty="0"/>
+              <a:t> over sampled actions to the Q-function loss:</a:t>
+            </a:r>
+          </a:p>
+        </p:txBody>
+      </p:sp>
+      <p:pic>
+        <p:nvPicPr>
+          <p:cNvPr id="12" name="Picture 11">
+            <a:extLst>
+              <a:ext uri="{FF2B5EF4-FFF2-40B4-BE49-F238E27FC236}">
+                <a16:creationId xmlns:a16="http://schemas.microsoft.com/office/drawing/2014/main" id="{5EFAC93E-E229-32C7-9704-D12A3F6AA433}"/>
+              </a:ext>
+            </a:extLst>
+          </p:cNvPr>
+          <p:cNvPicPr>
+            <a:picLocks noChangeAspect="1"/>
+          </p:cNvPicPr>
+          <p:nvPr/>
+        </p:nvPicPr>
+        <p:blipFill>
+          <a:blip r:embed="rId2"/>
+          <a:stretch>
+            <a:fillRect/>
+          </a:stretch>
+        </p:blipFill>
+        <p:spPr>
+          <a:xfrm>
+            <a:off x="1672771" y="5779017"/>
+            <a:ext cx="6756400" cy="609600"/>
+          </a:xfrm>
+          <a:prstGeom prst="rect">
+            <a:avLst/>
+          </a:prstGeom>
+        </p:spPr>
+      </p:pic>
+      <p:sp>
+        <p:nvSpPr>
+          <p:cNvPr id="14" name="TextBox 13">
+            <a:extLst>
+              <a:ext uri="{FF2B5EF4-FFF2-40B4-BE49-F238E27FC236}">
+                <a16:creationId xmlns:a16="http://schemas.microsoft.com/office/drawing/2014/main" id="{B1B222C6-AEA3-3E33-4416-D474F8AEE594}"/>
+              </a:ext>
+            </a:extLst>
+          </p:cNvPr>
+          <p:cNvSpPr txBox="1"/>
+          <p:nvPr/>
+        </p:nvSpPr>
+        <p:spPr>
+          <a:xfrm>
+            <a:off x="768926" y="4333621"/>
+            <a:ext cx="10393880" cy="646331"/>
+          </a:xfrm>
+          <a:prstGeom prst="rect">
+            <a:avLst/>
+          </a:prstGeom>
+          <a:noFill/>
+        </p:spPr>
+        <p:txBody>
+          <a:bodyPr wrap="square">
+            <a:spAutoFit/>
+          </a:bodyPr>
+          <a:lstStyle/>
+          <a:p>
+            <a:r>
+              <a:rPr lang="en-GB" dirty="0"/>
+              <a:t>Created a </a:t>
+            </a:r>
+            <a:r>
+              <a:rPr lang="en-GB" b="1" dirty="0"/>
+              <a:t>new Python class</a:t>
+            </a:r>
+            <a:r>
+              <a:rPr lang="en-GB" dirty="0"/>
+              <a:t> called SAC_CQL that builds on top of our existing </a:t>
+            </a:r>
+            <a:r>
+              <a:rPr lang="en-GB" b="1" dirty="0"/>
+              <a:t>offline SAC implementation</a:t>
+            </a:r>
+            <a:r>
+              <a:rPr lang="en-GB" dirty="0"/>
+              <a:t> and adds the </a:t>
+            </a:r>
+            <a:r>
+              <a:rPr lang="en-GB" b="1" dirty="0"/>
+              <a:t>Conservative Q-Learning (CQL)</a:t>
+            </a:r>
+            <a:r>
+              <a:rPr lang="en-GB" dirty="0"/>
+              <a:t> logic.</a:t>
+            </a:r>
+            <a:endParaRPr lang="en-US" dirty="0"/>
+          </a:p>
+        </p:txBody>
+      </p:sp>
+    </p:spTree>
+    <p:extLst>
+      <p:ext uri="{BB962C8B-B14F-4D97-AF65-F5344CB8AC3E}">
+        <p14:creationId xmlns:p14="http://schemas.microsoft.com/office/powerpoint/2010/main" val="3178344256"/>
       </p:ext>
     </p:extLst>
   </p:cSld>
@@ -8773,7 +9916,7 @@
         <p:cNvPr id="1" name="">
           <a:extLst>
             <a:ext uri="{FF2B5EF4-FFF2-40B4-BE49-F238E27FC236}">
-              <a16:creationId xmlns:a16="http://schemas.microsoft.com/office/drawing/2014/main" id="{F60DEE02-61F0-1C04-4122-E7C8C5A84E46}"/>
+              <a16:creationId xmlns:a16="http://schemas.microsoft.com/office/drawing/2014/main" id="{7E4223D2-503A-FB3E-E1C3-026EED027477}"/>
             </a:ext>
           </a:extLst>
         </p:cNvPr>
@@ -8793,7 +9936,7 @@
           <p:cNvPr id="2" name="Title 1">
             <a:extLst>
               <a:ext uri="{FF2B5EF4-FFF2-40B4-BE49-F238E27FC236}">
-                <a16:creationId xmlns:a16="http://schemas.microsoft.com/office/drawing/2014/main" id="{3FABC77A-E5B4-7BDF-076D-158B3105E03A}"/>
+                <a16:creationId xmlns:a16="http://schemas.microsoft.com/office/drawing/2014/main" id="{FAAFD7B9-9461-717E-E0C6-656ED3262CA7}"/>
               </a:ext>
             </a:extLst>
           </p:cNvPr>
@@ -8806,8 +9949,8 @@
         </p:nvSpPr>
         <p:spPr>
           <a:xfrm>
-            <a:off x="650535" y="1192293"/>
-            <a:ext cx="10890929" cy="828418"/>
+            <a:off x="640079" y="1258712"/>
+            <a:ext cx="10890929" cy="1097280"/>
           </a:xfrm>
         </p:spPr>
         <p:txBody>
@@ -8822,46 +9965,180 @@
                 <a:effectLst/>
                 <a:latin typeface="-webkit-standard"/>
               </a:rPr>
-              <a:t>Results Overview -  LunarLanderContv2 Online</a:t>
+              <a:t>Code Structure (.</a:t>
+            </a:r>
+            <a:r>
+              <a:rPr lang="en-GB" b="0" i="0" u="none" strike="noStrike" dirty="0" err="1">
+                <a:solidFill>
+                  <a:srgbClr val="000000"/>
+                </a:solidFill>
+                <a:effectLst/>
+                <a:latin typeface="-webkit-standard"/>
+              </a:rPr>
+              <a:t>py</a:t>
+            </a:r>
+            <a:r>
+              <a:rPr lang="en-GB" b="0" i="0" u="none" strike="noStrike" dirty="0">
+                <a:solidFill>
+                  <a:srgbClr val="000000"/>
+                </a:solidFill>
+                <a:effectLst/>
+                <a:latin typeface="-webkit-standard"/>
+              </a:rPr>
+              <a:t> Files) – Key Changes for CQL</a:t>
             </a:r>
             <a:endParaRPr lang="en-US" dirty="0"/>
           </a:p>
         </p:txBody>
       </p:sp>
-      <p:pic>
-        <p:nvPicPr>
-          <p:cNvPr id="5" name="Picture 4" descr="A graph showing a graph of a graph&#10;&#10;Description automatically generated with medium confidence">
-            <a:extLst>
-              <a:ext uri="{FF2B5EF4-FFF2-40B4-BE49-F238E27FC236}">
-                <a16:creationId xmlns:a16="http://schemas.microsoft.com/office/drawing/2014/main" id="{883A56B6-400C-12F3-E736-2560BDF19908}"/>
-              </a:ext>
-            </a:extLst>
-          </p:cNvPr>
-          <p:cNvPicPr>
-            <a:picLocks noChangeAspect="1"/>
-          </p:cNvPicPr>
+      <p:sp>
+        <p:nvSpPr>
+          <p:cNvPr id="4" name="TextBox 3">
+            <a:extLst>
+              <a:ext uri="{FF2B5EF4-FFF2-40B4-BE49-F238E27FC236}">
+                <a16:creationId xmlns:a16="http://schemas.microsoft.com/office/drawing/2014/main" id="{12C0F2FC-7B88-7D26-2FEB-12C37FB6AF94}"/>
+              </a:ext>
+            </a:extLst>
+          </p:cNvPr>
+          <p:cNvSpPr txBox="1"/>
           <p:nvPr/>
-        </p:nvPicPr>
-        <p:blipFill>
-          <a:blip r:embed="rId3"/>
-          <a:stretch>
-            <a:fillRect/>
-          </a:stretch>
-        </p:blipFill>
+        </p:nvSpPr>
         <p:spPr>
           <a:xfrm>
-            <a:off x="887380" y="1893710"/>
-            <a:ext cx="9543554" cy="4771778"/>
+            <a:off x="768928" y="2059909"/>
+            <a:ext cx="10762080" cy="1200329"/>
           </a:xfrm>
           <a:prstGeom prst="rect">
             <a:avLst/>
           </a:prstGeom>
+          <a:noFill/>
         </p:spPr>
-      </p:pic>
+        <p:txBody>
+          <a:bodyPr wrap="square">
+            <a:spAutoFit/>
+          </a:bodyPr>
+          <a:lstStyle/>
+          <a:p>
+            <a:r>
+              <a:rPr lang="en-GB" dirty="0"/>
+              <a:t>The only change happens in the critic update step (loss function), so, </a:t>
+            </a:r>
+            <a:r>
+              <a:rPr lang="en-GB" dirty="0" err="1"/>
+              <a:t>resued</a:t>
+            </a:r>
+            <a:r>
+              <a:rPr lang="en-GB" dirty="0"/>
+              <a:t> everything else from offline SAC: replay buffer, actor updates, entropy terms.</a:t>
+            </a:r>
+          </a:p>
+          <a:p>
+            <a:endParaRPr lang="en-GB" dirty="0"/>
+          </a:p>
+          <a:p>
+            <a:pPr algn="ctr"/>
+            <a:r>
+              <a:rPr lang="en-GB" dirty="0" err="1"/>
+              <a:t>q_loss</a:t>
+            </a:r>
+            <a:r>
+              <a:rPr lang="en-GB" dirty="0"/>
+              <a:t> += </a:t>
+            </a:r>
+            <a:r>
+              <a:rPr lang="en-GB" dirty="0" err="1"/>
+              <a:t>cql_alpha</a:t>
+            </a:r>
+            <a:r>
+              <a:rPr lang="en-GB" dirty="0"/>
+              <a:t> * (</a:t>
+            </a:r>
+            <a:r>
+              <a:rPr lang="en-GB" dirty="0" err="1"/>
+              <a:t>logsumexp</a:t>
+            </a:r>
+            <a:r>
+              <a:rPr lang="en-GB" dirty="0"/>
+              <a:t>(</a:t>
+            </a:r>
+            <a:r>
+              <a:rPr lang="en-GB" dirty="0" err="1"/>
+              <a:t>Q_rand</a:t>
+            </a:r>
+            <a:r>
+              <a:rPr lang="en-GB" dirty="0"/>
+              <a:t>) – </a:t>
+            </a:r>
+            <a:r>
+              <a:rPr lang="en-GB" dirty="0" err="1"/>
+              <a:t>Q_dataset</a:t>
+            </a:r>
+            <a:r>
+              <a:rPr lang="en-GB" dirty="0"/>
+              <a:t>)</a:t>
+            </a:r>
+          </a:p>
+        </p:txBody>
+      </p:sp>
+      <p:sp>
+        <p:nvSpPr>
+          <p:cNvPr id="6" name="TextBox 5">
+            <a:extLst>
+              <a:ext uri="{FF2B5EF4-FFF2-40B4-BE49-F238E27FC236}">
+                <a16:creationId xmlns:a16="http://schemas.microsoft.com/office/drawing/2014/main" id="{D38DD0FA-8F98-C01F-254D-3ACC76499E41}"/>
+              </a:ext>
+            </a:extLst>
+          </p:cNvPr>
+          <p:cNvSpPr txBox="1"/>
+          <p:nvPr/>
+        </p:nvSpPr>
+        <p:spPr>
+          <a:xfrm>
+            <a:off x="768927" y="3599770"/>
+            <a:ext cx="11106397" cy="923330"/>
+          </a:xfrm>
+          <a:prstGeom prst="rect">
+            <a:avLst/>
+          </a:prstGeom>
+          <a:noFill/>
+        </p:spPr>
+        <p:txBody>
+          <a:bodyPr wrap="square">
+            <a:spAutoFit/>
+          </a:bodyPr>
+          <a:lstStyle/>
+          <a:p>
+            <a:r>
+              <a:rPr lang="en-GB" dirty="0"/>
+              <a:t>Sampled random actions and policy actions to compute the log-sum-exp penalty.</a:t>
+            </a:r>
+          </a:p>
+          <a:p>
+            <a:r>
+              <a:rPr lang="en-GB" dirty="0"/>
+              <a:t>Used min(Q1, Q2) as target Q-value (same as SAC and paper).</a:t>
+            </a:r>
+          </a:p>
+          <a:p>
+            <a:r>
+              <a:rPr lang="en-GB" dirty="0"/>
+              <a:t>Introduced new hyperparameter: </a:t>
+            </a:r>
+            <a:r>
+              <a:rPr lang="en-GB" dirty="0" err="1"/>
+              <a:t>cql_alpha</a:t>
+            </a:r>
+            <a:r>
+              <a:rPr lang="en-GB" dirty="0"/>
+              <a:t> (strength of conservative penalty).</a:t>
+            </a:r>
+          </a:p>
+        </p:txBody>
+      </p:sp>
     </p:spTree>
     <p:extLst>
       <p:ext uri="{BB962C8B-B14F-4D97-AF65-F5344CB8AC3E}">
-        <p14:creationId xmlns:p14="http://schemas.microsoft.com/office/powerpoint/2010/main" val="1248445815"/>
+        <p14:creationId xmlns:p14="http://schemas.microsoft.com/office/powerpoint/2010/main" val="92247360"/>
       </p:ext>
     </p:extLst>
   </p:cSld>
@@ -8879,7 +10156,7 @@
         <p:cNvPr id="1" name="">
           <a:extLst>
             <a:ext uri="{FF2B5EF4-FFF2-40B4-BE49-F238E27FC236}">
-              <a16:creationId xmlns:a16="http://schemas.microsoft.com/office/drawing/2014/main" id="{636752E2-4A58-859C-5030-307BCFFD393F}"/>
+              <a16:creationId xmlns:a16="http://schemas.microsoft.com/office/drawing/2014/main" id="{27726F58-E3B7-F4C3-1787-93EBF3A7F260}"/>
             </a:ext>
           </a:extLst>
         </p:cNvPr>
@@ -8899,7 +10176,7 @@
           <p:cNvPr id="2" name="Title 1">
             <a:extLst>
               <a:ext uri="{FF2B5EF4-FFF2-40B4-BE49-F238E27FC236}">
-                <a16:creationId xmlns:a16="http://schemas.microsoft.com/office/drawing/2014/main" id="{EEFD1C74-B221-FF74-39BC-493DE6330FFE}"/>
+                <a16:creationId xmlns:a16="http://schemas.microsoft.com/office/drawing/2014/main" id="{4401DBBC-B162-83C5-06E8-1A81F2F120F1}"/>
               </a:ext>
             </a:extLst>
           </p:cNvPr>
@@ -8912,110 +10189,1485 @@
         </p:nvSpPr>
         <p:spPr>
           <a:xfrm>
-            <a:off x="640078" y="1220103"/>
-            <a:ext cx="10890929" cy="744164"/>
-          </a:xfrm>
-        </p:spPr>
-        <p:txBody>
-          <a:bodyPr/>
-          <a:lstStyle/>
-          <a:p>
-            <a:r>
-              <a:rPr lang="en-US" dirty="0"/>
-              <a:t>Interpretation</a:t>
-            </a:r>
-          </a:p>
-        </p:txBody>
-      </p:sp>
-      <p:sp>
-        <p:nvSpPr>
-          <p:cNvPr id="3" name="Content Placeholder 2">
-            <a:extLst>
-              <a:ext uri="{FF2B5EF4-FFF2-40B4-BE49-F238E27FC236}">
-                <a16:creationId xmlns:a16="http://schemas.microsoft.com/office/drawing/2014/main" id="{E5708B5C-9F5C-4758-2C3E-9E1B586D54F5}"/>
-              </a:ext>
-            </a:extLst>
-          </p:cNvPr>
-          <p:cNvSpPr>
-            <a:spLocks noGrp="1"/>
-          </p:cNvSpPr>
-          <p:nvPr>
-            <p:ph idx="1"/>
-          </p:nvPr>
-        </p:nvSpPr>
-        <p:spPr>
-          <a:xfrm>
-            <a:off x="640079" y="2317383"/>
-            <a:ext cx="10890928" cy="3566160"/>
+            <a:off x="548650" y="1128083"/>
+            <a:ext cx="10890929" cy="688841"/>
           </a:xfrm>
         </p:spPr>
         <p:txBody>
           <a:bodyPr>
-            <a:normAutofit fontScale="92500" lnSpcReduction="10000"/>
+            <a:normAutofit fontScale="90000"/>
           </a:bodyPr>
           <a:lstStyle/>
           <a:p>
-            <a:pPr>
-              <a:buFont typeface="Arial" panose="020B0604020202020204" pitchFamily="34" charset="0"/>
-              <a:buChar char="•"/>
-            </a:pPr>
-            <a:r>
-              <a:rPr lang="en-GB" b="1" dirty="0"/>
-              <a:t>Rapid Learning:</a:t>
-            </a:r>
-            <a:r>
-              <a:rPr lang="en-GB" dirty="0"/>
-              <a:t> By around episode 200, the agent went from mostly crashing (returns ≪ 0) to consistently scoring ≥ 200, showing it “solved” the task within those first few hundred episodes.</a:t>
-            </a:r>
-          </a:p>
-          <a:p>
-            <a:pPr>
-              <a:buFont typeface="Arial" panose="020B0604020202020204" pitchFamily="34" charset="0"/>
-              <a:buChar char="•"/>
-            </a:pPr>
-            <a:r>
-              <a:rPr lang="en-GB" b="1" dirty="0"/>
-              <a:t>High Final Performance:</a:t>
-            </a:r>
-            <a:r>
-              <a:rPr lang="en-GB" dirty="0"/>
-              <a:t> After ~400 episodes, the rolling mean stabilized around 280–300 return, indicating near‐optimal landings with minimal fuel usage.</a:t>
-            </a:r>
-          </a:p>
-          <a:p>
-            <a:pPr>
-              <a:buFont typeface="Arial" panose="020B0604020202020204" pitchFamily="34" charset="0"/>
-              <a:buChar char="•"/>
-            </a:pPr>
-            <a:r>
-              <a:rPr lang="en-GB" b="1" dirty="0"/>
-              <a:t>Low Variability:</a:t>
-            </a:r>
-            <a:r>
-              <a:rPr lang="en-GB" dirty="0"/>
-              <a:t> In later episodes (1,500–2,280), the ±1 STD band tightened to ±20 points, meaning nearly every landing was consistently good (returns ~260–320).</a:t>
-            </a:r>
-          </a:p>
-          <a:p>
-            <a:pPr>
-              <a:buFont typeface="Arial" panose="020B0604020202020204" pitchFamily="34" charset="0"/>
-              <a:buChar char="•"/>
-            </a:pPr>
-            <a:r>
-              <a:rPr lang="en-GB" b="1" dirty="0"/>
-              <a:t>Expected or Better:</a:t>
-            </a:r>
-            <a:r>
-              <a:rPr lang="en-GB" dirty="0"/>
-              <a:t> Achieving ~300 average reward is on par with or slightly above typical SAC baselines for LunarLanderContinuous-v2, so performance meets expectations and is at the high end of reported results.</a:t>
-            </a:r>
+            <a:r>
+              <a:rPr lang="en-GB" b="0" i="0" u="none" strike="noStrike" dirty="0">
+                <a:solidFill>
+                  <a:srgbClr val="000000"/>
+                </a:solidFill>
+                <a:effectLst/>
+                <a:latin typeface="-webkit-standard"/>
+              </a:rPr>
+              <a:t>Key Implementations for CQL</a:t>
+            </a:r>
+            <a:endParaRPr lang="en-US" dirty="0"/>
           </a:p>
         </p:txBody>
       </p:sp>
+      <p:graphicFrame>
+        <p:nvGraphicFramePr>
+          <p:cNvPr id="3" name="Table 2">
+            <a:extLst>
+              <a:ext uri="{FF2B5EF4-FFF2-40B4-BE49-F238E27FC236}">
+                <a16:creationId xmlns:a16="http://schemas.microsoft.com/office/drawing/2014/main" id="{BDED3EEE-1E0F-E1A0-B016-3C9C0AEA6442}"/>
+              </a:ext>
+            </a:extLst>
+          </p:cNvPr>
+          <p:cNvGraphicFramePr>
+            <a:graphicFrameLocks noGrp="1"/>
+          </p:cNvGraphicFramePr>
+          <p:nvPr>
+            <p:extLst>
+              <p:ext uri="{D42A27DB-BD31-4B8C-83A1-F6EECF244321}">
+                <p14:modId xmlns:p14="http://schemas.microsoft.com/office/powerpoint/2010/main" val="1658589829"/>
+              </p:ext>
+            </p:extLst>
+          </p:nvPr>
+        </p:nvGraphicFramePr>
+        <p:xfrm>
+          <a:off x="701242" y="1992396"/>
+          <a:ext cx="11043453" cy="4081784"/>
+        </p:xfrm>
+        <a:graphic>
+          <a:graphicData uri="http://schemas.openxmlformats.org/drawingml/2006/table">
+            <a:tbl>
+              <a:tblPr/>
+              <a:tblGrid>
+                <a:gridCol w="2267589">
+                  <a:extLst>
+                    <a:ext uri="{9D8B030D-6E8A-4147-A177-3AD203B41FA5}">
+                      <a16:colId xmlns:a16="http://schemas.microsoft.com/office/drawing/2014/main" val="889516752"/>
+                    </a:ext>
+                  </a:extLst>
+                </a:gridCol>
+                <a:gridCol w="4500748">
+                  <a:extLst>
+                    <a:ext uri="{9D8B030D-6E8A-4147-A177-3AD203B41FA5}">
+                      <a16:colId xmlns:a16="http://schemas.microsoft.com/office/drawing/2014/main" val="2759585267"/>
+                    </a:ext>
+                  </a:extLst>
+                </a:gridCol>
+                <a:gridCol w="4275116">
+                  <a:extLst>
+                    <a:ext uri="{9D8B030D-6E8A-4147-A177-3AD203B41FA5}">
+                      <a16:colId xmlns:a16="http://schemas.microsoft.com/office/drawing/2014/main" val="3902250561"/>
+                    </a:ext>
+                  </a:extLst>
+                </a:gridCol>
+              </a:tblGrid>
+              <a:tr h="229721">
+                <a:tc>
+                  <a:txBody>
+                    <a:bodyPr/>
+                    <a:lstStyle/>
+                    <a:p>
+                      <a:r>
+                        <a:rPr lang="en-GB" sz="1200" dirty="0"/>
+                        <a:t>Implementation</a:t>
+                      </a:r>
+                    </a:p>
+                  </a:txBody>
+                  <a:tcPr marL="37141" marR="37141" marT="18570" marB="18570" anchor="ctr">
+                    <a:lnL w="12700" cap="flat" cmpd="sng" algn="ctr">
+                      <a:solidFill>
+                        <a:schemeClr val="tx1"/>
+                      </a:solidFill>
+                      <a:prstDash val="solid"/>
+                      <a:round/>
+                      <a:headEnd type="none" w="med" len="med"/>
+                      <a:tailEnd type="none" w="med" len="med"/>
+                    </a:lnL>
+                    <a:lnR w="12700" cap="flat" cmpd="sng" algn="ctr">
+                      <a:solidFill>
+                        <a:schemeClr val="tx1"/>
+                      </a:solidFill>
+                      <a:prstDash val="solid"/>
+                      <a:round/>
+                      <a:headEnd type="none" w="med" len="med"/>
+                      <a:tailEnd type="none" w="med" len="med"/>
+                    </a:lnR>
+                    <a:lnT w="12700" cap="flat" cmpd="sng" algn="ctr">
+                      <a:solidFill>
+                        <a:schemeClr val="tx1"/>
+                      </a:solidFill>
+                      <a:prstDash val="solid"/>
+                      <a:round/>
+                      <a:headEnd type="none" w="med" len="med"/>
+                      <a:tailEnd type="none" w="med" len="med"/>
+                    </a:lnT>
+                    <a:lnB w="12700" cap="flat" cmpd="sng" algn="ctr">
+                      <a:solidFill>
+                        <a:schemeClr val="tx1"/>
+                      </a:solidFill>
+                      <a:prstDash val="solid"/>
+                      <a:round/>
+                      <a:headEnd type="none" w="med" len="med"/>
+                      <a:tailEnd type="none" w="med" len="med"/>
+                    </a:lnB>
+                    <a:noFill/>
+                  </a:tcPr>
+                </a:tc>
+                <a:tc>
+                  <a:txBody>
+                    <a:bodyPr/>
+                    <a:lstStyle/>
+                    <a:p>
+                      <a:r>
+                        <a:rPr lang="en-GB" sz="1200" dirty="0"/>
+                        <a:t>Description</a:t>
+                      </a:r>
+                    </a:p>
+                  </a:txBody>
+                  <a:tcPr marL="37141" marR="37141" marT="18570" marB="18570" anchor="ctr">
+                    <a:lnL w="12700" cap="flat" cmpd="sng" algn="ctr">
+                      <a:solidFill>
+                        <a:schemeClr val="tx1"/>
+                      </a:solidFill>
+                      <a:prstDash val="solid"/>
+                      <a:round/>
+                      <a:headEnd type="none" w="med" len="med"/>
+                      <a:tailEnd type="none" w="med" len="med"/>
+                    </a:lnL>
+                    <a:lnR w="12700" cap="flat" cmpd="sng" algn="ctr">
+                      <a:solidFill>
+                        <a:schemeClr val="tx1"/>
+                      </a:solidFill>
+                      <a:prstDash val="solid"/>
+                      <a:round/>
+                      <a:headEnd type="none" w="med" len="med"/>
+                      <a:tailEnd type="none" w="med" len="med"/>
+                    </a:lnR>
+                    <a:lnT w="12700" cap="flat" cmpd="sng" algn="ctr">
+                      <a:solidFill>
+                        <a:schemeClr val="tx1"/>
+                      </a:solidFill>
+                      <a:prstDash val="solid"/>
+                      <a:round/>
+                      <a:headEnd type="none" w="med" len="med"/>
+                      <a:tailEnd type="none" w="med" len="med"/>
+                    </a:lnT>
+                    <a:lnB w="12700" cap="flat" cmpd="sng" algn="ctr">
+                      <a:solidFill>
+                        <a:schemeClr val="tx1"/>
+                      </a:solidFill>
+                      <a:prstDash val="solid"/>
+                      <a:round/>
+                      <a:headEnd type="none" w="med" len="med"/>
+                      <a:tailEnd type="none" w="med" len="med"/>
+                    </a:lnB>
+                    <a:noFill/>
+                  </a:tcPr>
+                </a:tc>
+                <a:tc>
+                  <a:txBody>
+                    <a:bodyPr/>
+                    <a:lstStyle/>
+                    <a:p>
+                      <a:r>
+                        <a:rPr lang="en-GB" sz="1200" dirty="0"/>
+                        <a:t>Reason</a:t>
+                      </a:r>
+                    </a:p>
+                  </a:txBody>
+                  <a:tcPr marL="37141" marR="37141" marT="18570" marB="18570" anchor="ctr">
+                    <a:lnL w="12700" cap="flat" cmpd="sng" algn="ctr">
+                      <a:solidFill>
+                        <a:schemeClr val="tx1"/>
+                      </a:solidFill>
+                      <a:prstDash val="solid"/>
+                      <a:round/>
+                      <a:headEnd type="none" w="med" len="med"/>
+                      <a:tailEnd type="none" w="med" len="med"/>
+                    </a:lnL>
+                    <a:lnR w="12700" cap="flat" cmpd="sng" algn="ctr">
+                      <a:solidFill>
+                        <a:schemeClr val="tx1"/>
+                      </a:solidFill>
+                      <a:prstDash val="solid"/>
+                      <a:round/>
+                      <a:headEnd type="none" w="med" len="med"/>
+                      <a:tailEnd type="none" w="med" len="med"/>
+                    </a:lnR>
+                    <a:lnT w="12700" cap="flat" cmpd="sng" algn="ctr">
+                      <a:solidFill>
+                        <a:schemeClr val="tx1"/>
+                      </a:solidFill>
+                      <a:prstDash val="solid"/>
+                      <a:round/>
+                      <a:headEnd type="none" w="med" len="med"/>
+                      <a:tailEnd type="none" w="med" len="med"/>
+                    </a:lnT>
+                    <a:lnB w="12700" cap="flat" cmpd="sng" algn="ctr">
+                      <a:solidFill>
+                        <a:schemeClr val="tx1"/>
+                      </a:solidFill>
+                      <a:prstDash val="solid"/>
+                      <a:round/>
+                      <a:headEnd type="none" w="med" len="med"/>
+                      <a:tailEnd type="none" w="med" len="med"/>
+                    </a:lnB>
+                    <a:noFill/>
+                  </a:tcPr>
+                </a:tc>
+                <a:extLst>
+                  <a:ext uri="{0D108BD9-81ED-4DB2-BD59-A6C34878D82A}">
+                    <a16:rowId xmlns:a16="http://schemas.microsoft.com/office/drawing/2014/main" val="1681527410"/>
+                  </a:ext>
+                </a:extLst>
+              </a:tr>
+              <a:tr h="469125">
+                <a:tc>
+                  <a:txBody>
+                    <a:bodyPr/>
+                    <a:lstStyle/>
+                    <a:p>
+                      <a:r>
+                        <a:rPr lang="en-GB" sz="1200" b="1" dirty="0"/>
+                        <a:t>New agent file </a:t>
+                      </a:r>
+                      <a:r>
+                        <a:rPr lang="en-GB" sz="1200" dirty="0" err="1"/>
+                        <a:t>sac_torch_cql_final.py</a:t>
+                      </a:r>
+                      <a:endParaRPr lang="en-GB" sz="1200" dirty="0"/>
+                    </a:p>
+                  </a:txBody>
+                  <a:tcPr marL="37141" marR="37141" marT="18570" marB="18570" anchor="ctr">
+                    <a:lnL w="12700" cap="flat" cmpd="sng" algn="ctr">
+                      <a:solidFill>
+                        <a:schemeClr val="tx1"/>
+                      </a:solidFill>
+                      <a:prstDash val="solid"/>
+                      <a:round/>
+                      <a:headEnd type="none" w="med" len="med"/>
+                      <a:tailEnd type="none" w="med" len="med"/>
+                    </a:lnL>
+                    <a:lnR w="12700" cap="flat" cmpd="sng" algn="ctr">
+                      <a:solidFill>
+                        <a:schemeClr val="tx1"/>
+                      </a:solidFill>
+                      <a:prstDash val="solid"/>
+                      <a:round/>
+                      <a:headEnd type="none" w="med" len="med"/>
+                      <a:tailEnd type="none" w="med" len="med"/>
+                    </a:lnR>
+                    <a:lnT w="12700" cap="flat" cmpd="sng" algn="ctr">
+                      <a:solidFill>
+                        <a:schemeClr val="tx1"/>
+                      </a:solidFill>
+                      <a:prstDash val="solid"/>
+                      <a:round/>
+                      <a:headEnd type="none" w="med" len="med"/>
+                      <a:tailEnd type="none" w="med" len="med"/>
+                    </a:lnT>
+                    <a:lnB w="12700" cap="flat" cmpd="sng" algn="ctr">
+                      <a:solidFill>
+                        <a:schemeClr val="tx1"/>
+                      </a:solidFill>
+                      <a:prstDash val="solid"/>
+                      <a:round/>
+                      <a:headEnd type="none" w="med" len="med"/>
+                      <a:tailEnd type="none" w="med" len="med"/>
+                    </a:lnB>
+                    <a:noFill/>
+                  </a:tcPr>
+                </a:tc>
+                <a:tc>
+                  <a:txBody>
+                    <a:bodyPr/>
+                    <a:lstStyle/>
+                    <a:p>
+                      <a:r>
+                        <a:rPr lang="en-GB" sz="1200" i="1"/>
+                        <a:t>SAC_CQL</a:t>
+                      </a:r>
+                      <a:r>
+                        <a:rPr lang="en-GB" sz="1200"/>
+                        <a:t> class that inherits SAC’s structure but overrides the critic-update step.</a:t>
+                      </a:r>
+                    </a:p>
+                  </a:txBody>
+                  <a:tcPr marL="37141" marR="37141" marT="18570" marB="18570" anchor="ctr">
+                    <a:lnL w="12700" cap="flat" cmpd="sng" algn="ctr">
+                      <a:solidFill>
+                        <a:schemeClr val="tx1"/>
+                      </a:solidFill>
+                      <a:prstDash val="solid"/>
+                      <a:round/>
+                      <a:headEnd type="none" w="med" len="med"/>
+                      <a:tailEnd type="none" w="med" len="med"/>
+                    </a:lnL>
+                    <a:lnR w="12700" cap="flat" cmpd="sng" algn="ctr">
+                      <a:solidFill>
+                        <a:schemeClr val="tx1"/>
+                      </a:solidFill>
+                      <a:prstDash val="solid"/>
+                      <a:round/>
+                      <a:headEnd type="none" w="med" len="med"/>
+                      <a:tailEnd type="none" w="med" len="med"/>
+                    </a:lnR>
+                    <a:lnT w="12700" cap="flat" cmpd="sng" algn="ctr">
+                      <a:solidFill>
+                        <a:schemeClr val="tx1"/>
+                      </a:solidFill>
+                      <a:prstDash val="solid"/>
+                      <a:round/>
+                      <a:headEnd type="none" w="med" len="med"/>
+                      <a:tailEnd type="none" w="med" len="med"/>
+                    </a:lnT>
+                    <a:lnB w="12700" cap="flat" cmpd="sng" algn="ctr">
+                      <a:solidFill>
+                        <a:schemeClr val="tx1"/>
+                      </a:solidFill>
+                      <a:prstDash val="solid"/>
+                      <a:round/>
+                      <a:headEnd type="none" w="med" len="med"/>
+                      <a:tailEnd type="none" w="med" len="med"/>
+                    </a:lnB>
+                    <a:noFill/>
+                  </a:tcPr>
+                </a:tc>
+                <a:tc>
+                  <a:txBody>
+                    <a:bodyPr/>
+                    <a:lstStyle/>
+                    <a:p>
+                      <a:r>
+                        <a:rPr lang="en-GB" sz="1200"/>
+                        <a:t>Keeps SAC code intact and isolates all CQL logic in one place.</a:t>
+                      </a:r>
+                    </a:p>
+                  </a:txBody>
+                  <a:tcPr marL="37141" marR="37141" marT="18570" marB="18570" anchor="ctr">
+                    <a:lnL w="12700" cap="flat" cmpd="sng" algn="ctr">
+                      <a:solidFill>
+                        <a:schemeClr val="tx1"/>
+                      </a:solidFill>
+                      <a:prstDash val="solid"/>
+                      <a:round/>
+                      <a:headEnd type="none" w="med" len="med"/>
+                      <a:tailEnd type="none" w="med" len="med"/>
+                    </a:lnL>
+                    <a:lnR w="12700" cap="flat" cmpd="sng" algn="ctr">
+                      <a:solidFill>
+                        <a:schemeClr val="tx1"/>
+                      </a:solidFill>
+                      <a:prstDash val="solid"/>
+                      <a:round/>
+                      <a:headEnd type="none" w="med" len="med"/>
+                      <a:tailEnd type="none" w="med" len="med"/>
+                    </a:lnR>
+                    <a:lnT w="12700" cap="flat" cmpd="sng" algn="ctr">
+                      <a:solidFill>
+                        <a:schemeClr val="tx1"/>
+                      </a:solidFill>
+                      <a:prstDash val="solid"/>
+                      <a:round/>
+                      <a:headEnd type="none" w="med" len="med"/>
+                      <a:tailEnd type="none" w="med" len="med"/>
+                    </a:lnT>
+                    <a:lnB w="12700" cap="flat" cmpd="sng" algn="ctr">
+                      <a:solidFill>
+                        <a:schemeClr val="tx1"/>
+                      </a:solidFill>
+                      <a:prstDash val="solid"/>
+                      <a:round/>
+                      <a:headEnd type="none" w="med" len="med"/>
+                      <a:tailEnd type="none" w="med" len="med"/>
+                    </a:lnB>
+                    <a:noFill/>
+                  </a:tcPr>
+                </a:tc>
+                <a:extLst>
+                  <a:ext uri="{0D108BD9-81ED-4DB2-BD59-A6C34878D82A}">
+                    <a16:rowId xmlns:a16="http://schemas.microsoft.com/office/drawing/2014/main" val="3075916076"/>
+                  </a:ext>
+                </a:extLst>
+              </a:tr>
+              <a:tr h="609861">
+                <a:tc>
+                  <a:txBody>
+                    <a:bodyPr/>
+                    <a:lstStyle/>
+                    <a:p>
+                      <a:r>
+                        <a:rPr lang="en-GB" sz="1200" b="1" dirty="0"/>
+                        <a:t>Twin Q-networks</a:t>
+                      </a:r>
+                      <a:endParaRPr lang="en-GB" sz="1200" dirty="0"/>
+                    </a:p>
+                  </a:txBody>
+                  <a:tcPr marL="37141" marR="37141" marT="18570" marB="18570" anchor="ctr">
+                    <a:lnL w="12700" cap="flat" cmpd="sng" algn="ctr">
+                      <a:solidFill>
+                        <a:schemeClr val="tx1"/>
+                      </a:solidFill>
+                      <a:prstDash val="solid"/>
+                      <a:round/>
+                      <a:headEnd type="none" w="med" len="med"/>
+                      <a:tailEnd type="none" w="med" len="med"/>
+                    </a:lnL>
+                    <a:lnR w="12700" cap="flat" cmpd="sng" algn="ctr">
+                      <a:solidFill>
+                        <a:schemeClr val="tx1"/>
+                      </a:solidFill>
+                      <a:prstDash val="solid"/>
+                      <a:round/>
+                      <a:headEnd type="none" w="med" len="med"/>
+                      <a:tailEnd type="none" w="med" len="med"/>
+                    </a:lnR>
+                    <a:lnT w="12700" cap="flat" cmpd="sng" algn="ctr">
+                      <a:solidFill>
+                        <a:schemeClr val="tx1"/>
+                      </a:solidFill>
+                      <a:prstDash val="solid"/>
+                      <a:round/>
+                      <a:headEnd type="none" w="med" len="med"/>
+                      <a:tailEnd type="none" w="med" len="med"/>
+                    </a:lnT>
+                    <a:lnB w="12700" cap="flat" cmpd="sng" algn="ctr">
+                      <a:solidFill>
+                        <a:schemeClr val="tx1"/>
+                      </a:solidFill>
+                      <a:prstDash val="solid"/>
+                      <a:round/>
+                      <a:headEnd type="none" w="med" len="med"/>
+                      <a:tailEnd type="none" w="med" len="med"/>
+                    </a:lnB>
+                    <a:noFill/>
+                  </a:tcPr>
+                </a:tc>
+                <a:tc>
+                  <a:txBody>
+                    <a:bodyPr/>
+                    <a:lstStyle/>
+                    <a:p>
+                      <a:r>
+                        <a:rPr lang="en-GB" sz="1200" b="0" dirty="0" err="1"/>
+                        <a:t>TwinCritic</a:t>
+                      </a:r>
+                      <a:r>
+                        <a:rPr lang="en-GB" sz="1200" b="0" dirty="0"/>
+                        <a:t> wrapper instantiates two </a:t>
+                      </a:r>
+                      <a:r>
+                        <a:rPr lang="en-GB" sz="1200" b="0" dirty="0" err="1"/>
+                        <a:t>CriticNetworks</a:t>
+                      </a:r>
+                      <a:r>
+                        <a:rPr lang="en-GB" sz="1200" b="0" dirty="0"/>
+                        <a:t> and returns Q1, Q2.</a:t>
+                      </a:r>
+                    </a:p>
+                  </a:txBody>
+                  <a:tcPr marL="37141" marR="37141" marT="18570" marB="18570" anchor="ctr">
+                    <a:lnL w="12700" cap="flat" cmpd="sng" algn="ctr">
+                      <a:solidFill>
+                        <a:schemeClr val="tx1"/>
+                      </a:solidFill>
+                      <a:prstDash val="solid"/>
+                      <a:round/>
+                      <a:headEnd type="none" w="med" len="med"/>
+                      <a:tailEnd type="none" w="med" len="med"/>
+                    </a:lnL>
+                    <a:lnR w="12700" cap="flat" cmpd="sng" algn="ctr">
+                      <a:solidFill>
+                        <a:schemeClr val="tx1"/>
+                      </a:solidFill>
+                      <a:prstDash val="solid"/>
+                      <a:round/>
+                      <a:headEnd type="none" w="med" len="med"/>
+                      <a:tailEnd type="none" w="med" len="med"/>
+                    </a:lnR>
+                    <a:lnT w="12700" cap="flat" cmpd="sng" algn="ctr">
+                      <a:solidFill>
+                        <a:schemeClr val="tx1"/>
+                      </a:solidFill>
+                      <a:prstDash val="solid"/>
+                      <a:round/>
+                      <a:headEnd type="none" w="med" len="med"/>
+                      <a:tailEnd type="none" w="med" len="med"/>
+                    </a:lnT>
+                    <a:lnB w="12700" cap="flat" cmpd="sng" algn="ctr">
+                      <a:solidFill>
+                        <a:schemeClr val="tx1"/>
+                      </a:solidFill>
+                      <a:prstDash val="solid"/>
+                      <a:round/>
+                      <a:headEnd type="none" w="med" len="med"/>
+                      <a:tailEnd type="none" w="med" len="med"/>
+                    </a:lnB>
+                    <a:noFill/>
+                  </a:tcPr>
+                </a:tc>
+                <a:tc>
+                  <a:txBody>
+                    <a:bodyPr/>
+                    <a:lstStyle/>
+                    <a:p>
+                      <a:r>
+                        <a:rPr lang="en-GB" sz="1200" b="0" dirty="0"/>
+                        <a:t>Matches SAC/CQL requirement to use min(Q1,Q2) for targets and apply the CQL penalty to both critics.</a:t>
+                      </a:r>
+                    </a:p>
+                  </a:txBody>
+                  <a:tcPr marL="37141" marR="37141" marT="18570" marB="18570" anchor="ctr">
+                    <a:lnL w="12700" cap="flat" cmpd="sng" algn="ctr">
+                      <a:solidFill>
+                        <a:schemeClr val="tx1"/>
+                      </a:solidFill>
+                      <a:prstDash val="solid"/>
+                      <a:round/>
+                      <a:headEnd type="none" w="med" len="med"/>
+                      <a:tailEnd type="none" w="med" len="med"/>
+                    </a:lnL>
+                    <a:lnR w="12700" cap="flat" cmpd="sng" algn="ctr">
+                      <a:solidFill>
+                        <a:schemeClr val="tx1"/>
+                      </a:solidFill>
+                      <a:prstDash val="solid"/>
+                      <a:round/>
+                      <a:headEnd type="none" w="med" len="med"/>
+                      <a:tailEnd type="none" w="med" len="med"/>
+                    </a:lnR>
+                    <a:lnT w="12700" cap="flat" cmpd="sng" algn="ctr">
+                      <a:solidFill>
+                        <a:schemeClr val="tx1"/>
+                      </a:solidFill>
+                      <a:prstDash val="solid"/>
+                      <a:round/>
+                      <a:headEnd type="none" w="med" len="med"/>
+                      <a:tailEnd type="none" w="med" len="med"/>
+                    </a:lnT>
+                    <a:lnB w="12700" cap="flat" cmpd="sng" algn="ctr">
+                      <a:solidFill>
+                        <a:schemeClr val="tx1"/>
+                      </a:solidFill>
+                      <a:prstDash val="solid"/>
+                      <a:round/>
+                      <a:headEnd type="none" w="med" len="med"/>
+                      <a:tailEnd type="none" w="med" len="med"/>
+                    </a:lnB>
+                    <a:noFill/>
+                  </a:tcPr>
+                </a:tc>
+                <a:extLst>
+                  <a:ext uri="{0D108BD9-81ED-4DB2-BD59-A6C34878D82A}">
+                    <a16:rowId xmlns:a16="http://schemas.microsoft.com/office/drawing/2014/main" val="1560445403"/>
+                  </a:ext>
+                </a:extLst>
+              </a:tr>
+              <a:tr h="611609">
+                <a:tc>
+                  <a:txBody>
+                    <a:bodyPr/>
+                    <a:lstStyle/>
+                    <a:p>
+                      <a:r>
+                        <a:rPr lang="en-GB" sz="1200" b="1" dirty="0"/>
+                        <a:t>Conservative critic loss</a:t>
+                      </a:r>
+                      <a:endParaRPr lang="en-GB" sz="1200" dirty="0"/>
+                    </a:p>
+                  </a:txBody>
+                  <a:tcPr marL="37141" marR="37141" marT="18570" marB="18570" anchor="ctr">
+                    <a:lnL w="12700" cap="flat" cmpd="sng" algn="ctr">
+                      <a:solidFill>
+                        <a:schemeClr val="tx1"/>
+                      </a:solidFill>
+                      <a:prstDash val="solid"/>
+                      <a:round/>
+                      <a:headEnd type="none" w="med" len="med"/>
+                      <a:tailEnd type="none" w="med" len="med"/>
+                    </a:lnL>
+                    <a:lnR w="12700" cap="flat" cmpd="sng" algn="ctr">
+                      <a:solidFill>
+                        <a:schemeClr val="tx1"/>
+                      </a:solidFill>
+                      <a:prstDash val="solid"/>
+                      <a:round/>
+                      <a:headEnd type="none" w="med" len="med"/>
+                      <a:tailEnd type="none" w="med" len="med"/>
+                    </a:lnR>
+                    <a:lnT w="12700" cap="flat" cmpd="sng" algn="ctr">
+                      <a:solidFill>
+                        <a:schemeClr val="tx1"/>
+                      </a:solidFill>
+                      <a:prstDash val="solid"/>
+                      <a:round/>
+                      <a:headEnd type="none" w="med" len="med"/>
+                      <a:tailEnd type="none" w="med" len="med"/>
+                    </a:lnT>
+                    <a:lnB w="12700" cap="flat" cmpd="sng" algn="ctr">
+                      <a:solidFill>
+                        <a:schemeClr val="tx1"/>
+                      </a:solidFill>
+                      <a:prstDash val="solid"/>
+                      <a:round/>
+                      <a:headEnd type="none" w="med" len="med"/>
+                      <a:tailEnd type="none" w="med" len="med"/>
+                    </a:lnB>
+                    <a:noFill/>
+                  </a:tcPr>
+                </a:tc>
+                <a:tc>
+                  <a:txBody>
+                    <a:bodyPr/>
+                    <a:lstStyle/>
+                    <a:p>
+                      <a:r>
+                        <a:rPr lang="en-GB" sz="1200" dirty="0"/>
+                        <a:t>Added log-sum-exp </a:t>
+                      </a:r>
+                      <a:r>
+                        <a:rPr lang="en-GB" sz="1200" dirty="0" err="1"/>
+                        <a:t>penalty:q_loss</a:t>
+                      </a:r>
+                      <a:r>
+                        <a:rPr lang="en-GB" sz="1200" dirty="0"/>
+                        <a:t> += </a:t>
+                      </a:r>
+                      <a:r>
+                        <a:rPr lang="en-GB" sz="1200" dirty="0" err="1"/>
+                        <a:t>cql_alpha</a:t>
+                      </a:r>
+                      <a:r>
+                        <a:rPr lang="en-GB" sz="1200" dirty="0"/>
+                        <a:t> * (</a:t>
+                      </a:r>
+                      <a:r>
+                        <a:rPr lang="en-GB" sz="1200" dirty="0" err="1"/>
+                        <a:t>logsumexp</a:t>
+                      </a:r>
+                      <a:r>
+                        <a:rPr lang="en-GB" sz="1200" dirty="0"/>
+                        <a:t>(</a:t>
+                      </a:r>
+                      <a:r>
+                        <a:rPr lang="en-GB" sz="1200" dirty="0" err="1"/>
+                        <a:t>Q_rand</a:t>
+                      </a:r>
+                      <a:r>
+                        <a:rPr lang="en-GB" sz="1200" dirty="0"/>
+                        <a:t>) – </a:t>
+                      </a:r>
+                      <a:r>
+                        <a:rPr lang="en-GB" sz="1200" dirty="0" err="1"/>
+                        <a:t>Q_dataset</a:t>
+                      </a:r>
+                      <a:r>
+                        <a:rPr lang="en-GB" sz="1200" dirty="0"/>
+                        <a:t>)</a:t>
+                      </a:r>
+                    </a:p>
+                  </a:txBody>
+                  <a:tcPr marL="37141" marR="37141" marT="18570" marB="18570" anchor="ctr">
+                    <a:lnL w="12700" cap="flat" cmpd="sng" algn="ctr">
+                      <a:solidFill>
+                        <a:schemeClr val="tx1"/>
+                      </a:solidFill>
+                      <a:prstDash val="solid"/>
+                      <a:round/>
+                      <a:headEnd type="none" w="med" len="med"/>
+                      <a:tailEnd type="none" w="med" len="med"/>
+                    </a:lnL>
+                    <a:lnR w="12700" cap="flat" cmpd="sng" algn="ctr">
+                      <a:solidFill>
+                        <a:schemeClr val="tx1"/>
+                      </a:solidFill>
+                      <a:prstDash val="solid"/>
+                      <a:round/>
+                      <a:headEnd type="none" w="med" len="med"/>
+                      <a:tailEnd type="none" w="med" len="med"/>
+                    </a:lnR>
+                    <a:lnT w="12700" cap="flat" cmpd="sng" algn="ctr">
+                      <a:solidFill>
+                        <a:schemeClr val="tx1"/>
+                      </a:solidFill>
+                      <a:prstDash val="solid"/>
+                      <a:round/>
+                      <a:headEnd type="none" w="med" len="med"/>
+                      <a:tailEnd type="none" w="med" len="med"/>
+                    </a:lnT>
+                    <a:lnB w="12700" cap="flat" cmpd="sng" algn="ctr">
+                      <a:solidFill>
+                        <a:schemeClr val="tx1"/>
+                      </a:solidFill>
+                      <a:prstDash val="solid"/>
+                      <a:round/>
+                      <a:headEnd type="none" w="med" len="med"/>
+                      <a:tailEnd type="none" w="med" len="med"/>
+                    </a:lnB>
+                    <a:noFill/>
+                  </a:tcPr>
+                </a:tc>
+                <a:tc>
+                  <a:txBody>
+                    <a:bodyPr/>
+                    <a:lstStyle/>
+                    <a:p>
+                      <a:r>
+                        <a:rPr lang="en-GB" sz="1200"/>
+                        <a:t>Implements the core idea from the CQL paper—push Q-values down on unseen actions to avoid overestimation.</a:t>
+                      </a:r>
+                    </a:p>
+                  </a:txBody>
+                  <a:tcPr marL="37141" marR="37141" marT="18570" marB="18570" anchor="ctr">
+                    <a:lnL w="12700" cap="flat" cmpd="sng" algn="ctr">
+                      <a:solidFill>
+                        <a:schemeClr val="tx1"/>
+                      </a:solidFill>
+                      <a:prstDash val="solid"/>
+                      <a:round/>
+                      <a:headEnd type="none" w="med" len="med"/>
+                      <a:tailEnd type="none" w="med" len="med"/>
+                    </a:lnL>
+                    <a:lnR w="12700" cap="flat" cmpd="sng" algn="ctr">
+                      <a:solidFill>
+                        <a:schemeClr val="tx1"/>
+                      </a:solidFill>
+                      <a:prstDash val="solid"/>
+                      <a:round/>
+                      <a:headEnd type="none" w="med" len="med"/>
+                      <a:tailEnd type="none" w="med" len="med"/>
+                    </a:lnR>
+                    <a:lnT w="12700" cap="flat" cmpd="sng" algn="ctr">
+                      <a:solidFill>
+                        <a:schemeClr val="tx1"/>
+                      </a:solidFill>
+                      <a:prstDash val="solid"/>
+                      <a:round/>
+                      <a:headEnd type="none" w="med" len="med"/>
+                      <a:tailEnd type="none" w="med" len="med"/>
+                    </a:lnT>
+                    <a:lnB w="12700" cap="flat" cmpd="sng" algn="ctr">
+                      <a:solidFill>
+                        <a:schemeClr val="tx1"/>
+                      </a:solidFill>
+                      <a:prstDash val="solid"/>
+                      <a:round/>
+                      <a:headEnd type="none" w="med" len="med"/>
+                      <a:tailEnd type="none" w="med" len="med"/>
+                    </a:lnB>
+                    <a:noFill/>
+                  </a:tcPr>
+                </a:tc>
+                <a:extLst>
+                  <a:ext uri="{0D108BD9-81ED-4DB2-BD59-A6C34878D82A}">
+                    <a16:rowId xmlns:a16="http://schemas.microsoft.com/office/drawing/2014/main" val="2946367701"/>
+                  </a:ext>
+                </a:extLst>
+              </a:tr>
+              <a:tr h="469125">
+                <a:tc>
+                  <a:txBody>
+                    <a:bodyPr/>
+                    <a:lstStyle/>
+                    <a:p>
+                      <a:r>
+                        <a:rPr lang="en-GB" sz="1200" b="1" dirty="0"/>
+                        <a:t>Action sampling for penalty</a:t>
+                      </a:r>
+                      <a:endParaRPr lang="en-GB" sz="1200" dirty="0"/>
+                    </a:p>
+                  </a:txBody>
+                  <a:tcPr marL="37141" marR="37141" marT="18570" marB="18570" anchor="ctr">
+                    <a:lnL w="12700" cap="flat" cmpd="sng" algn="ctr">
+                      <a:solidFill>
+                        <a:schemeClr val="tx1"/>
+                      </a:solidFill>
+                      <a:prstDash val="solid"/>
+                      <a:round/>
+                      <a:headEnd type="none" w="med" len="med"/>
+                      <a:tailEnd type="none" w="med" len="med"/>
+                    </a:lnL>
+                    <a:lnR w="12700" cap="flat" cmpd="sng" algn="ctr">
+                      <a:solidFill>
+                        <a:schemeClr val="tx1"/>
+                      </a:solidFill>
+                      <a:prstDash val="solid"/>
+                      <a:round/>
+                      <a:headEnd type="none" w="med" len="med"/>
+                      <a:tailEnd type="none" w="med" len="med"/>
+                    </a:lnR>
+                    <a:lnT w="12700" cap="flat" cmpd="sng" algn="ctr">
+                      <a:solidFill>
+                        <a:schemeClr val="tx1"/>
+                      </a:solidFill>
+                      <a:prstDash val="solid"/>
+                      <a:round/>
+                      <a:headEnd type="none" w="med" len="med"/>
+                      <a:tailEnd type="none" w="med" len="med"/>
+                    </a:lnT>
+                    <a:lnB w="12700" cap="flat" cmpd="sng" algn="ctr">
+                      <a:solidFill>
+                        <a:schemeClr val="tx1"/>
+                      </a:solidFill>
+                      <a:prstDash val="solid"/>
+                      <a:round/>
+                      <a:headEnd type="none" w="med" len="med"/>
+                      <a:tailEnd type="none" w="med" len="med"/>
+                    </a:lnB>
+                    <a:noFill/>
+                  </a:tcPr>
+                </a:tc>
+                <a:tc>
+                  <a:txBody>
+                    <a:bodyPr/>
+                    <a:lstStyle/>
+                    <a:p>
+                      <a:r>
+                        <a:rPr lang="en-GB" sz="1200" b="0" dirty="0"/>
+                        <a:t>For each state we now sample 2 uniform random actions 2 policy actions (detached)</a:t>
+                      </a:r>
+                    </a:p>
+                  </a:txBody>
+                  <a:tcPr marL="37141" marR="37141" marT="18570" marB="18570" anchor="ctr">
+                    <a:lnL w="12700" cap="flat" cmpd="sng" algn="ctr">
+                      <a:solidFill>
+                        <a:schemeClr val="tx1"/>
+                      </a:solidFill>
+                      <a:prstDash val="solid"/>
+                      <a:round/>
+                      <a:headEnd type="none" w="med" len="med"/>
+                      <a:tailEnd type="none" w="med" len="med"/>
+                    </a:lnL>
+                    <a:lnR w="12700" cap="flat" cmpd="sng" algn="ctr">
+                      <a:solidFill>
+                        <a:schemeClr val="tx1"/>
+                      </a:solidFill>
+                      <a:prstDash val="solid"/>
+                      <a:round/>
+                      <a:headEnd type="none" w="med" len="med"/>
+                      <a:tailEnd type="none" w="med" len="med"/>
+                    </a:lnR>
+                    <a:lnT w="12700" cap="flat" cmpd="sng" algn="ctr">
+                      <a:solidFill>
+                        <a:schemeClr val="tx1"/>
+                      </a:solidFill>
+                      <a:prstDash val="solid"/>
+                      <a:round/>
+                      <a:headEnd type="none" w="med" len="med"/>
+                      <a:tailEnd type="none" w="med" len="med"/>
+                    </a:lnT>
+                    <a:lnB w="12700" cap="flat" cmpd="sng" algn="ctr">
+                      <a:solidFill>
+                        <a:schemeClr val="tx1"/>
+                      </a:solidFill>
+                      <a:prstDash val="solid"/>
+                      <a:round/>
+                      <a:headEnd type="none" w="med" len="med"/>
+                      <a:tailEnd type="none" w="med" len="med"/>
+                    </a:lnB>
+                    <a:noFill/>
+                  </a:tcPr>
+                </a:tc>
+                <a:tc>
+                  <a:txBody>
+                    <a:bodyPr/>
+                    <a:lstStyle/>
+                    <a:p>
+                      <a:r>
+                        <a:rPr lang="en-GB" sz="1200" dirty="0"/>
+                        <a:t>Provides the </a:t>
+                      </a:r>
+                      <a:r>
+                        <a:rPr lang="en-GB" sz="1200" dirty="0" err="1"/>
+                        <a:t>ood</a:t>
+                      </a:r>
+                      <a:r>
+                        <a:rPr lang="en-GB" sz="1200" dirty="0"/>
+                        <a:t> actions required in the CQL loss while keeping runtime low.</a:t>
+                      </a:r>
+                    </a:p>
+                  </a:txBody>
+                  <a:tcPr marL="37141" marR="37141" marT="18570" marB="18570" anchor="ctr">
+                    <a:lnL w="12700" cap="flat" cmpd="sng" algn="ctr">
+                      <a:solidFill>
+                        <a:schemeClr val="tx1"/>
+                      </a:solidFill>
+                      <a:prstDash val="solid"/>
+                      <a:round/>
+                      <a:headEnd type="none" w="med" len="med"/>
+                      <a:tailEnd type="none" w="med" len="med"/>
+                    </a:lnL>
+                    <a:lnR w="12700" cap="flat" cmpd="sng" algn="ctr">
+                      <a:solidFill>
+                        <a:schemeClr val="tx1"/>
+                      </a:solidFill>
+                      <a:prstDash val="solid"/>
+                      <a:round/>
+                      <a:headEnd type="none" w="med" len="med"/>
+                      <a:tailEnd type="none" w="med" len="med"/>
+                    </a:lnR>
+                    <a:lnT w="12700" cap="flat" cmpd="sng" algn="ctr">
+                      <a:solidFill>
+                        <a:schemeClr val="tx1"/>
+                      </a:solidFill>
+                      <a:prstDash val="solid"/>
+                      <a:round/>
+                      <a:headEnd type="none" w="med" len="med"/>
+                      <a:tailEnd type="none" w="med" len="med"/>
+                    </a:lnT>
+                    <a:lnB w="12700" cap="flat" cmpd="sng" algn="ctr">
+                      <a:solidFill>
+                        <a:schemeClr val="tx1"/>
+                      </a:solidFill>
+                      <a:prstDash val="solid"/>
+                      <a:round/>
+                      <a:headEnd type="none" w="med" len="med"/>
+                      <a:tailEnd type="none" w="med" len="med"/>
+                    </a:lnB>
+                    <a:noFill/>
+                  </a:tcPr>
+                </a:tc>
+                <a:extLst>
+                  <a:ext uri="{0D108BD9-81ED-4DB2-BD59-A6C34878D82A}">
+                    <a16:rowId xmlns:a16="http://schemas.microsoft.com/office/drawing/2014/main" val="140007829"/>
+                  </a:ext>
+                </a:extLst>
+              </a:tr>
+              <a:tr h="469125">
+                <a:tc>
+                  <a:txBody>
+                    <a:bodyPr/>
+                    <a:lstStyle/>
+                    <a:p>
+                      <a:r>
+                        <a:rPr lang="en-GB" sz="1200" b="1" dirty="0"/>
+                        <a:t>Hyper-parameter</a:t>
+                      </a:r>
+                      <a:endParaRPr lang="en-GB" sz="1200" dirty="0"/>
+                    </a:p>
+                  </a:txBody>
+                  <a:tcPr marL="37141" marR="37141" marT="18570" marB="18570" anchor="ctr">
+                    <a:lnL w="12700" cap="flat" cmpd="sng" algn="ctr">
+                      <a:solidFill>
+                        <a:schemeClr val="tx1"/>
+                      </a:solidFill>
+                      <a:prstDash val="solid"/>
+                      <a:round/>
+                      <a:headEnd type="none" w="med" len="med"/>
+                      <a:tailEnd type="none" w="med" len="med"/>
+                    </a:lnL>
+                    <a:lnR w="12700" cap="flat" cmpd="sng" algn="ctr">
+                      <a:solidFill>
+                        <a:schemeClr val="tx1"/>
+                      </a:solidFill>
+                      <a:prstDash val="solid"/>
+                      <a:round/>
+                      <a:headEnd type="none" w="med" len="med"/>
+                      <a:tailEnd type="none" w="med" len="med"/>
+                    </a:lnR>
+                    <a:lnT w="12700" cap="flat" cmpd="sng" algn="ctr">
+                      <a:solidFill>
+                        <a:schemeClr val="tx1"/>
+                      </a:solidFill>
+                      <a:prstDash val="solid"/>
+                      <a:round/>
+                      <a:headEnd type="none" w="med" len="med"/>
+                      <a:tailEnd type="none" w="med" len="med"/>
+                    </a:lnT>
+                    <a:lnB w="12700" cap="flat" cmpd="sng" algn="ctr">
+                      <a:solidFill>
+                        <a:schemeClr val="tx1"/>
+                      </a:solidFill>
+                      <a:prstDash val="solid"/>
+                      <a:round/>
+                      <a:headEnd type="none" w="med" len="med"/>
+                      <a:tailEnd type="none" w="med" len="med"/>
+                    </a:lnB>
+                    <a:noFill/>
+                  </a:tcPr>
+                </a:tc>
+                <a:tc>
+                  <a:txBody>
+                    <a:bodyPr/>
+                    <a:lstStyle/>
+                    <a:p>
+                      <a:r>
+                        <a:rPr lang="en-GB" sz="1200"/>
+                        <a:t>cql_alpha (default 0.1) controls strength of the conservative penalty.</a:t>
+                      </a:r>
+                    </a:p>
+                  </a:txBody>
+                  <a:tcPr marL="37141" marR="37141" marT="18570" marB="18570" anchor="ctr">
+                    <a:lnL w="12700" cap="flat" cmpd="sng" algn="ctr">
+                      <a:solidFill>
+                        <a:schemeClr val="tx1"/>
+                      </a:solidFill>
+                      <a:prstDash val="solid"/>
+                      <a:round/>
+                      <a:headEnd type="none" w="med" len="med"/>
+                      <a:tailEnd type="none" w="med" len="med"/>
+                    </a:lnL>
+                    <a:lnR w="12700" cap="flat" cmpd="sng" algn="ctr">
+                      <a:solidFill>
+                        <a:schemeClr val="tx1"/>
+                      </a:solidFill>
+                      <a:prstDash val="solid"/>
+                      <a:round/>
+                      <a:headEnd type="none" w="med" len="med"/>
+                      <a:tailEnd type="none" w="med" len="med"/>
+                    </a:lnR>
+                    <a:lnT w="12700" cap="flat" cmpd="sng" algn="ctr">
+                      <a:solidFill>
+                        <a:schemeClr val="tx1"/>
+                      </a:solidFill>
+                      <a:prstDash val="solid"/>
+                      <a:round/>
+                      <a:headEnd type="none" w="med" len="med"/>
+                      <a:tailEnd type="none" w="med" len="med"/>
+                    </a:lnT>
+                    <a:lnB w="12700" cap="flat" cmpd="sng" algn="ctr">
+                      <a:solidFill>
+                        <a:schemeClr val="tx1"/>
+                      </a:solidFill>
+                      <a:prstDash val="solid"/>
+                      <a:round/>
+                      <a:headEnd type="none" w="med" len="med"/>
+                      <a:tailEnd type="none" w="med" len="med"/>
+                    </a:lnB>
+                    <a:noFill/>
+                  </a:tcPr>
+                </a:tc>
+                <a:tc>
+                  <a:txBody>
+                    <a:bodyPr/>
+                    <a:lstStyle/>
+                    <a:p>
+                      <a:r>
+                        <a:rPr lang="en-GB" sz="1200"/>
+                        <a:t>Allows easy tuning between too-conservative and too-optimistic learning.</a:t>
+                      </a:r>
+                    </a:p>
+                  </a:txBody>
+                  <a:tcPr marL="37141" marR="37141" marT="18570" marB="18570" anchor="ctr">
+                    <a:lnL w="12700" cap="flat" cmpd="sng" algn="ctr">
+                      <a:solidFill>
+                        <a:schemeClr val="tx1"/>
+                      </a:solidFill>
+                      <a:prstDash val="solid"/>
+                      <a:round/>
+                      <a:headEnd type="none" w="med" len="med"/>
+                      <a:tailEnd type="none" w="med" len="med"/>
+                    </a:lnL>
+                    <a:lnR w="12700" cap="flat" cmpd="sng" algn="ctr">
+                      <a:solidFill>
+                        <a:schemeClr val="tx1"/>
+                      </a:solidFill>
+                      <a:prstDash val="solid"/>
+                      <a:round/>
+                      <a:headEnd type="none" w="med" len="med"/>
+                      <a:tailEnd type="none" w="med" len="med"/>
+                    </a:lnR>
+                    <a:lnT w="12700" cap="flat" cmpd="sng" algn="ctr">
+                      <a:solidFill>
+                        <a:schemeClr val="tx1"/>
+                      </a:solidFill>
+                      <a:prstDash val="solid"/>
+                      <a:round/>
+                      <a:headEnd type="none" w="med" len="med"/>
+                      <a:tailEnd type="none" w="med" len="med"/>
+                    </a:lnT>
+                    <a:lnB w="12700" cap="flat" cmpd="sng" algn="ctr">
+                      <a:solidFill>
+                        <a:schemeClr val="tx1"/>
+                      </a:solidFill>
+                      <a:prstDash val="solid"/>
+                      <a:round/>
+                      <a:headEnd type="none" w="med" len="med"/>
+                      <a:tailEnd type="none" w="med" len="med"/>
+                    </a:lnB>
+                    <a:noFill/>
+                  </a:tcPr>
+                </a:tc>
+                <a:extLst>
+                  <a:ext uri="{0D108BD9-81ED-4DB2-BD59-A6C34878D82A}">
+                    <a16:rowId xmlns:a16="http://schemas.microsoft.com/office/drawing/2014/main" val="436990922"/>
+                  </a:ext>
+                </a:extLst>
+              </a:tr>
+              <a:tr h="611609">
+                <a:tc>
+                  <a:txBody>
+                    <a:bodyPr/>
+                    <a:lstStyle/>
+                    <a:p>
+                      <a:r>
+                        <a:rPr lang="en-GB" sz="1200" b="1" dirty="0"/>
+                        <a:t>Actor calls</a:t>
+                      </a:r>
+                      <a:endParaRPr lang="en-GB" sz="1200" dirty="0"/>
+                    </a:p>
+                  </a:txBody>
+                  <a:tcPr marL="37141" marR="37141" marT="18570" marB="18570" anchor="ctr">
+                    <a:lnL w="12700" cap="flat" cmpd="sng" algn="ctr">
+                      <a:solidFill>
+                        <a:schemeClr val="tx1"/>
+                      </a:solidFill>
+                      <a:prstDash val="solid"/>
+                      <a:round/>
+                      <a:headEnd type="none" w="med" len="med"/>
+                      <a:tailEnd type="none" w="med" len="med"/>
+                    </a:lnL>
+                    <a:lnR w="12700" cap="flat" cmpd="sng" algn="ctr">
+                      <a:solidFill>
+                        <a:schemeClr val="tx1"/>
+                      </a:solidFill>
+                      <a:prstDash val="solid"/>
+                      <a:round/>
+                      <a:headEnd type="none" w="med" len="med"/>
+                      <a:tailEnd type="none" w="med" len="med"/>
+                    </a:lnR>
+                    <a:lnT w="12700" cap="flat" cmpd="sng" algn="ctr">
+                      <a:solidFill>
+                        <a:schemeClr val="tx1"/>
+                      </a:solidFill>
+                      <a:prstDash val="solid"/>
+                      <a:round/>
+                      <a:headEnd type="none" w="med" len="med"/>
+                      <a:tailEnd type="none" w="med" len="med"/>
+                    </a:lnT>
+                    <a:lnB w="12700" cap="flat" cmpd="sng" algn="ctr">
+                      <a:solidFill>
+                        <a:schemeClr val="tx1"/>
+                      </a:solidFill>
+                      <a:prstDash val="solid"/>
+                      <a:round/>
+                      <a:headEnd type="none" w="med" len="med"/>
+                      <a:tailEnd type="none" w="med" len="med"/>
+                    </a:lnB>
+                    <a:noFill/>
+                  </a:tcPr>
+                </a:tc>
+                <a:tc>
+                  <a:txBody>
+                    <a:bodyPr/>
+                    <a:lstStyle/>
+                    <a:p>
+                      <a:r>
+                        <a:rPr lang="en-GB" sz="1200" b="0" dirty="0"/>
+                        <a:t>Replaced all </a:t>
+                      </a:r>
+                      <a:r>
+                        <a:rPr lang="en-GB" sz="1200" b="0" dirty="0" err="1"/>
+                        <a:t>actor.forward</a:t>
+                      </a:r>
+                      <a:r>
+                        <a:rPr lang="en-GB" sz="1200" b="0" dirty="0"/>
+                        <a:t>(…) with </a:t>
+                      </a:r>
+                      <a:r>
+                        <a:rPr lang="en-GB" sz="1200" b="0" dirty="0" err="1"/>
+                        <a:t>actor.sample_normal</a:t>
+                      </a:r>
+                      <a:r>
+                        <a:rPr lang="en-GB" sz="1200" b="0" dirty="0"/>
+                        <a:t>(…) to obtain (action, log </a:t>
+                      </a:r>
+                      <a:r>
+                        <a:rPr lang="el-GR" sz="1200" b="0" dirty="0"/>
+                        <a:t>π) </a:t>
+                      </a:r>
+                      <a:r>
+                        <a:rPr lang="en-GB" sz="1200" b="0" dirty="0"/>
+                        <a:t>as required by SAC/CQL.</a:t>
+                      </a:r>
+                    </a:p>
+                  </a:txBody>
+                  <a:tcPr marL="37141" marR="37141" marT="18570" marB="18570" anchor="ctr">
+                    <a:lnL w="12700" cap="flat" cmpd="sng" algn="ctr">
+                      <a:solidFill>
+                        <a:schemeClr val="tx1"/>
+                      </a:solidFill>
+                      <a:prstDash val="solid"/>
+                      <a:round/>
+                      <a:headEnd type="none" w="med" len="med"/>
+                      <a:tailEnd type="none" w="med" len="med"/>
+                    </a:lnL>
+                    <a:lnR w="12700" cap="flat" cmpd="sng" algn="ctr">
+                      <a:solidFill>
+                        <a:schemeClr val="tx1"/>
+                      </a:solidFill>
+                      <a:prstDash val="solid"/>
+                      <a:round/>
+                      <a:headEnd type="none" w="med" len="med"/>
+                      <a:tailEnd type="none" w="med" len="med"/>
+                    </a:lnR>
+                    <a:lnT w="12700" cap="flat" cmpd="sng" algn="ctr">
+                      <a:solidFill>
+                        <a:schemeClr val="tx1"/>
+                      </a:solidFill>
+                      <a:prstDash val="solid"/>
+                      <a:round/>
+                      <a:headEnd type="none" w="med" len="med"/>
+                      <a:tailEnd type="none" w="med" len="med"/>
+                    </a:lnT>
+                    <a:lnB w="12700" cap="flat" cmpd="sng" algn="ctr">
+                      <a:solidFill>
+                        <a:schemeClr val="tx1"/>
+                      </a:solidFill>
+                      <a:prstDash val="solid"/>
+                      <a:round/>
+                      <a:headEnd type="none" w="med" len="med"/>
+                      <a:tailEnd type="none" w="med" len="med"/>
+                    </a:lnB>
+                    <a:noFill/>
+                  </a:tcPr>
+                </a:tc>
+                <a:tc>
+                  <a:txBody>
+                    <a:bodyPr/>
+                    <a:lstStyle/>
+                    <a:p>
+                      <a:r>
+                        <a:rPr lang="en-GB" sz="1200"/>
+                        <a:t>Ensures proper stochastic policy sampling without editing ActorNetwork.</a:t>
+                      </a:r>
+                    </a:p>
+                  </a:txBody>
+                  <a:tcPr marL="37141" marR="37141" marT="18570" marB="18570" anchor="ctr">
+                    <a:lnL w="12700" cap="flat" cmpd="sng" algn="ctr">
+                      <a:solidFill>
+                        <a:schemeClr val="tx1"/>
+                      </a:solidFill>
+                      <a:prstDash val="solid"/>
+                      <a:round/>
+                      <a:headEnd type="none" w="med" len="med"/>
+                      <a:tailEnd type="none" w="med" len="med"/>
+                    </a:lnL>
+                    <a:lnR w="12700" cap="flat" cmpd="sng" algn="ctr">
+                      <a:solidFill>
+                        <a:schemeClr val="tx1"/>
+                      </a:solidFill>
+                      <a:prstDash val="solid"/>
+                      <a:round/>
+                      <a:headEnd type="none" w="med" len="med"/>
+                      <a:tailEnd type="none" w="med" len="med"/>
+                    </a:lnR>
+                    <a:lnT w="12700" cap="flat" cmpd="sng" algn="ctr">
+                      <a:solidFill>
+                        <a:schemeClr val="tx1"/>
+                      </a:solidFill>
+                      <a:prstDash val="solid"/>
+                      <a:round/>
+                      <a:headEnd type="none" w="med" len="med"/>
+                      <a:tailEnd type="none" w="med" len="med"/>
+                    </a:lnT>
+                    <a:lnB w="12700" cap="flat" cmpd="sng" algn="ctr">
+                      <a:solidFill>
+                        <a:schemeClr val="tx1"/>
+                      </a:solidFill>
+                      <a:prstDash val="solid"/>
+                      <a:round/>
+                      <a:headEnd type="none" w="med" len="med"/>
+                      <a:tailEnd type="none" w="med" len="med"/>
+                    </a:lnB>
+                    <a:noFill/>
+                  </a:tcPr>
+                </a:tc>
+                <a:extLst>
+                  <a:ext uri="{0D108BD9-81ED-4DB2-BD59-A6C34878D82A}">
+                    <a16:rowId xmlns:a16="http://schemas.microsoft.com/office/drawing/2014/main" val="1023971889"/>
+                  </a:ext>
+                </a:extLst>
+              </a:tr>
+              <a:tr h="611609">
+                <a:tc>
+                  <a:txBody>
+                    <a:bodyPr/>
+                    <a:lstStyle/>
+                    <a:p>
+                      <a:r>
+                        <a:rPr lang="en-GB" sz="1200" b="1" dirty="0"/>
+                        <a:t>Training script </a:t>
+                      </a:r>
+                      <a:r>
+                        <a:rPr lang="en-GB" sz="1200" dirty="0" err="1"/>
+                        <a:t>cql_sac.py</a:t>
+                      </a:r>
+                      <a:endParaRPr lang="en-GB" sz="1200" dirty="0"/>
+                    </a:p>
+                  </a:txBody>
+                  <a:tcPr marL="37141" marR="37141" marT="18570" marB="18570" anchor="ctr">
+                    <a:lnL w="12700" cap="flat" cmpd="sng" algn="ctr">
+                      <a:solidFill>
+                        <a:schemeClr val="tx1"/>
+                      </a:solidFill>
+                      <a:prstDash val="solid"/>
+                      <a:round/>
+                      <a:headEnd type="none" w="med" len="med"/>
+                      <a:tailEnd type="none" w="med" len="med"/>
+                    </a:lnL>
+                    <a:lnR w="12700" cap="flat" cmpd="sng" algn="ctr">
+                      <a:solidFill>
+                        <a:schemeClr val="tx1"/>
+                      </a:solidFill>
+                      <a:prstDash val="solid"/>
+                      <a:round/>
+                      <a:headEnd type="none" w="med" len="med"/>
+                      <a:tailEnd type="none" w="med" len="med"/>
+                    </a:lnR>
+                    <a:lnT w="12700" cap="flat" cmpd="sng" algn="ctr">
+                      <a:solidFill>
+                        <a:schemeClr val="tx1"/>
+                      </a:solidFill>
+                      <a:prstDash val="solid"/>
+                      <a:round/>
+                      <a:headEnd type="none" w="med" len="med"/>
+                      <a:tailEnd type="none" w="med" len="med"/>
+                    </a:lnT>
+                    <a:lnB w="12700" cap="flat" cmpd="sng" algn="ctr">
+                      <a:solidFill>
+                        <a:schemeClr val="tx1"/>
+                      </a:solidFill>
+                      <a:prstDash val="solid"/>
+                      <a:round/>
+                      <a:headEnd type="none" w="med" len="med"/>
+                      <a:tailEnd type="none" w="med" len="med"/>
+                    </a:lnB>
+                    <a:noFill/>
+                  </a:tcPr>
+                </a:tc>
+                <a:tc>
+                  <a:txBody>
+                    <a:bodyPr/>
+                    <a:lstStyle/>
+                    <a:p>
+                      <a:r>
+                        <a:rPr lang="en-GB" sz="1200" dirty="0"/>
+                        <a:t> Imports SAC_CQL instead of SAC• Uses offline replay buffer• Evaluates every 10 k steps• Saves results to plots/</a:t>
+                      </a:r>
+                      <a:r>
+                        <a:rPr lang="en-GB" sz="1200" dirty="0" err="1"/>
+                        <a:t>cql_scores</a:t>
+                      </a:r>
+                      <a:r>
+                        <a:rPr lang="en-GB" sz="1200" dirty="0"/>
+                        <a:t>_*.</a:t>
+                      </a:r>
+                      <a:r>
+                        <a:rPr lang="en-GB" sz="1200" dirty="0" err="1"/>
+                        <a:t>npy</a:t>
+                      </a:r>
+                      <a:endParaRPr lang="en-GB" sz="1200" dirty="0"/>
+                    </a:p>
+                  </a:txBody>
+                  <a:tcPr marL="37141" marR="37141" marT="18570" marB="18570" anchor="ctr">
+                    <a:lnL w="12700" cap="flat" cmpd="sng" algn="ctr">
+                      <a:solidFill>
+                        <a:schemeClr val="tx1"/>
+                      </a:solidFill>
+                      <a:prstDash val="solid"/>
+                      <a:round/>
+                      <a:headEnd type="none" w="med" len="med"/>
+                      <a:tailEnd type="none" w="med" len="med"/>
+                    </a:lnL>
+                    <a:lnR w="12700" cap="flat" cmpd="sng" algn="ctr">
+                      <a:solidFill>
+                        <a:schemeClr val="tx1"/>
+                      </a:solidFill>
+                      <a:prstDash val="solid"/>
+                      <a:round/>
+                      <a:headEnd type="none" w="med" len="med"/>
+                      <a:tailEnd type="none" w="med" len="med"/>
+                    </a:lnR>
+                    <a:lnT w="12700" cap="flat" cmpd="sng" algn="ctr">
+                      <a:solidFill>
+                        <a:schemeClr val="tx1"/>
+                      </a:solidFill>
+                      <a:prstDash val="solid"/>
+                      <a:round/>
+                      <a:headEnd type="none" w="med" len="med"/>
+                      <a:tailEnd type="none" w="med" len="med"/>
+                    </a:lnT>
+                    <a:lnB w="12700" cap="flat" cmpd="sng" algn="ctr">
+                      <a:solidFill>
+                        <a:schemeClr val="tx1"/>
+                      </a:solidFill>
+                      <a:prstDash val="solid"/>
+                      <a:round/>
+                      <a:headEnd type="none" w="med" len="med"/>
+                      <a:tailEnd type="none" w="med" len="med"/>
+                    </a:lnB>
+                    <a:noFill/>
+                  </a:tcPr>
+                </a:tc>
+                <a:tc>
+                  <a:txBody>
+                    <a:bodyPr/>
+                    <a:lstStyle/>
+                    <a:p>
+                      <a:r>
+                        <a:rPr lang="en-GB" sz="1200" dirty="0"/>
+                        <a:t>Provides a drop-in runner that mirrors the original offline-SAC script for apples-to-apples comparison.</a:t>
+                      </a:r>
+                    </a:p>
+                  </a:txBody>
+                  <a:tcPr marL="37141" marR="37141" marT="18570" marB="18570" anchor="ctr">
+                    <a:lnL w="12700" cap="flat" cmpd="sng" algn="ctr">
+                      <a:solidFill>
+                        <a:schemeClr val="tx1"/>
+                      </a:solidFill>
+                      <a:prstDash val="solid"/>
+                      <a:round/>
+                      <a:headEnd type="none" w="med" len="med"/>
+                      <a:tailEnd type="none" w="med" len="med"/>
+                    </a:lnL>
+                    <a:lnR w="12700" cap="flat" cmpd="sng" algn="ctr">
+                      <a:solidFill>
+                        <a:schemeClr val="tx1"/>
+                      </a:solidFill>
+                      <a:prstDash val="solid"/>
+                      <a:round/>
+                      <a:headEnd type="none" w="med" len="med"/>
+                      <a:tailEnd type="none" w="med" len="med"/>
+                    </a:lnR>
+                    <a:lnT w="12700" cap="flat" cmpd="sng" algn="ctr">
+                      <a:solidFill>
+                        <a:schemeClr val="tx1"/>
+                      </a:solidFill>
+                      <a:prstDash val="solid"/>
+                      <a:round/>
+                      <a:headEnd type="none" w="med" len="med"/>
+                      <a:tailEnd type="none" w="med" len="med"/>
+                    </a:lnT>
+                    <a:lnB w="12700" cap="flat" cmpd="sng" algn="ctr">
+                      <a:solidFill>
+                        <a:schemeClr val="tx1"/>
+                      </a:solidFill>
+                      <a:prstDash val="solid"/>
+                      <a:round/>
+                      <a:headEnd type="none" w="med" len="med"/>
+                      <a:tailEnd type="none" w="med" len="med"/>
+                    </a:lnB>
+                    <a:noFill/>
+                  </a:tcPr>
+                </a:tc>
+                <a:extLst>
+                  <a:ext uri="{0D108BD9-81ED-4DB2-BD59-A6C34878D82A}">
+                    <a16:rowId xmlns:a16="http://schemas.microsoft.com/office/drawing/2014/main" val="298532154"/>
+                  </a:ext>
+                </a:extLst>
+              </a:tr>
+            </a:tbl>
+          </a:graphicData>
+        </a:graphic>
+      </p:graphicFrame>
     </p:spTree>
     <p:extLst>
       <p:ext uri="{BB962C8B-B14F-4D97-AF65-F5344CB8AC3E}">
-        <p14:creationId xmlns:p14="http://schemas.microsoft.com/office/powerpoint/2010/main" val="2431562167"/>
+        <p14:creationId xmlns:p14="http://schemas.microsoft.com/office/powerpoint/2010/main" val="2001995034"/>
       </p:ext>
     </p:extLst>
   </p:cSld>
@@ -9033,7 +11685,7 @@
         <p:cNvPr id="1" name="">
           <a:extLst>
             <a:ext uri="{FF2B5EF4-FFF2-40B4-BE49-F238E27FC236}">
-              <a16:creationId xmlns:a16="http://schemas.microsoft.com/office/drawing/2014/main" id="{E2D535EE-2F28-364A-86B6-05C2D94C02E3}"/>
+              <a16:creationId xmlns:a16="http://schemas.microsoft.com/office/drawing/2014/main" id="{E19E025F-A56A-433E-565E-5743A844CE5F}"/>
             </a:ext>
           </a:extLst>
         </p:cNvPr>
@@ -9053,7 +11705,7 @@
           <p:cNvPr id="2" name="Title 1">
             <a:extLst>
               <a:ext uri="{FF2B5EF4-FFF2-40B4-BE49-F238E27FC236}">
-                <a16:creationId xmlns:a16="http://schemas.microsoft.com/office/drawing/2014/main" id="{671633D6-C051-3D9B-7C89-04AA51A7000D}"/>
+                <a16:creationId xmlns:a16="http://schemas.microsoft.com/office/drawing/2014/main" id="{CC0234E5-17E4-8096-ACB0-090437C677A2}"/>
               </a:ext>
             </a:extLst>
           </p:cNvPr>
@@ -9066,27 +11718,303 @@
         </p:nvSpPr>
         <p:spPr>
           <a:xfrm>
-            <a:off x="640078" y="1220103"/>
-            <a:ext cx="10890929" cy="744164"/>
+            <a:off x="650535" y="1052645"/>
+            <a:ext cx="10890929" cy="555078"/>
           </a:xfrm>
         </p:spPr>
         <p:txBody>
-          <a:bodyPr/>
+          <a:bodyPr>
+            <a:normAutofit fontScale="90000"/>
+          </a:bodyPr>
           <a:lstStyle/>
           <a:p>
             <a:r>
-              <a:rPr lang="en-GB" b="1" dirty="0"/>
-              <a:t>Why SACv1 Underperformed vs SAC SB3</a:t>
-            </a:r>
+              <a:rPr lang="en-GB" b="0" i="0" u="none" strike="noStrike" dirty="0">
+                <a:solidFill>
+                  <a:srgbClr val="000000"/>
+                </a:solidFill>
+                <a:effectLst/>
+                <a:latin typeface="-webkit-standard"/>
+              </a:rPr>
+              <a:t>Results Overview -  LunarLanderContinuousv2 CQL</a:t>
+            </a:r>
+            <a:endParaRPr lang="en-US" dirty="0"/>
+          </a:p>
+        </p:txBody>
+      </p:sp>
+      <p:pic>
+        <p:nvPicPr>
+          <p:cNvPr id="5" name="Picture 4" descr="A graph showing different colored lines&#10;&#10;Description automatically generated">
+            <a:extLst>
+              <a:ext uri="{FF2B5EF4-FFF2-40B4-BE49-F238E27FC236}">
+                <a16:creationId xmlns:a16="http://schemas.microsoft.com/office/drawing/2014/main" id="{99675382-3CC1-E4BF-3567-EFC80F149AC1}"/>
+              </a:ext>
+            </a:extLst>
+          </p:cNvPr>
+          <p:cNvPicPr>
+            <a:picLocks noChangeAspect="1"/>
+          </p:cNvPicPr>
+          <p:nvPr/>
+        </p:nvPicPr>
+        <p:blipFill>
+          <a:blip r:embed="rId3"/>
+          <a:stretch>
+            <a:fillRect/>
+          </a:stretch>
+        </p:blipFill>
+        <p:spPr>
+          <a:xfrm>
+            <a:off x="930233" y="1809338"/>
+            <a:ext cx="8654849" cy="5048662"/>
+          </a:xfrm>
+          <a:prstGeom prst="rect">
+            <a:avLst/>
+          </a:prstGeom>
+        </p:spPr>
+      </p:pic>
+    </p:spTree>
+    <p:extLst>
+      <p:ext uri="{BB962C8B-B14F-4D97-AF65-F5344CB8AC3E}">
+        <p14:creationId xmlns:p14="http://schemas.microsoft.com/office/powerpoint/2010/main" val="330438719"/>
+      </p:ext>
+    </p:extLst>
+  </p:cSld>
+  <p:clrMapOvr>
+    <a:masterClrMapping/>
+  </p:clrMapOvr>
+</p:sld>
+</file>
+
+<file path=ppt/slides/slide27.xml><?xml version="1.0" encoding="utf-8"?>
+<p:sld xmlns:a="http://schemas.openxmlformats.org/drawingml/2006/main" xmlns:r="http://schemas.openxmlformats.org/officeDocument/2006/relationships" xmlns:p="http://schemas.openxmlformats.org/presentationml/2006/main">
+  <p:cSld>
+    <p:spTree>
+      <p:nvGrpSpPr>
+        <p:cNvPr id="1" name="">
+          <a:extLst>
+            <a:ext uri="{FF2B5EF4-FFF2-40B4-BE49-F238E27FC236}">
+              <a16:creationId xmlns:a16="http://schemas.microsoft.com/office/drawing/2014/main" id="{A7BB0F41-E777-861B-1649-616E1878F4DB}"/>
+            </a:ext>
+          </a:extLst>
+        </p:cNvPr>
+        <p:cNvGrpSpPr/>
+        <p:nvPr/>
+      </p:nvGrpSpPr>
+      <p:grpSpPr>
+        <a:xfrm>
+          <a:off x="0" y="0"/>
+          <a:ext cx="0" cy="0"/>
+          <a:chOff x="0" y="0"/>
+          <a:chExt cx="0" cy="0"/>
+        </a:xfrm>
+      </p:grpSpPr>
+      <p:sp>
+        <p:nvSpPr>
+          <p:cNvPr id="2" name="Title 1">
+            <a:extLst>
+              <a:ext uri="{FF2B5EF4-FFF2-40B4-BE49-F238E27FC236}">
+                <a16:creationId xmlns:a16="http://schemas.microsoft.com/office/drawing/2014/main" id="{276DDC33-9E9E-8685-C491-720C2183C6EB}"/>
+              </a:ext>
+            </a:extLst>
+          </p:cNvPr>
+          <p:cNvSpPr>
+            <a:spLocks noGrp="1"/>
+          </p:cNvSpPr>
+          <p:nvPr>
+            <p:ph type="title"/>
+          </p:nvPr>
+        </p:nvSpPr>
+        <p:spPr>
+          <a:xfrm>
+            <a:off x="650535" y="1140107"/>
+            <a:ext cx="10890929" cy="639500"/>
+          </a:xfrm>
+        </p:spPr>
+        <p:txBody>
+          <a:bodyPr>
+            <a:normAutofit fontScale="90000"/>
+          </a:bodyPr>
+          <a:lstStyle/>
+          <a:p>
+            <a:r>
+              <a:rPr lang="en-GB" b="0" i="0" u="none" strike="noStrike" dirty="0">
+                <a:solidFill>
+                  <a:srgbClr val="000000"/>
+                </a:solidFill>
+                <a:effectLst/>
+                <a:latin typeface="-webkit-standard"/>
+              </a:rPr>
+              <a:t>Results Comparison -  </a:t>
+            </a:r>
+            <a:r>
+              <a:rPr lang="en-GB" b="0" dirty="0">
+                <a:solidFill>
+                  <a:srgbClr val="000000"/>
+                </a:solidFill>
+                <a:latin typeface="-webkit-standard"/>
+              </a:rPr>
+              <a:t>Lunar SAC Online vs Offline vs CQL</a:t>
+            </a:r>
+            <a:endParaRPr lang="en-US" dirty="0"/>
+          </a:p>
+        </p:txBody>
+      </p:sp>
+      <p:pic>
+        <p:nvPicPr>
+          <p:cNvPr id="5" name="Picture 4" descr="A graph of a graph showing different colored lines&#10;&#10;Description automatically generated">
+            <a:extLst>
+              <a:ext uri="{FF2B5EF4-FFF2-40B4-BE49-F238E27FC236}">
+                <a16:creationId xmlns:a16="http://schemas.microsoft.com/office/drawing/2014/main" id="{D4AA3EC5-AD60-0E4C-AEFE-5695D9B7AF64}"/>
+              </a:ext>
+            </a:extLst>
+          </p:cNvPr>
+          <p:cNvPicPr>
+            <a:picLocks noChangeAspect="1"/>
+          </p:cNvPicPr>
+          <p:nvPr/>
+        </p:nvPicPr>
+        <p:blipFill>
+          <a:blip r:embed="rId2"/>
+          <a:stretch>
+            <a:fillRect/>
+          </a:stretch>
+        </p:blipFill>
+        <p:spPr>
+          <a:xfrm>
+            <a:off x="1291242" y="1779606"/>
+            <a:ext cx="8705817" cy="5078393"/>
+          </a:xfrm>
+          <a:prstGeom prst="rect">
+            <a:avLst/>
+          </a:prstGeom>
+        </p:spPr>
+      </p:pic>
+    </p:spTree>
+    <p:extLst>
+      <p:ext uri="{BB962C8B-B14F-4D97-AF65-F5344CB8AC3E}">
+        <p14:creationId xmlns:p14="http://schemas.microsoft.com/office/powerpoint/2010/main" val="4137446126"/>
+      </p:ext>
+    </p:extLst>
+  </p:cSld>
+  <p:clrMapOvr>
+    <a:masterClrMapping/>
+  </p:clrMapOvr>
+</p:sld>
+</file>
+
+<file path=ppt/slides/slide28.xml><?xml version="1.0" encoding="utf-8"?>
+<p:sld xmlns:a="http://schemas.openxmlformats.org/drawingml/2006/main" xmlns:r="http://schemas.openxmlformats.org/officeDocument/2006/relationships" xmlns:p="http://schemas.openxmlformats.org/presentationml/2006/main">
+  <p:cSld>
+    <p:bg>
+      <p:bgPr>
+        <a:solidFill>
+          <a:schemeClr val="bg1"/>
+        </a:solidFill>
+        <a:effectLst/>
+      </p:bgPr>
+    </p:bg>
+    <p:spTree>
+      <p:nvGrpSpPr>
+        <p:cNvPr id="1" name="">
+          <a:extLst>
+            <a:ext uri="{FF2B5EF4-FFF2-40B4-BE49-F238E27FC236}">
+              <a16:creationId xmlns:a16="http://schemas.microsoft.com/office/drawing/2014/main" id="{34278649-73A4-75B2-536C-A242C3924965}"/>
+            </a:ext>
+          </a:extLst>
+        </p:cNvPr>
+        <p:cNvGrpSpPr/>
+        <p:nvPr/>
+      </p:nvGrpSpPr>
+      <p:grpSpPr>
+        <a:xfrm>
+          <a:off x="0" y="0"/>
+          <a:ext cx="0" cy="0"/>
+          <a:chOff x="0" y="0"/>
+          <a:chExt cx="0" cy="0"/>
+        </a:xfrm>
+      </p:grpSpPr>
+      <p:sp useBgFill="1">
+        <p:nvSpPr>
+          <p:cNvPr id="14" name="Rectangle 13">
+            <a:extLst>
+              <a:ext uri="{FF2B5EF4-FFF2-40B4-BE49-F238E27FC236}">
+                <a16:creationId xmlns:a16="http://schemas.microsoft.com/office/drawing/2014/main" id="{6277B0B0-6AD0-4DB4-12AD-F6399B047661}"/>
+              </a:ext>
+              <a:ext uri="{C183D7F6-B498-43B3-948B-1728B52AA6E4}">
+                <adec:decorative xmlns:adec="http://schemas.microsoft.com/office/drawing/2017/decorative" val="1"/>
+              </a:ext>
+            </a:extLst>
+          </p:cNvPr>
+          <p:cNvSpPr>
+            <a:spLocks noGrp="1" noRot="1" noChangeAspect="1" noMove="1" noResize="1" noEditPoints="1" noAdjustHandles="1" noChangeArrowheads="1" noChangeShapeType="1" noTextEdit="1"/>
+          </p:cNvSpPr>
+          <p:nvPr>
+            <p:extLst>
+              <p:ext uri="{386F3935-93C4-4BCD-93E2-E3B085C9AB24}">
+                <p16:designElem xmlns:p16="http://schemas.microsoft.com/office/powerpoint/2015/main" val="1"/>
+              </p:ext>
+            </p:extLst>
+          </p:nvPr>
+        </p:nvSpPr>
+        <p:spPr>
+          <a:xfrm>
+            <a:off x="0" y="0"/>
+            <a:ext cx="12192000" cy="6858000"/>
+          </a:xfrm>
+          <a:prstGeom prst="rect">
+            <a:avLst/>
+          </a:prstGeom>
+          <a:ln w="12700" cap="flat" cmpd="sng" algn="ctr">
+            <a:noFill/>
+            <a:prstDash val="solid"/>
+            <a:miter lim="800000"/>
+          </a:ln>
+          <a:effectLst/>
+          <a:extLst>
+            <a:ext uri="{91240B29-F687-4F45-9708-019B960494DF}">
+              <a14:hiddenLine xmlns:a14="http://schemas.microsoft.com/office/drawing/2010/main" w="12700" cap="flat" cmpd="sng" algn="ctr">
+                <a:solidFill>
+                  <a:schemeClr val="accent1">
+                    <a:shade val="50000"/>
+                  </a:schemeClr>
+                </a:solidFill>
+                <a:prstDash val="solid"/>
+                <a:miter lim="800000"/>
+              </a14:hiddenLine>
+            </a:ext>
+          </a:extLst>
+        </p:spPr>
+        <p:style>
+          <a:lnRef idx="2">
+            <a:schemeClr val="accent1">
+              <a:shade val="50000"/>
+            </a:schemeClr>
+          </a:lnRef>
+          <a:fillRef idx="1">
+            <a:schemeClr val="accent1"/>
+          </a:fillRef>
+          <a:effectRef idx="0">
+            <a:schemeClr val="accent1"/>
+          </a:effectRef>
+          <a:fontRef idx="minor">
+            <a:schemeClr val="lt1"/>
+          </a:fontRef>
+        </p:style>
+        <p:txBody>
+          <a:bodyPr rtlCol="0" anchor="ctr"/>
+          <a:lstStyle/>
+          <a:p>
+            <a:pPr algn="ctr"/>
+            <a:endParaRPr lang="en-US"/>
           </a:p>
         </p:txBody>
       </p:sp>
       <p:sp>
         <p:nvSpPr>
-          <p:cNvPr id="3" name="Content Placeholder 2">
-            <a:extLst>
-              <a:ext uri="{FF2B5EF4-FFF2-40B4-BE49-F238E27FC236}">
-                <a16:creationId xmlns:a16="http://schemas.microsoft.com/office/drawing/2014/main" id="{FFAAE7B2-CF54-F120-DCD6-6AABF6948D72}"/>
+          <p:cNvPr id="2" name="Title 1">
+            <a:extLst>
+              <a:ext uri="{FF2B5EF4-FFF2-40B4-BE49-F238E27FC236}">
+                <a16:creationId xmlns:a16="http://schemas.microsoft.com/office/drawing/2014/main" id="{9A0D5D79-B4F4-B17F-2189-23A5F801818F}"/>
               </a:ext>
             </a:extLst>
           </p:cNvPr>
@@ -9094,184 +12022,1638 @@
             <a:spLocks noGrp="1"/>
           </p:cNvSpPr>
           <p:nvPr>
-            <p:ph idx="1"/>
+            <p:ph type="title"/>
           </p:nvPr>
         </p:nvSpPr>
         <p:spPr>
           <a:xfrm>
-            <a:off x="640078" y="2102893"/>
-            <a:ext cx="10890928" cy="4286617"/>
+            <a:off x="713232" y="1174830"/>
+            <a:ext cx="11208692" cy="642394"/>
           </a:xfrm>
         </p:spPr>
         <p:txBody>
-          <a:bodyPr>
-            <a:noAutofit/>
+          <a:bodyPr vert="horz" lIns="91440" tIns="45720" rIns="91440" bIns="45720" rtlCol="0" anchor="t">
+            <a:normAutofit/>
           </a:bodyPr>
           <a:lstStyle/>
           <a:p>
-            <a:pPr marL="0" indent="0">
-              <a:buNone/>
+            <a:pPr>
+              <a:lnSpc>
+                <a:spcPct val="90000"/>
+              </a:lnSpc>
             </a:pPr>
             <a:r>
-              <a:rPr lang="en-GB" sz="1300" b="1" dirty="0"/>
-              <a:t>Observation:</a:t>
-            </a:r>
-            <a:endParaRPr lang="en-GB" sz="1300" dirty="0"/>
-          </a:p>
-          <a:p>
-            <a:pPr>
-              <a:buFont typeface="Arial" panose="020B0604020202020204" pitchFamily="34" charset="0"/>
-              <a:buChar char="•"/>
-            </a:pPr>
-            <a:r>
-              <a:rPr lang="en-GB" sz="1300" dirty="0"/>
-              <a:t>Our custom SACv1 struggled to reach the target score of 200+ on LunarLanderContinuous-v2.</a:t>
-            </a:r>
-          </a:p>
-          <a:p>
-            <a:pPr>
-              <a:buFont typeface="Arial" panose="020B0604020202020204" pitchFamily="34" charset="0"/>
-              <a:buChar char="•"/>
-            </a:pPr>
-            <a:r>
-              <a:rPr lang="en-GB" sz="1300" dirty="0"/>
-              <a:t>SAC SB3, however, consistently achieved higher, stable performance.</a:t>
-            </a:r>
-          </a:p>
-          <a:p>
-            <a:pPr marL="0" indent="0">
-              <a:buNone/>
-            </a:pPr>
-            <a:r>
-              <a:rPr lang="en-GB" sz="1300" b="1" dirty="0"/>
-              <a:t>Initial Hypothesis:</a:t>
-            </a:r>
-            <a:endParaRPr lang="en-GB" sz="1300" dirty="0"/>
-          </a:p>
-          <a:p>
-            <a:pPr>
-              <a:buFont typeface="Arial" panose="020B0604020202020204" pitchFamily="34" charset="0"/>
-              <a:buChar char="•"/>
-            </a:pPr>
-            <a:r>
-              <a:rPr lang="en-GB" sz="1300" dirty="0"/>
-              <a:t>Suspected the issue might be with network architecture (e.g., underpowered MLP).</a:t>
-            </a:r>
-          </a:p>
-          <a:p>
-            <a:pPr marL="0" indent="0">
-              <a:buNone/>
-            </a:pPr>
-            <a:r>
-              <a:rPr lang="en-GB" sz="1300" b="1" dirty="0"/>
-              <a:t>What We Found:</a:t>
-            </a:r>
-            <a:endParaRPr lang="en-GB" sz="1300" dirty="0"/>
-          </a:p>
-          <a:p>
-            <a:pPr>
-              <a:buFont typeface="Arial" panose="020B0604020202020204" pitchFamily="34" charset="0"/>
-              <a:buChar char="•"/>
-            </a:pPr>
-            <a:r>
-              <a:rPr lang="en-GB" sz="1300" dirty="0"/>
-              <a:t>Both SACv1 and SB3 used the same architecture: </a:t>
-            </a:r>
-            <a:r>
-              <a:rPr lang="en-GB" sz="1300" b="1" dirty="0"/>
-              <a:t>2 hidden layers, 256 units each (</a:t>
-            </a:r>
-            <a:r>
-              <a:rPr lang="en-GB" sz="1300" b="1" dirty="0" err="1"/>
-              <a:t>ReLU</a:t>
-            </a:r>
-            <a:r>
-              <a:rPr lang="en-GB" sz="1300" b="1" dirty="0"/>
-              <a:t>)</a:t>
-            </a:r>
-            <a:r>
-              <a:rPr lang="en-GB" sz="1300" dirty="0"/>
-              <a:t>.</a:t>
-            </a:r>
-          </a:p>
-          <a:p>
-            <a:pPr>
-              <a:buFont typeface="Arial" panose="020B0604020202020204" pitchFamily="34" charset="0"/>
-              <a:buChar char="•"/>
-            </a:pPr>
-            <a:r>
-              <a:rPr lang="en-GB" sz="1300" dirty="0"/>
-              <a:t>Replay buffer size, batch size, reward scaling, and update rules were also aligned.</a:t>
-            </a:r>
-          </a:p>
-          <a:p>
-            <a:pPr marL="0" indent="0">
-              <a:buNone/>
-            </a:pPr>
-            <a:endParaRPr lang="en-GB" sz="1300" b="1" dirty="0"/>
-          </a:p>
-          <a:p>
-            <a:pPr marL="0" indent="0">
-              <a:buNone/>
-            </a:pPr>
-            <a:r>
-              <a:rPr lang="en-GB" sz="1300" b="1" dirty="0"/>
-              <a:t>Root Cause Identified:</a:t>
-            </a:r>
-            <a:endParaRPr lang="en-GB" sz="1300" dirty="0"/>
-          </a:p>
-          <a:p>
-            <a:pPr>
-              <a:buFont typeface="Arial" panose="020B0604020202020204" pitchFamily="34" charset="0"/>
-              <a:buChar char="•"/>
-            </a:pPr>
-            <a:r>
-              <a:rPr lang="en-GB" sz="1300" b="1" dirty="0"/>
-              <a:t>SACv1 uses a fixed entropy coefficient </a:t>
-            </a:r>
-            <a:r>
-              <a:rPr lang="el-GR" sz="1300" b="1" dirty="0"/>
-              <a:t>α (</a:t>
-            </a:r>
-            <a:r>
-              <a:rPr lang="en-GB" sz="1300" b="1" dirty="0"/>
-              <a:t>implicitly = 1)</a:t>
-            </a:r>
-            <a:r>
-              <a:rPr lang="en-GB" sz="1300" dirty="0"/>
-              <a:t>.</a:t>
-            </a:r>
-          </a:p>
-          <a:p>
-            <a:pPr>
-              <a:buFont typeface="Arial" panose="020B0604020202020204" pitchFamily="34" charset="0"/>
-              <a:buChar char="•"/>
-            </a:pPr>
-            <a:r>
-              <a:rPr lang="en-GB" sz="1300" b="1" dirty="0"/>
-              <a:t>SAC SB3 uses automatic entropy tuning</a:t>
-            </a:r>
-            <a:r>
-              <a:rPr lang="en-GB" sz="1300" dirty="0"/>
-              <a:t>, dynamically adjusting </a:t>
-            </a:r>
-            <a:r>
-              <a:rPr lang="el-GR" sz="1300" dirty="0"/>
-              <a:t>α </a:t>
-            </a:r>
-            <a:r>
-              <a:rPr lang="en-GB" sz="1300" dirty="0"/>
-              <a:t>for balanced exploration</a:t>
+              <a:rPr lang="en-US" sz="3400" i="0" u="none" strike="noStrike" dirty="0">
+                <a:effectLst/>
+              </a:rPr>
+              <a:t>Sample Efficiency-  </a:t>
+            </a:r>
+            <a:r>
+              <a:rPr lang="en-US" sz="3400" dirty="0"/>
+              <a:t>Lunar Online vs Offline</a:t>
             </a:r>
           </a:p>
         </p:txBody>
       </p:sp>
+      <p:cxnSp>
+        <p:nvCxnSpPr>
+          <p:cNvPr id="15" name="Straight Connector 14">
+            <a:extLst>
+              <a:ext uri="{FF2B5EF4-FFF2-40B4-BE49-F238E27FC236}">
+                <a16:creationId xmlns:a16="http://schemas.microsoft.com/office/drawing/2014/main" id="{48958462-A5CF-6A19-CE61-DF570BE9E114}"/>
+              </a:ext>
+              <a:ext uri="{C183D7F6-B498-43B3-948B-1728B52AA6E4}">
+                <adec:decorative xmlns:adec="http://schemas.microsoft.com/office/drawing/2017/decorative" val="1"/>
+              </a:ext>
+            </a:extLst>
+          </p:cNvPr>
+          <p:cNvCxnSpPr>
+            <a:cxnSpLocks noGrp="1" noRot="1" noChangeAspect="1" noMove="1" noResize="1" noEditPoints="1" noAdjustHandles="1" noChangeArrowheads="1" noChangeShapeType="1"/>
+          </p:cNvCxnSpPr>
+          <p:nvPr>
+            <p:extLst>
+              <p:ext uri="{386F3935-93C4-4BCD-93E2-E3B085C9AB24}">
+                <p16:designElem xmlns:p16="http://schemas.microsoft.com/office/powerpoint/2015/main" val="1"/>
+              </p:ext>
+            </p:extLst>
+          </p:nvPr>
+        </p:nvCxnSpPr>
+        <p:spPr>
+          <a:xfrm>
+            <a:off x="713232" y="1031001"/>
+            <a:ext cx="978862" cy="0"/>
+          </a:xfrm>
+          <a:prstGeom prst="line">
+            <a:avLst/>
+          </a:prstGeom>
+          <a:ln w="76200"/>
+        </p:spPr>
+        <p:style>
+          <a:lnRef idx="1">
+            <a:schemeClr val="accent1"/>
+          </a:lnRef>
+          <a:fillRef idx="0">
+            <a:schemeClr val="accent1"/>
+          </a:fillRef>
+          <a:effectRef idx="0">
+            <a:schemeClr val="accent1"/>
+          </a:effectRef>
+          <a:fontRef idx="minor">
+            <a:schemeClr val="tx1"/>
+          </a:fontRef>
+        </p:style>
+      </p:cxnSp>
+      <p:graphicFrame>
+        <p:nvGraphicFramePr>
+          <p:cNvPr id="4" name="Table 3">
+            <a:extLst>
+              <a:ext uri="{FF2B5EF4-FFF2-40B4-BE49-F238E27FC236}">
+                <a16:creationId xmlns:a16="http://schemas.microsoft.com/office/drawing/2014/main" id="{F3619586-BEF9-C7FF-A008-4C735BA37F5E}"/>
+              </a:ext>
+            </a:extLst>
+          </p:cNvPr>
+          <p:cNvGraphicFramePr>
+            <a:graphicFrameLocks noGrp="1"/>
+          </p:cNvGraphicFramePr>
+          <p:nvPr>
+            <p:extLst>
+              <p:ext uri="{D42A27DB-BD31-4B8C-83A1-F6EECF244321}">
+                <p14:modId xmlns:p14="http://schemas.microsoft.com/office/powerpoint/2010/main" val="3851436780"/>
+              </p:ext>
+            </p:extLst>
+          </p:nvPr>
+        </p:nvGraphicFramePr>
+        <p:xfrm>
+          <a:off x="544758" y="2148839"/>
+          <a:ext cx="10986180" cy="4014458"/>
+        </p:xfrm>
+        <a:graphic>
+          <a:graphicData uri="http://schemas.openxmlformats.org/drawingml/2006/table">
+            <a:tbl>
+              <a:tblPr/>
+              <a:tblGrid>
+                <a:gridCol w="2746545">
+                  <a:extLst>
+                    <a:ext uri="{9D8B030D-6E8A-4147-A177-3AD203B41FA5}">
+                      <a16:colId xmlns:a16="http://schemas.microsoft.com/office/drawing/2014/main" val="453598015"/>
+                    </a:ext>
+                  </a:extLst>
+                </a:gridCol>
+                <a:gridCol w="2746545">
+                  <a:extLst>
+                    <a:ext uri="{9D8B030D-6E8A-4147-A177-3AD203B41FA5}">
+                      <a16:colId xmlns:a16="http://schemas.microsoft.com/office/drawing/2014/main" val="4002933884"/>
+                    </a:ext>
+                  </a:extLst>
+                </a:gridCol>
+                <a:gridCol w="2746545">
+                  <a:extLst>
+                    <a:ext uri="{9D8B030D-6E8A-4147-A177-3AD203B41FA5}">
+                      <a16:colId xmlns:a16="http://schemas.microsoft.com/office/drawing/2014/main" val="1918384382"/>
+                    </a:ext>
+                  </a:extLst>
+                </a:gridCol>
+                <a:gridCol w="2746545">
+                  <a:extLst>
+                    <a:ext uri="{9D8B030D-6E8A-4147-A177-3AD203B41FA5}">
+                      <a16:colId xmlns:a16="http://schemas.microsoft.com/office/drawing/2014/main" val="2010668984"/>
+                    </a:ext>
+                  </a:extLst>
+                </a:gridCol>
+              </a:tblGrid>
+              <a:tr h="573494">
+                <a:tc>
+                  <a:txBody>
+                    <a:bodyPr/>
+                    <a:lstStyle/>
+                    <a:p>
+                      <a:r>
+                        <a:rPr lang="en-GB"/>
+                        <a:t>Metric</a:t>
+                      </a:r>
+                    </a:p>
+                  </a:txBody>
+                  <a:tcPr anchor="ctr">
+                    <a:lnL w="12700" cap="flat" cmpd="sng" algn="ctr">
+                      <a:solidFill>
+                        <a:schemeClr val="tx1"/>
+                      </a:solidFill>
+                      <a:prstDash val="solid"/>
+                      <a:round/>
+                      <a:headEnd type="none" w="med" len="med"/>
+                      <a:tailEnd type="none" w="med" len="med"/>
+                    </a:lnL>
+                    <a:lnR w="12700" cap="flat" cmpd="sng" algn="ctr">
+                      <a:solidFill>
+                        <a:schemeClr val="tx1"/>
+                      </a:solidFill>
+                      <a:prstDash val="solid"/>
+                      <a:round/>
+                      <a:headEnd type="none" w="med" len="med"/>
+                      <a:tailEnd type="none" w="med" len="med"/>
+                    </a:lnR>
+                    <a:lnT w="12700" cap="flat" cmpd="sng" algn="ctr">
+                      <a:solidFill>
+                        <a:schemeClr val="tx1"/>
+                      </a:solidFill>
+                      <a:prstDash val="solid"/>
+                      <a:round/>
+                      <a:headEnd type="none" w="med" len="med"/>
+                      <a:tailEnd type="none" w="med" len="med"/>
+                    </a:lnT>
+                    <a:lnB w="12700" cap="flat" cmpd="sng" algn="ctr">
+                      <a:solidFill>
+                        <a:schemeClr val="tx1"/>
+                      </a:solidFill>
+                      <a:prstDash val="solid"/>
+                      <a:round/>
+                      <a:headEnd type="none" w="med" len="med"/>
+                      <a:tailEnd type="none" w="med" len="med"/>
+                    </a:lnB>
+                    <a:noFill/>
+                  </a:tcPr>
+                </a:tc>
+                <a:tc>
+                  <a:txBody>
+                    <a:bodyPr/>
+                    <a:lstStyle/>
+                    <a:p>
+                      <a:r>
+                        <a:rPr lang="en-GB"/>
+                        <a:t>Online SAC</a:t>
+                      </a:r>
+                    </a:p>
+                  </a:txBody>
+                  <a:tcPr anchor="ctr">
+                    <a:lnL w="12700" cap="flat" cmpd="sng" algn="ctr">
+                      <a:solidFill>
+                        <a:schemeClr val="tx1"/>
+                      </a:solidFill>
+                      <a:prstDash val="solid"/>
+                      <a:round/>
+                      <a:headEnd type="none" w="med" len="med"/>
+                      <a:tailEnd type="none" w="med" len="med"/>
+                    </a:lnL>
+                    <a:lnR w="12700" cap="flat" cmpd="sng" algn="ctr">
+                      <a:solidFill>
+                        <a:schemeClr val="tx1"/>
+                      </a:solidFill>
+                      <a:prstDash val="solid"/>
+                      <a:round/>
+                      <a:headEnd type="none" w="med" len="med"/>
+                      <a:tailEnd type="none" w="med" len="med"/>
+                    </a:lnR>
+                    <a:lnT w="12700" cap="flat" cmpd="sng" algn="ctr">
+                      <a:solidFill>
+                        <a:schemeClr val="tx1"/>
+                      </a:solidFill>
+                      <a:prstDash val="solid"/>
+                      <a:round/>
+                      <a:headEnd type="none" w="med" len="med"/>
+                      <a:tailEnd type="none" w="med" len="med"/>
+                    </a:lnT>
+                    <a:lnB w="12700" cap="flat" cmpd="sng" algn="ctr">
+                      <a:solidFill>
+                        <a:schemeClr val="tx1"/>
+                      </a:solidFill>
+                      <a:prstDash val="solid"/>
+                      <a:round/>
+                      <a:headEnd type="none" w="med" len="med"/>
+                      <a:tailEnd type="none" w="med" len="med"/>
+                    </a:lnB>
+                    <a:noFill/>
+                  </a:tcPr>
+                </a:tc>
+                <a:tc>
+                  <a:txBody>
+                    <a:bodyPr/>
+                    <a:lstStyle/>
+                    <a:p>
+                      <a:r>
+                        <a:rPr lang="en-GB"/>
+                        <a:t>Offline SAC</a:t>
+                      </a:r>
+                    </a:p>
+                  </a:txBody>
+                  <a:tcPr anchor="ctr">
+                    <a:lnL w="12700" cap="flat" cmpd="sng" algn="ctr">
+                      <a:solidFill>
+                        <a:schemeClr val="tx1"/>
+                      </a:solidFill>
+                      <a:prstDash val="solid"/>
+                      <a:round/>
+                      <a:headEnd type="none" w="med" len="med"/>
+                      <a:tailEnd type="none" w="med" len="med"/>
+                    </a:lnL>
+                    <a:lnR w="12700" cap="flat" cmpd="sng" algn="ctr">
+                      <a:solidFill>
+                        <a:schemeClr val="tx1"/>
+                      </a:solidFill>
+                      <a:prstDash val="solid"/>
+                      <a:round/>
+                      <a:headEnd type="none" w="med" len="med"/>
+                      <a:tailEnd type="none" w="med" len="med"/>
+                    </a:lnR>
+                    <a:lnT w="12700" cap="flat" cmpd="sng" algn="ctr">
+                      <a:solidFill>
+                        <a:schemeClr val="tx1"/>
+                      </a:solidFill>
+                      <a:prstDash val="solid"/>
+                      <a:round/>
+                      <a:headEnd type="none" w="med" len="med"/>
+                      <a:tailEnd type="none" w="med" len="med"/>
+                    </a:lnT>
+                    <a:lnB w="12700" cap="flat" cmpd="sng" algn="ctr">
+                      <a:solidFill>
+                        <a:schemeClr val="tx1"/>
+                      </a:solidFill>
+                      <a:prstDash val="solid"/>
+                      <a:round/>
+                      <a:headEnd type="none" w="med" len="med"/>
+                      <a:tailEnd type="none" w="med" len="med"/>
+                    </a:lnB>
+                    <a:noFill/>
+                  </a:tcPr>
+                </a:tc>
+                <a:tc>
+                  <a:txBody>
+                    <a:bodyPr/>
+                    <a:lstStyle/>
+                    <a:p>
+                      <a:r>
+                        <a:rPr lang="en-GB" dirty="0"/>
+                        <a:t>CQL (Offline)</a:t>
+                      </a:r>
+                    </a:p>
+                  </a:txBody>
+                  <a:tcPr anchor="ctr">
+                    <a:lnL w="12700" cap="flat" cmpd="sng" algn="ctr">
+                      <a:solidFill>
+                        <a:schemeClr val="tx1"/>
+                      </a:solidFill>
+                      <a:prstDash val="solid"/>
+                      <a:round/>
+                      <a:headEnd type="none" w="med" len="med"/>
+                      <a:tailEnd type="none" w="med" len="med"/>
+                    </a:lnL>
+                    <a:lnR w="12700" cap="flat" cmpd="sng" algn="ctr">
+                      <a:solidFill>
+                        <a:schemeClr val="tx1"/>
+                      </a:solidFill>
+                      <a:prstDash val="solid"/>
+                      <a:round/>
+                      <a:headEnd type="none" w="med" len="med"/>
+                      <a:tailEnd type="none" w="med" len="med"/>
+                    </a:lnR>
+                    <a:lnT w="12700" cap="flat" cmpd="sng" algn="ctr">
+                      <a:solidFill>
+                        <a:schemeClr val="tx1"/>
+                      </a:solidFill>
+                      <a:prstDash val="solid"/>
+                      <a:round/>
+                      <a:headEnd type="none" w="med" len="med"/>
+                      <a:tailEnd type="none" w="med" len="med"/>
+                    </a:lnT>
+                    <a:lnB w="12700" cap="flat" cmpd="sng" algn="ctr">
+                      <a:solidFill>
+                        <a:schemeClr val="tx1"/>
+                      </a:solidFill>
+                      <a:prstDash val="solid"/>
+                      <a:round/>
+                      <a:headEnd type="none" w="med" len="med"/>
+                      <a:tailEnd type="none" w="med" len="med"/>
+                    </a:lnB>
+                    <a:noFill/>
+                  </a:tcPr>
+                </a:tc>
+                <a:extLst>
+                  <a:ext uri="{0D108BD9-81ED-4DB2-BD59-A6C34878D82A}">
+                    <a16:rowId xmlns:a16="http://schemas.microsoft.com/office/drawing/2014/main" val="123791168"/>
+                  </a:ext>
+                </a:extLst>
+              </a:tr>
+              <a:tr h="573494">
+                <a:tc>
+                  <a:txBody>
+                    <a:bodyPr/>
+                    <a:lstStyle/>
+                    <a:p>
+                      <a:r>
+                        <a:rPr lang="en-GB" b="1"/>
+                        <a:t>Solved Task (≥200)</a:t>
+                      </a:r>
+                      <a:endParaRPr lang="en-GB"/>
+                    </a:p>
+                  </a:txBody>
+                  <a:tcPr anchor="ctr">
+                    <a:lnL w="12700" cap="flat" cmpd="sng" algn="ctr">
+                      <a:solidFill>
+                        <a:schemeClr val="tx1"/>
+                      </a:solidFill>
+                      <a:prstDash val="solid"/>
+                      <a:round/>
+                      <a:headEnd type="none" w="med" len="med"/>
+                      <a:tailEnd type="none" w="med" len="med"/>
+                    </a:lnL>
+                    <a:lnR w="12700" cap="flat" cmpd="sng" algn="ctr">
+                      <a:solidFill>
+                        <a:schemeClr val="tx1"/>
+                      </a:solidFill>
+                      <a:prstDash val="solid"/>
+                      <a:round/>
+                      <a:headEnd type="none" w="med" len="med"/>
+                      <a:tailEnd type="none" w="med" len="med"/>
+                    </a:lnR>
+                    <a:lnT w="12700" cap="flat" cmpd="sng" algn="ctr">
+                      <a:solidFill>
+                        <a:schemeClr val="tx1"/>
+                      </a:solidFill>
+                      <a:prstDash val="solid"/>
+                      <a:round/>
+                      <a:headEnd type="none" w="med" len="med"/>
+                      <a:tailEnd type="none" w="med" len="med"/>
+                    </a:lnT>
+                    <a:lnB w="12700" cap="flat" cmpd="sng" algn="ctr">
+                      <a:solidFill>
+                        <a:schemeClr val="tx1"/>
+                      </a:solidFill>
+                      <a:prstDash val="solid"/>
+                      <a:round/>
+                      <a:headEnd type="none" w="med" len="med"/>
+                      <a:tailEnd type="none" w="med" len="med"/>
+                    </a:lnB>
+                    <a:noFill/>
+                  </a:tcPr>
+                </a:tc>
+                <a:tc>
+                  <a:txBody>
+                    <a:bodyPr/>
+                    <a:lstStyle/>
+                    <a:p>
+                      <a:r>
+                        <a:rPr lang="en-GB" dirty="0"/>
+                        <a:t>Yes</a:t>
+                      </a:r>
+                    </a:p>
+                  </a:txBody>
+                  <a:tcPr anchor="ctr">
+                    <a:lnL w="12700" cap="flat" cmpd="sng" algn="ctr">
+                      <a:solidFill>
+                        <a:schemeClr val="tx1"/>
+                      </a:solidFill>
+                      <a:prstDash val="solid"/>
+                      <a:round/>
+                      <a:headEnd type="none" w="med" len="med"/>
+                      <a:tailEnd type="none" w="med" len="med"/>
+                    </a:lnL>
+                    <a:lnR w="12700" cap="flat" cmpd="sng" algn="ctr">
+                      <a:solidFill>
+                        <a:schemeClr val="tx1"/>
+                      </a:solidFill>
+                      <a:prstDash val="solid"/>
+                      <a:round/>
+                      <a:headEnd type="none" w="med" len="med"/>
+                      <a:tailEnd type="none" w="med" len="med"/>
+                    </a:lnR>
+                    <a:lnT w="12700" cap="flat" cmpd="sng" algn="ctr">
+                      <a:solidFill>
+                        <a:schemeClr val="tx1"/>
+                      </a:solidFill>
+                      <a:prstDash val="solid"/>
+                      <a:round/>
+                      <a:headEnd type="none" w="med" len="med"/>
+                      <a:tailEnd type="none" w="med" len="med"/>
+                    </a:lnT>
+                    <a:lnB w="12700" cap="flat" cmpd="sng" algn="ctr">
+                      <a:solidFill>
+                        <a:schemeClr val="tx1"/>
+                      </a:solidFill>
+                      <a:prstDash val="solid"/>
+                      <a:round/>
+                      <a:headEnd type="none" w="med" len="med"/>
+                      <a:tailEnd type="none" w="med" len="med"/>
+                    </a:lnB>
+                    <a:noFill/>
+                  </a:tcPr>
+                </a:tc>
+                <a:tc>
+                  <a:txBody>
+                    <a:bodyPr/>
+                    <a:lstStyle/>
+                    <a:p>
+                      <a:r>
+                        <a:rPr lang="en-GB" dirty="0"/>
+                        <a:t>No</a:t>
+                      </a:r>
+                    </a:p>
+                  </a:txBody>
+                  <a:tcPr anchor="ctr">
+                    <a:lnL w="12700" cap="flat" cmpd="sng" algn="ctr">
+                      <a:solidFill>
+                        <a:schemeClr val="tx1"/>
+                      </a:solidFill>
+                      <a:prstDash val="solid"/>
+                      <a:round/>
+                      <a:headEnd type="none" w="med" len="med"/>
+                      <a:tailEnd type="none" w="med" len="med"/>
+                    </a:lnL>
+                    <a:lnR w="12700" cap="flat" cmpd="sng" algn="ctr">
+                      <a:solidFill>
+                        <a:schemeClr val="tx1"/>
+                      </a:solidFill>
+                      <a:prstDash val="solid"/>
+                      <a:round/>
+                      <a:headEnd type="none" w="med" len="med"/>
+                      <a:tailEnd type="none" w="med" len="med"/>
+                    </a:lnR>
+                    <a:lnT w="12700" cap="flat" cmpd="sng" algn="ctr">
+                      <a:solidFill>
+                        <a:schemeClr val="tx1"/>
+                      </a:solidFill>
+                      <a:prstDash val="solid"/>
+                      <a:round/>
+                      <a:headEnd type="none" w="med" len="med"/>
+                      <a:tailEnd type="none" w="med" len="med"/>
+                    </a:lnT>
+                    <a:lnB w="12700" cap="flat" cmpd="sng" algn="ctr">
+                      <a:solidFill>
+                        <a:schemeClr val="tx1"/>
+                      </a:solidFill>
+                      <a:prstDash val="solid"/>
+                      <a:round/>
+                      <a:headEnd type="none" w="med" len="med"/>
+                      <a:tailEnd type="none" w="med" len="med"/>
+                    </a:lnB>
+                    <a:noFill/>
+                  </a:tcPr>
+                </a:tc>
+                <a:tc>
+                  <a:txBody>
+                    <a:bodyPr/>
+                    <a:lstStyle/>
+                    <a:p>
+                      <a:r>
+                        <a:rPr lang="en-GB" dirty="0"/>
+                        <a:t>Yes</a:t>
+                      </a:r>
+                    </a:p>
+                  </a:txBody>
+                  <a:tcPr anchor="ctr">
+                    <a:lnL w="12700" cap="flat" cmpd="sng" algn="ctr">
+                      <a:solidFill>
+                        <a:schemeClr val="tx1"/>
+                      </a:solidFill>
+                      <a:prstDash val="solid"/>
+                      <a:round/>
+                      <a:headEnd type="none" w="med" len="med"/>
+                      <a:tailEnd type="none" w="med" len="med"/>
+                    </a:lnL>
+                    <a:lnR w="12700" cap="flat" cmpd="sng" algn="ctr">
+                      <a:solidFill>
+                        <a:schemeClr val="tx1"/>
+                      </a:solidFill>
+                      <a:prstDash val="solid"/>
+                      <a:round/>
+                      <a:headEnd type="none" w="med" len="med"/>
+                      <a:tailEnd type="none" w="med" len="med"/>
+                    </a:lnR>
+                    <a:lnT w="12700" cap="flat" cmpd="sng" algn="ctr">
+                      <a:solidFill>
+                        <a:schemeClr val="tx1"/>
+                      </a:solidFill>
+                      <a:prstDash val="solid"/>
+                      <a:round/>
+                      <a:headEnd type="none" w="med" len="med"/>
+                      <a:tailEnd type="none" w="med" len="med"/>
+                    </a:lnT>
+                    <a:lnB w="12700" cap="flat" cmpd="sng" algn="ctr">
+                      <a:solidFill>
+                        <a:schemeClr val="tx1"/>
+                      </a:solidFill>
+                      <a:prstDash val="solid"/>
+                      <a:round/>
+                      <a:headEnd type="none" w="med" len="med"/>
+                      <a:tailEnd type="none" w="med" len="med"/>
+                    </a:lnB>
+                    <a:noFill/>
+                  </a:tcPr>
+                </a:tc>
+                <a:extLst>
+                  <a:ext uri="{0D108BD9-81ED-4DB2-BD59-A6C34878D82A}">
+                    <a16:rowId xmlns:a16="http://schemas.microsoft.com/office/drawing/2014/main" val="2923624019"/>
+                  </a:ext>
+                </a:extLst>
+              </a:tr>
+              <a:tr h="573494">
+                <a:tc>
+                  <a:txBody>
+                    <a:bodyPr/>
+                    <a:lstStyle/>
+                    <a:p>
+                      <a:r>
+                        <a:rPr lang="en-GB" b="1"/>
+                        <a:t>Success %</a:t>
+                      </a:r>
+                      <a:endParaRPr lang="en-GB"/>
+                    </a:p>
+                  </a:txBody>
+                  <a:tcPr anchor="ctr">
+                    <a:lnL w="12700" cap="flat" cmpd="sng" algn="ctr">
+                      <a:solidFill>
+                        <a:schemeClr val="tx1"/>
+                      </a:solidFill>
+                      <a:prstDash val="solid"/>
+                      <a:round/>
+                      <a:headEnd type="none" w="med" len="med"/>
+                      <a:tailEnd type="none" w="med" len="med"/>
+                    </a:lnL>
+                    <a:lnR w="12700" cap="flat" cmpd="sng" algn="ctr">
+                      <a:solidFill>
+                        <a:schemeClr val="tx1"/>
+                      </a:solidFill>
+                      <a:prstDash val="solid"/>
+                      <a:round/>
+                      <a:headEnd type="none" w="med" len="med"/>
+                      <a:tailEnd type="none" w="med" len="med"/>
+                    </a:lnR>
+                    <a:lnT w="12700" cap="flat" cmpd="sng" algn="ctr">
+                      <a:solidFill>
+                        <a:schemeClr val="tx1"/>
+                      </a:solidFill>
+                      <a:prstDash val="solid"/>
+                      <a:round/>
+                      <a:headEnd type="none" w="med" len="med"/>
+                      <a:tailEnd type="none" w="med" len="med"/>
+                    </a:lnT>
+                    <a:lnB w="12700" cap="flat" cmpd="sng" algn="ctr">
+                      <a:solidFill>
+                        <a:schemeClr val="tx1"/>
+                      </a:solidFill>
+                      <a:prstDash val="solid"/>
+                      <a:round/>
+                      <a:headEnd type="none" w="med" len="med"/>
+                      <a:tailEnd type="none" w="med" len="med"/>
+                    </a:lnB>
+                    <a:noFill/>
+                  </a:tcPr>
+                </a:tc>
+                <a:tc>
+                  <a:txBody>
+                    <a:bodyPr/>
+                    <a:lstStyle/>
+                    <a:p>
+                      <a:r>
+                        <a:rPr lang="en-GB"/>
+                        <a:t>100.0%</a:t>
+                      </a:r>
+                    </a:p>
+                  </a:txBody>
+                  <a:tcPr anchor="ctr">
+                    <a:lnL w="12700" cap="flat" cmpd="sng" algn="ctr">
+                      <a:solidFill>
+                        <a:schemeClr val="tx1"/>
+                      </a:solidFill>
+                      <a:prstDash val="solid"/>
+                      <a:round/>
+                      <a:headEnd type="none" w="med" len="med"/>
+                      <a:tailEnd type="none" w="med" len="med"/>
+                    </a:lnL>
+                    <a:lnR w="12700" cap="flat" cmpd="sng" algn="ctr">
+                      <a:solidFill>
+                        <a:schemeClr val="tx1"/>
+                      </a:solidFill>
+                      <a:prstDash val="solid"/>
+                      <a:round/>
+                      <a:headEnd type="none" w="med" len="med"/>
+                      <a:tailEnd type="none" w="med" len="med"/>
+                    </a:lnR>
+                    <a:lnT w="12700" cap="flat" cmpd="sng" algn="ctr">
+                      <a:solidFill>
+                        <a:schemeClr val="tx1"/>
+                      </a:solidFill>
+                      <a:prstDash val="solid"/>
+                      <a:round/>
+                      <a:headEnd type="none" w="med" len="med"/>
+                      <a:tailEnd type="none" w="med" len="med"/>
+                    </a:lnT>
+                    <a:lnB w="12700" cap="flat" cmpd="sng" algn="ctr">
+                      <a:solidFill>
+                        <a:schemeClr val="tx1"/>
+                      </a:solidFill>
+                      <a:prstDash val="solid"/>
+                      <a:round/>
+                      <a:headEnd type="none" w="med" len="med"/>
+                      <a:tailEnd type="none" w="med" len="med"/>
+                    </a:lnB>
+                    <a:noFill/>
+                  </a:tcPr>
+                </a:tc>
+                <a:tc>
+                  <a:txBody>
+                    <a:bodyPr/>
+                    <a:lstStyle/>
+                    <a:p>
+                      <a:r>
+                        <a:rPr lang="en-GB"/>
+                        <a:t>0.0%</a:t>
+                      </a:r>
+                    </a:p>
+                  </a:txBody>
+                  <a:tcPr anchor="ctr">
+                    <a:lnL w="12700" cap="flat" cmpd="sng" algn="ctr">
+                      <a:solidFill>
+                        <a:schemeClr val="tx1"/>
+                      </a:solidFill>
+                      <a:prstDash val="solid"/>
+                      <a:round/>
+                      <a:headEnd type="none" w="med" len="med"/>
+                      <a:tailEnd type="none" w="med" len="med"/>
+                    </a:lnL>
+                    <a:lnR w="12700" cap="flat" cmpd="sng" algn="ctr">
+                      <a:solidFill>
+                        <a:schemeClr val="tx1"/>
+                      </a:solidFill>
+                      <a:prstDash val="solid"/>
+                      <a:round/>
+                      <a:headEnd type="none" w="med" len="med"/>
+                      <a:tailEnd type="none" w="med" len="med"/>
+                    </a:lnR>
+                    <a:lnT w="12700" cap="flat" cmpd="sng" algn="ctr">
+                      <a:solidFill>
+                        <a:schemeClr val="tx1"/>
+                      </a:solidFill>
+                      <a:prstDash val="solid"/>
+                      <a:round/>
+                      <a:headEnd type="none" w="med" len="med"/>
+                      <a:tailEnd type="none" w="med" len="med"/>
+                    </a:lnT>
+                    <a:lnB w="12700" cap="flat" cmpd="sng" algn="ctr">
+                      <a:solidFill>
+                        <a:schemeClr val="tx1"/>
+                      </a:solidFill>
+                      <a:prstDash val="solid"/>
+                      <a:round/>
+                      <a:headEnd type="none" w="med" len="med"/>
+                      <a:tailEnd type="none" w="med" len="med"/>
+                    </a:lnB>
+                    <a:noFill/>
+                  </a:tcPr>
+                </a:tc>
+                <a:tc>
+                  <a:txBody>
+                    <a:bodyPr/>
+                    <a:lstStyle/>
+                    <a:p>
+                      <a:r>
+                        <a:rPr lang="en-GB"/>
+                        <a:t>100.0%</a:t>
+                      </a:r>
+                    </a:p>
+                  </a:txBody>
+                  <a:tcPr anchor="ctr">
+                    <a:lnL w="12700" cap="flat" cmpd="sng" algn="ctr">
+                      <a:solidFill>
+                        <a:schemeClr val="tx1"/>
+                      </a:solidFill>
+                      <a:prstDash val="solid"/>
+                      <a:round/>
+                      <a:headEnd type="none" w="med" len="med"/>
+                      <a:tailEnd type="none" w="med" len="med"/>
+                    </a:lnL>
+                    <a:lnR w="12700" cap="flat" cmpd="sng" algn="ctr">
+                      <a:solidFill>
+                        <a:schemeClr val="tx1"/>
+                      </a:solidFill>
+                      <a:prstDash val="solid"/>
+                      <a:round/>
+                      <a:headEnd type="none" w="med" len="med"/>
+                      <a:tailEnd type="none" w="med" len="med"/>
+                    </a:lnR>
+                    <a:lnT w="12700" cap="flat" cmpd="sng" algn="ctr">
+                      <a:solidFill>
+                        <a:schemeClr val="tx1"/>
+                      </a:solidFill>
+                      <a:prstDash val="solid"/>
+                      <a:round/>
+                      <a:headEnd type="none" w="med" len="med"/>
+                      <a:tailEnd type="none" w="med" len="med"/>
+                    </a:lnT>
+                    <a:lnB w="12700" cap="flat" cmpd="sng" algn="ctr">
+                      <a:solidFill>
+                        <a:schemeClr val="tx1"/>
+                      </a:solidFill>
+                      <a:prstDash val="solid"/>
+                      <a:round/>
+                      <a:headEnd type="none" w="med" len="med"/>
+                      <a:tailEnd type="none" w="med" len="med"/>
+                    </a:lnB>
+                    <a:noFill/>
+                  </a:tcPr>
+                </a:tc>
+                <a:extLst>
+                  <a:ext uri="{0D108BD9-81ED-4DB2-BD59-A6C34878D82A}">
+                    <a16:rowId xmlns:a16="http://schemas.microsoft.com/office/drawing/2014/main" val="1042385666"/>
+                  </a:ext>
+                </a:extLst>
+              </a:tr>
+              <a:tr h="573494">
+                <a:tc>
+                  <a:txBody>
+                    <a:bodyPr/>
+                    <a:lstStyle/>
+                    <a:p>
+                      <a:r>
+                        <a:rPr lang="en-GB" b="1"/>
+                        <a:t>Total Steps</a:t>
+                      </a:r>
+                      <a:endParaRPr lang="en-GB"/>
+                    </a:p>
+                  </a:txBody>
+                  <a:tcPr anchor="ctr">
+                    <a:lnL w="12700" cap="flat" cmpd="sng" algn="ctr">
+                      <a:solidFill>
+                        <a:schemeClr val="tx1"/>
+                      </a:solidFill>
+                      <a:prstDash val="solid"/>
+                      <a:round/>
+                      <a:headEnd type="none" w="med" len="med"/>
+                      <a:tailEnd type="none" w="med" len="med"/>
+                    </a:lnL>
+                    <a:lnR w="12700" cap="flat" cmpd="sng" algn="ctr">
+                      <a:solidFill>
+                        <a:schemeClr val="tx1"/>
+                      </a:solidFill>
+                      <a:prstDash val="solid"/>
+                      <a:round/>
+                      <a:headEnd type="none" w="med" len="med"/>
+                      <a:tailEnd type="none" w="med" len="med"/>
+                    </a:lnR>
+                    <a:lnT w="12700" cap="flat" cmpd="sng" algn="ctr">
+                      <a:solidFill>
+                        <a:schemeClr val="tx1"/>
+                      </a:solidFill>
+                      <a:prstDash val="solid"/>
+                      <a:round/>
+                      <a:headEnd type="none" w="med" len="med"/>
+                      <a:tailEnd type="none" w="med" len="med"/>
+                    </a:lnT>
+                    <a:lnB w="12700" cap="flat" cmpd="sng" algn="ctr">
+                      <a:solidFill>
+                        <a:schemeClr val="tx1"/>
+                      </a:solidFill>
+                      <a:prstDash val="solid"/>
+                      <a:round/>
+                      <a:headEnd type="none" w="med" len="med"/>
+                      <a:tailEnd type="none" w="med" len="med"/>
+                    </a:lnB>
+                    <a:noFill/>
+                  </a:tcPr>
+                </a:tc>
+                <a:tc>
+                  <a:txBody>
+                    <a:bodyPr/>
+                    <a:lstStyle/>
+                    <a:p>
+                      <a:r>
+                        <a:rPr lang="en-GB"/>
+                        <a:t>1,500,000</a:t>
+                      </a:r>
+                    </a:p>
+                  </a:txBody>
+                  <a:tcPr anchor="ctr">
+                    <a:lnL w="12700" cap="flat" cmpd="sng" algn="ctr">
+                      <a:solidFill>
+                        <a:schemeClr val="tx1"/>
+                      </a:solidFill>
+                      <a:prstDash val="solid"/>
+                      <a:round/>
+                      <a:headEnd type="none" w="med" len="med"/>
+                      <a:tailEnd type="none" w="med" len="med"/>
+                    </a:lnL>
+                    <a:lnR w="12700" cap="flat" cmpd="sng" algn="ctr">
+                      <a:solidFill>
+                        <a:schemeClr val="tx1"/>
+                      </a:solidFill>
+                      <a:prstDash val="solid"/>
+                      <a:round/>
+                      <a:headEnd type="none" w="med" len="med"/>
+                      <a:tailEnd type="none" w="med" len="med"/>
+                    </a:lnR>
+                    <a:lnT w="12700" cap="flat" cmpd="sng" algn="ctr">
+                      <a:solidFill>
+                        <a:schemeClr val="tx1"/>
+                      </a:solidFill>
+                      <a:prstDash val="solid"/>
+                      <a:round/>
+                      <a:headEnd type="none" w="med" len="med"/>
+                      <a:tailEnd type="none" w="med" len="med"/>
+                    </a:lnT>
+                    <a:lnB w="12700" cap="flat" cmpd="sng" algn="ctr">
+                      <a:solidFill>
+                        <a:schemeClr val="tx1"/>
+                      </a:solidFill>
+                      <a:prstDash val="solid"/>
+                      <a:round/>
+                      <a:headEnd type="none" w="med" len="med"/>
+                      <a:tailEnd type="none" w="med" len="med"/>
+                    </a:lnB>
+                    <a:noFill/>
+                  </a:tcPr>
+                </a:tc>
+                <a:tc>
+                  <a:txBody>
+                    <a:bodyPr/>
+                    <a:lstStyle/>
+                    <a:p>
+                      <a:r>
+                        <a:rPr lang="en-GB"/>
+                        <a:t>1,250,000</a:t>
+                      </a:r>
+                    </a:p>
+                  </a:txBody>
+                  <a:tcPr anchor="ctr">
+                    <a:lnL w="12700" cap="flat" cmpd="sng" algn="ctr">
+                      <a:solidFill>
+                        <a:schemeClr val="tx1"/>
+                      </a:solidFill>
+                      <a:prstDash val="solid"/>
+                      <a:round/>
+                      <a:headEnd type="none" w="med" len="med"/>
+                      <a:tailEnd type="none" w="med" len="med"/>
+                    </a:lnL>
+                    <a:lnR w="12700" cap="flat" cmpd="sng" algn="ctr">
+                      <a:solidFill>
+                        <a:schemeClr val="tx1"/>
+                      </a:solidFill>
+                      <a:prstDash val="solid"/>
+                      <a:round/>
+                      <a:headEnd type="none" w="med" len="med"/>
+                      <a:tailEnd type="none" w="med" len="med"/>
+                    </a:lnR>
+                    <a:lnT w="12700" cap="flat" cmpd="sng" algn="ctr">
+                      <a:solidFill>
+                        <a:schemeClr val="tx1"/>
+                      </a:solidFill>
+                      <a:prstDash val="solid"/>
+                      <a:round/>
+                      <a:headEnd type="none" w="med" len="med"/>
+                      <a:tailEnd type="none" w="med" len="med"/>
+                    </a:lnT>
+                    <a:lnB w="12700" cap="flat" cmpd="sng" algn="ctr">
+                      <a:solidFill>
+                        <a:schemeClr val="tx1"/>
+                      </a:solidFill>
+                      <a:prstDash val="solid"/>
+                      <a:round/>
+                      <a:headEnd type="none" w="med" len="med"/>
+                      <a:tailEnd type="none" w="med" len="med"/>
+                    </a:lnB>
+                    <a:noFill/>
+                  </a:tcPr>
+                </a:tc>
+                <a:tc>
+                  <a:txBody>
+                    <a:bodyPr/>
+                    <a:lstStyle/>
+                    <a:p>
+                      <a:r>
+                        <a:rPr lang="en-GB"/>
+                        <a:t>300,000</a:t>
+                      </a:r>
+                    </a:p>
+                  </a:txBody>
+                  <a:tcPr anchor="ctr">
+                    <a:lnL w="12700" cap="flat" cmpd="sng" algn="ctr">
+                      <a:solidFill>
+                        <a:schemeClr val="tx1"/>
+                      </a:solidFill>
+                      <a:prstDash val="solid"/>
+                      <a:round/>
+                      <a:headEnd type="none" w="med" len="med"/>
+                      <a:tailEnd type="none" w="med" len="med"/>
+                    </a:lnL>
+                    <a:lnR w="12700" cap="flat" cmpd="sng" algn="ctr">
+                      <a:solidFill>
+                        <a:schemeClr val="tx1"/>
+                      </a:solidFill>
+                      <a:prstDash val="solid"/>
+                      <a:round/>
+                      <a:headEnd type="none" w="med" len="med"/>
+                      <a:tailEnd type="none" w="med" len="med"/>
+                    </a:lnR>
+                    <a:lnT w="12700" cap="flat" cmpd="sng" algn="ctr">
+                      <a:solidFill>
+                        <a:schemeClr val="tx1"/>
+                      </a:solidFill>
+                      <a:prstDash val="solid"/>
+                      <a:round/>
+                      <a:headEnd type="none" w="med" len="med"/>
+                      <a:tailEnd type="none" w="med" len="med"/>
+                    </a:lnT>
+                    <a:lnB w="12700" cap="flat" cmpd="sng" algn="ctr">
+                      <a:solidFill>
+                        <a:schemeClr val="tx1"/>
+                      </a:solidFill>
+                      <a:prstDash val="solid"/>
+                      <a:round/>
+                      <a:headEnd type="none" w="med" len="med"/>
+                      <a:tailEnd type="none" w="med" len="med"/>
+                    </a:lnB>
+                    <a:noFill/>
+                  </a:tcPr>
+                </a:tc>
+                <a:extLst>
+                  <a:ext uri="{0D108BD9-81ED-4DB2-BD59-A6C34878D82A}">
+                    <a16:rowId xmlns:a16="http://schemas.microsoft.com/office/drawing/2014/main" val="2312887510"/>
+                  </a:ext>
+                </a:extLst>
+              </a:tr>
+              <a:tr h="573494">
+                <a:tc>
+                  <a:txBody>
+                    <a:bodyPr/>
+                    <a:lstStyle/>
+                    <a:p>
+                      <a:r>
+                        <a:rPr lang="en-GB" b="1"/>
+                        <a:t>Total Data Used</a:t>
+                      </a:r>
+                      <a:endParaRPr lang="en-GB"/>
+                    </a:p>
+                  </a:txBody>
+                  <a:tcPr anchor="ctr">
+                    <a:lnL w="12700" cap="flat" cmpd="sng" algn="ctr">
+                      <a:solidFill>
+                        <a:schemeClr val="tx1"/>
+                      </a:solidFill>
+                      <a:prstDash val="solid"/>
+                      <a:round/>
+                      <a:headEnd type="none" w="med" len="med"/>
+                      <a:tailEnd type="none" w="med" len="med"/>
+                    </a:lnL>
+                    <a:lnR w="12700" cap="flat" cmpd="sng" algn="ctr">
+                      <a:solidFill>
+                        <a:schemeClr val="tx1"/>
+                      </a:solidFill>
+                      <a:prstDash val="solid"/>
+                      <a:round/>
+                      <a:headEnd type="none" w="med" len="med"/>
+                      <a:tailEnd type="none" w="med" len="med"/>
+                    </a:lnR>
+                    <a:lnT w="12700" cap="flat" cmpd="sng" algn="ctr">
+                      <a:solidFill>
+                        <a:schemeClr val="tx1"/>
+                      </a:solidFill>
+                      <a:prstDash val="solid"/>
+                      <a:round/>
+                      <a:headEnd type="none" w="med" len="med"/>
+                      <a:tailEnd type="none" w="med" len="med"/>
+                    </a:lnT>
+                    <a:lnB w="12700" cap="flat" cmpd="sng" algn="ctr">
+                      <a:solidFill>
+                        <a:schemeClr val="tx1"/>
+                      </a:solidFill>
+                      <a:prstDash val="solid"/>
+                      <a:round/>
+                      <a:headEnd type="none" w="med" len="med"/>
+                      <a:tailEnd type="none" w="med" len="med"/>
+                    </a:lnB>
+                    <a:noFill/>
+                  </a:tcPr>
+                </a:tc>
+                <a:tc>
+                  <a:txBody>
+                    <a:bodyPr/>
+                    <a:lstStyle/>
+                    <a:p>
+                      <a:r>
+                        <a:rPr lang="en-GB"/>
+                        <a:t>12,000,000</a:t>
+                      </a:r>
+                    </a:p>
+                  </a:txBody>
+                  <a:tcPr anchor="ctr">
+                    <a:lnL w="12700" cap="flat" cmpd="sng" algn="ctr">
+                      <a:solidFill>
+                        <a:schemeClr val="tx1"/>
+                      </a:solidFill>
+                      <a:prstDash val="solid"/>
+                      <a:round/>
+                      <a:headEnd type="none" w="med" len="med"/>
+                      <a:tailEnd type="none" w="med" len="med"/>
+                    </a:lnL>
+                    <a:lnR w="12700" cap="flat" cmpd="sng" algn="ctr">
+                      <a:solidFill>
+                        <a:schemeClr val="tx1"/>
+                      </a:solidFill>
+                      <a:prstDash val="solid"/>
+                      <a:round/>
+                      <a:headEnd type="none" w="med" len="med"/>
+                      <a:tailEnd type="none" w="med" len="med"/>
+                    </a:lnR>
+                    <a:lnT w="12700" cap="flat" cmpd="sng" algn="ctr">
+                      <a:solidFill>
+                        <a:schemeClr val="tx1"/>
+                      </a:solidFill>
+                      <a:prstDash val="solid"/>
+                      <a:round/>
+                      <a:headEnd type="none" w="med" len="med"/>
+                      <a:tailEnd type="none" w="med" len="med"/>
+                    </a:lnT>
+                    <a:lnB w="12700" cap="flat" cmpd="sng" algn="ctr">
+                      <a:solidFill>
+                        <a:schemeClr val="tx1"/>
+                      </a:solidFill>
+                      <a:prstDash val="solid"/>
+                      <a:round/>
+                      <a:headEnd type="none" w="med" len="med"/>
+                      <a:tailEnd type="none" w="med" len="med"/>
+                    </a:lnB>
+                    <a:noFill/>
+                  </a:tcPr>
+                </a:tc>
+                <a:tc>
+                  <a:txBody>
+                    <a:bodyPr/>
+                    <a:lstStyle/>
+                    <a:p>
+                      <a:r>
+                        <a:rPr lang="en-GB"/>
+                        <a:t>10,000,000</a:t>
+                      </a:r>
+                    </a:p>
+                  </a:txBody>
+                  <a:tcPr anchor="ctr">
+                    <a:lnL w="12700" cap="flat" cmpd="sng" algn="ctr">
+                      <a:solidFill>
+                        <a:schemeClr val="tx1"/>
+                      </a:solidFill>
+                      <a:prstDash val="solid"/>
+                      <a:round/>
+                      <a:headEnd type="none" w="med" len="med"/>
+                      <a:tailEnd type="none" w="med" len="med"/>
+                    </a:lnL>
+                    <a:lnR w="12700" cap="flat" cmpd="sng" algn="ctr">
+                      <a:solidFill>
+                        <a:schemeClr val="tx1"/>
+                      </a:solidFill>
+                      <a:prstDash val="solid"/>
+                      <a:round/>
+                      <a:headEnd type="none" w="med" len="med"/>
+                      <a:tailEnd type="none" w="med" len="med"/>
+                    </a:lnR>
+                    <a:lnT w="12700" cap="flat" cmpd="sng" algn="ctr">
+                      <a:solidFill>
+                        <a:schemeClr val="tx1"/>
+                      </a:solidFill>
+                      <a:prstDash val="solid"/>
+                      <a:round/>
+                      <a:headEnd type="none" w="med" len="med"/>
+                      <a:tailEnd type="none" w="med" len="med"/>
+                    </a:lnT>
+                    <a:lnB w="12700" cap="flat" cmpd="sng" algn="ctr">
+                      <a:solidFill>
+                        <a:schemeClr val="tx1"/>
+                      </a:solidFill>
+                      <a:prstDash val="solid"/>
+                      <a:round/>
+                      <a:headEnd type="none" w="med" len="med"/>
+                      <a:tailEnd type="none" w="med" len="med"/>
+                    </a:lnB>
+                    <a:noFill/>
+                  </a:tcPr>
+                </a:tc>
+                <a:tc>
+                  <a:txBody>
+                    <a:bodyPr/>
+                    <a:lstStyle/>
+                    <a:p>
+                      <a:r>
+                        <a:rPr lang="en-GB"/>
+                        <a:t>2,400,000</a:t>
+                      </a:r>
+                    </a:p>
+                  </a:txBody>
+                  <a:tcPr anchor="ctr">
+                    <a:lnL w="12700" cap="flat" cmpd="sng" algn="ctr">
+                      <a:solidFill>
+                        <a:schemeClr val="tx1"/>
+                      </a:solidFill>
+                      <a:prstDash val="solid"/>
+                      <a:round/>
+                      <a:headEnd type="none" w="med" len="med"/>
+                      <a:tailEnd type="none" w="med" len="med"/>
+                    </a:lnL>
+                    <a:lnR w="12700" cap="flat" cmpd="sng" algn="ctr">
+                      <a:solidFill>
+                        <a:schemeClr val="tx1"/>
+                      </a:solidFill>
+                      <a:prstDash val="solid"/>
+                      <a:round/>
+                      <a:headEnd type="none" w="med" len="med"/>
+                      <a:tailEnd type="none" w="med" len="med"/>
+                    </a:lnR>
+                    <a:lnT w="12700" cap="flat" cmpd="sng" algn="ctr">
+                      <a:solidFill>
+                        <a:schemeClr val="tx1"/>
+                      </a:solidFill>
+                      <a:prstDash val="solid"/>
+                      <a:round/>
+                      <a:headEnd type="none" w="med" len="med"/>
+                      <a:tailEnd type="none" w="med" len="med"/>
+                    </a:lnT>
+                    <a:lnB w="12700" cap="flat" cmpd="sng" algn="ctr">
+                      <a:solidFill>
+                        <a:schemeClr val="tx1"/>
+                      </a:solidFill>
+                      <a:prstDash val="solid"/>
+                      <a:round/>
+                      <a:headEnd type="none" w="med" len="med"/>
+                      <a:tailEnd type="none" w="med" len="med"/>
+                    </a:lnB>
+                    <a:noFill/>
+                  </a:tcPr>
+                </a:tc>
+                <a:extLst>
+                  <a:ext uri="{0D108BD9-81ED-4DB2-BD59-A6C34878D82A}">
+                    <a16:rowId xmlns:a16="http://schemas.microsoft.com/office/drawing/2014/main" val="2596669520"/>
+                  </a:ext>
+                </a:extLst>
+              </a:tr>
+              <a:tr h="573494">
+                <a:tc>
+                  <a:txBody>
+                    <a:bodyPr/>
+                    <a:lstStyle/>
+                    <a:p>
+                      <a:r>
+                        <a:rPr lang="en-GB" b="1"/>
+                        <a:t>Steps to Reach 200</a:t>
+                      </a:r>
+                      <a:endParaRPr lang="en-GB"/>
+                    </a:p>
+                  </a:txBody>
+                  <a:tcPr anchor="ctr">
+                    <a:lnL w="12700" cap="flat" cmpd="sng" algn="ctr">
+                      <a:solidFill>
+                        <a:schemeClr val="tx1"/>
+                      </a:solidFill>
+                      <a:prstDash val="solid"/>
+                      <a:round/>
+                      <a:headEnd type="none" w="med" len="med"/>
+                      <a:tailEnd type="none" w="med" len="med"/>
+                    </a:lnL>
+                    <a:lnR w="12700" cap="flat" cmpd="sng" algn="ctr">
+                      <a:solidFill>
+                        <a:schemeClr val="tx1"/>
+                      </a:solidFill>
+                      <a:prstDash val="solid"/>
+                      <a:round/>
+                      <a:headEnd type="none" w="med" len="med"/>
+                      <a:tailEnd type="none" w="med" len="med"/>
+                    </a:lnR>
+                    <a:lnT w="12700" cap="flat" cmpd="sng" algn="ctr">
+                      <a:solidFill>
+                        <a:schemeClr val="tx1"/>
+                      </a:solidFill>
+                      <a:prstDash val="solid"/>
+                      <a:round/>
+                      <a:headEnd type="none" w="med" len="med"/>
+                      <a:tailEnd type="none" w="med" len="med"/>
+                    </a:lnT>
+                    <a:lnB w="12700" cap="flat" cmpd="sng" algn="ctr">
+                      <a:solidFill>
+                        <a:schemeClr val="tx1"/>
+                      </a:solidFill>
+                      <a:prstDash val="solid"/>
+                      <a:round/>
+                      <a:headEnd type="none" w="med" len="med"/>
+                      <a:tailEnd type="none" w="med" len="med"/>
+                    </a:lnB>
+                    <a:noFill/>
+                  </a:tcPr>
+                </a:tc>
+                <a:tc>
+                  <a:txBody>
+                    <a:bodyPr/>
+                    <a:lstStyle/>
+                    <a:p>
+                      <a:r>
+                        <a:rPr lang="en-GB"/>
+                        <a:t>305,000</a:t>
+                      </a:r>
+                    </a:p>
+                  </a:txBody>
+                  <a:tcPr anchor="ctr">
+                    <a:lnL w="12700" cap="flat" cmpd="sng" algn="ctr">
+                      <a:solidFill>
+                        <a:schemeClr val="tx1"/>
+                      </a:solidFill>
+                      <a:prstDash val="solid"/>
+                      <a:round/>
+                      <a:headEnd type="none" w="med" len="med"/>
+                      <a:tailEnd type="none" w="med" len="med"/>
+                    </a:lnL>
+                    <a:lnR w="12700" cap="flat" cmpd="sng" algn="ctr">
+                      <a:solidFill>
+                        <a:schemeClr val="tx1"/>
+                      </a:solidFill>
+                      <a:prstDash val="solid"/>
+                      <a:round/>
+                      <a:headEnd type="none" w="med" len="med"/>
+                      <a:tailEnd type="none" w="med" len="med"/>
+                    </a:lnR>
+                    <a:lnT w="12700" cap="flat" cmpd="sng" algn="ctr">
+                      <a:solidFill>
+                        <a:schemeClr val="tx1"/>
+                      </a:solidFill>
+                      <a:prstDash val="solid"/>
+                      <a:round/>
+                      <a:headEnd type="none" w="med" len="med"/>
+                      <a:tailEnd type="none" w="med" len="med"/>
+                    </a:lnT>
+                    <a:lnB w="12700" cap="flat" cmpd="sng" algn="ctr">
+                      <a:solidFill>
+                        <a:schemeClr val="tx1"/>
+                      </a:solidFill>
+                      <a:prstDash val="solid"/>
+                      <a:round/>
+                      <a:headEnd type="none" w="med" len="med"/>
+                      <a:tailEnd type="none" w="med" len="med"/>
+                    </a:lnB>
+                    <a:noFill/>
+                  </a:tcPr>
+                </a:tc>
+                <a:tc>
+                  <a:txBody>
+                    <a:bodyPr/>
+                    <a:lstStyle/>
+                    <a:p>
+                      <a:r>
+                        <a:rPr lang="en-GB"/>
+                        <a:t>—</a:t>
+                      </a:r>
+                    </a:p>
+                  </a:txBody>
+                  <a:tcPr anchor="ctr">
+                    <a:lnL w="12700" cap="flat" cmpd="sng" algn="ctr">
+                      <a:solidFill>
+                        <a:schemeClr val="tx1"/>
+                      </a:solidFill>
+                      <a:prstDash val="solid"/>
+                      <a:round/>
+                      <a:headEnd type="none" w="med" len="med"/>
+                      <a:tailEnd type="none" w="med" len="med"/>
+                    </a:lnL>
+                    <a:lnR w="12700" cap="flat" cmpd="sng" algn="ctr">
+                      <a:solidFill>
+                        <a:schemeClr val="tx1"/>
+                      </a:solidFill>
+                      <a:prstDash val="solid"/>
+                      <a:round/>
+                      <a:headEnd type="none" w="med" len="med"/>
+                      <a:tailEnd type="none" w="med" len="med"/>
+                    </a:lnR>
+                    <a:lnT w="12700" cap="flat" cmpd="sng" algn="ctr">
+                      <a:solidFill>
+                        <a:schemeClr val="tx1"/>
+                      </a:solidFill>
+                      <a:prstDash val="solid"/>
+                      <a:round/>
+                      <a:headEnd type="none" w="med" len="med"/>
+                      <a:tailEnd type="none" w="med" len="med"/>
+                    </a:lnT>
+                    <a:lnB w="12700" cap="flat" cmpd="sng" algn="ctr">
+                      <a:solidFill>
+                        <a:schemeClr val="tx1"/>
+                      </a:solidFill>
+                      <a:prstDash val="solid"/>
+                      <a:round/>
+                      <a:headEnd type="none" w="med" len="med"/>
+                      <a:tailEnd type="none" w="med" len="med"/>
+                    </a:lnB>
+                    <a:noFill/>
+                  </a:tcPr>
+                </a:tc>
+                <a:tc>
+                  <a:txBody>
+                    <a:bodyPr/>
+                    <a:lstStyle/>
+                    <a:p>
+                      <a:r>
+                        <a:rPr lang="en-GB" dirty="0"/>
+                        <a:t>118,000</a:t>
+                      </a:r>
+                    </a:p>
+                  </a:txBody>
+                  <a:tcPr anchor="ctr">
+                    <a:lnL w="12700" cap="flat" cmpd="sng" algn="ctr">
+                      <a:solidFill>
+                        <a:schemeClr val="tx1"/>
+                      </a:solidFill>
+                      <a:prstDash val="solid"/>
+                      <a:round/>
+                      <a:headEnd type="none" w="med" len="med"/>
+                      <a:tailEnd type="none" w="med" len="med"/>
+                    </a:lnL>
+                    <a:lnR w="12700" cap="flat" cmpd="sng" algn="ctr">
+                      <a:solidFill>
+                        <a:schemeClr val="tx1"/>
+                      </a:solidFill>
+                      <a:prstDash val="solid"/>
+                      <a:round/>
+                      <a:headEnd type="none" w="med" len="med"/>
+                      <a:tailEnd type="none" w="med" len="med"/>
+                    </a:lnR>
+                    <a:lnT w="12700" cap="flat" cmpd="sng" algn="ctr">
+                      <a:solidFill>
+                        <a:schemeClr val="tx1"/>
+                      </a:solidFill>
+                      <a:prstDash val="solid"/>
+                      <a:round/>
+                      <a:headEnd type="none" w="med" len="med"/>
+                      <a:tailEnd type="none" w="med" len="med"/>
+                    </a:lnT>
+                    <a:lnB w="12700" cap="flat" cmpd="sng" algn="ctr">
+                      <a:solidFill>
+                        <a:schemeClr val="tx1"/>
+                      </a:solidFill>
+                      <a:prstDash val="solid"/>
+                      <a:round/>
+                      <a:headEnd type="none" w="med" len="med"/>
+                      <a:tailEnd type="none" w="med" len="med"/>
+                    </a:lnB>
+                    <a:noFill/>
+                  </a:tcPr>
+                </a:tc>
+                <a:extLst>
+                  <a:ext uri="{0D108BD9-81ED-4DB2-BD59-A6C34878D82A}">
+                    <a16:rowId xmlns:a16="http://schemas.microsoft.com/office/drawing/2014/main" val="2022296736"/>
+                  </a:ext>
+                </a:extLst>
+              </a:tr>
+              <a:tr h="573494">
+                <a:tc>
+                  <a:txBody>
+                    <a:bodyPr/>
+                    <a:lstStyle/>
+                    <a:p>
+                      <a:r>
+                        <a:rPr lang="en-GB" b="1"/>
+                        <a:t>Data to Reach 200</a:t>
+                      </a:r>
+                      <a:endParaRPr lang="en-GB"/>
+                    </a:p>
+                  </a:txBody>
+                  <a:tcPr anchor="ctr">
+                    <a:lnL w="12700" cap="flat" cmpd="sng" algn="ctr">
+                      <a:solidFill>
+                        <a:schemeClr val="tx1"/>
+                      </a:solidFill>
+                      <a:prstDash val="solid"/>
+                      <a:round/>
+                      <a:headEnd type="none" w="med" len="med"/>
+                      <a:tailEnd type="none" w="med" len="med"/>
+                    </a:lnL>
+                    <a:lnR w="12700" cap="flat" cmpd="sng" algn="ctr">
+                      <a:solidFill>
+                        <a:schemeClr val="tx1"/>
+                      </a:solidFill>
+                      <a:prstDash val="solid"/>
+                      <a:round/>
+                      <a:headEnd type="none" w="med" len="med"/>
+                      <a:tailEnd type="none" w="med" len="med"/>
+                    </a:lnR>
+                    <a:lnT w="12700" cap="flat" cmpd="sng" algn="ctr">
+                      <a:solidFill>
+                        <a:schemeClr val="tx1"/>
+                      </a:solidFill>
+                      <a:prstDash val="solid"/>
+                      <a:round/>
+                      <a:headEnd type="none" w="med" len="med"/>
+                      <a:tailEnd type="none" w="med" len="med"/>
+                    </a:lnT>
+                    <a:lnB w="12700" cap="flat" cmpd="sng" algn="ctr">
+                      <a:solidFill>
+                        <a:schemeClr val="tx1"/>
+                      </a:solidFill>
+                      <a:prstDash val="solid"/>
+                      <a:round/>
+                      <a:headEnd type="none" w="med" len="med"/>
+                      <a:tailEnd type="none" w="med" len="med"/>
+                    </a:lnB>
+                    <a:noFill/>
+                  </a:tcPr>
+                </a:tc>
+                <a:tc>
+                  <a:txBody>
+                    <a:bodyPr/>
+                    <a:lstStyle/>
+                    <a:p>
+                      <a:r>
+                        <a:rPr lang="en-GB"/>
+                        <a:t>2,440,000</a:t>
+                      </a:r>
+                    </a:p>
+                  </a:txBody>
+                  <a:tcPr anchor="ctr">
+                    <a:lnL w="12700" cap="flat" cmpd="sng" algn="ctr">
+                      <a:solidFill>
+                        <a:schemeClr val="tx1"/>
+                      </a:solidFill>
+                      <a:prstDash val="solid"/>
+                      <a:round/>
+                      <a:headEnd type="none" w="med" len="med"/>
+                      <a:tailEnd type="none" w="med" len="med"/>
+                    </a:lnL>
+                    <a:lnR w="12700" cap="flat" cmpd="sng" algn="ctr">
+                      <a:solidFill>
+                        <a:schemeClr val="tx1"/>
+                      </a:solidFill>
+                      <a:prstDash val="solid"/>
+                      <a:round/>
+                      <a:headEnd type="none" w="med" len="med"/>
+                      <a:tailEnd type="none" w="med" len="med"/>
+                    </a:lnR>
+                    <a:lnT w="12700" cap="flat" cmpd="sng" algn="ctr">
+                      <a:solidFill>
+                        <a:schemeClr val="tx1"/>
+                      </a:solidFill>
+                      <a:prstDash val="solid"/>
+                      <a:round/>
+                      <a:headEnd type="none" w="med" len="med"/>
+                      <a:tailEnd type="none" w="med" len="med"/>
+                    </a:lnT>
+                    <a:lnB w="12700" cap="flat" cmpd="sng" algn="ctr">
+                      <a:solidFill>
+                        <a:schemeClr val="tx1"/>
+                      </a:solidFill>
+                      <a:prstDash val="solid"/>
+                      <a:round/>
+                      <a:headEnd type="none" w="med" len="med"/>
+                      <a:tailEnd type="none" w="med" len="med"/>
+                    </a:lnB>
+                    <a:noFill/>
+                  </a:tcPr>
+                </a:tc>
+                <a:tc>
+                  <a:txBody>
+                    <a:bodyPr/>
+                    <a:lstStyle/>
+                    <a:p>
+                      <a:r>
+                        <a:rPr lang="en-GB"/>
+                        <a:t>—</a:t>
+                      </a:r>
+                    </a:p>
+                  </a:txBody>
+                  <a:tcPr anchor="ctr">
+                    <a:lnL w="12700" cap="flat" cmpd="sng" algn="ctr">
+                      <a:solidFill>
+                        <a:schemeClr val="tx1"/>
+                      </a:solidFill>
+                      <a:prstDash val="solid"/>
+                      <a:round/>
+                      <a:headEnd type="none" w="med" len="med"/>
+                      <a:tailEnd type="none" w="med" len="med"/>
+                    </a:lnL>
+                    <a:lnR w="12700" cap="flat" cmpd="sng" algn="ctr">
+                      <a:solidFill>
+                        <a:schemeClr val="tx1"/>
+                      </a:solidFill>
+                      <a:prstDash val="solid"/>
+                      <a:round/>
+                      <a:headEnd type="none" w="med" len="med"/>
+                      <a:tailEnd type="none" w="med" len="med"/>
+                    </a:lnR>
+                    <a:lnT w="12700" cap="flat" cmpd="sng" algn="ctr">
+                      <a:solidFill>
+                        <a:schemeClr val="tx1"/>
+                      </a:solidFill>
+                      <a:prstDash val="solid"/>
+                      <a:round/>
+                      <a:headEnd type="none" w="med" len="med"/>
+                      <a:tailEnd type="none" w="med" len="med"/>
+                    </a:lnT>
+                    <a:lnB w="12700" cap="flat" cmpd="sng" algn="ctr">
+                      <a:solidFill>
+                        <a:schemeClr val="tx1"/>
+                      </a:solidFill>
+                      <a:prstDash val="solid"/>
+                      <a:round/>
+                      <a:headEnd type="none" w="med" len="med"/>
+                      <a:tailEnd type="none" w="med" len="med"/>
+                    </a:lnB>
+                    <a:noFill/>
+                  </a:tcPr>
+                </a:tc>
+                <a:tc>
+                  <a:txBody>
+                    <a:bodyPr/>
+                    <a:lstStyle/>
+                    <a:p>
+                      <a:r>
+                        <a:rPr lang="en-GB" dirty="0"/>
+                        <a:t>944,000</a:t>
+                      </a:r>
+                    </a:p>
+                  </a:txBody>
+                  <a:tcPr anchor="ctr">
+                    <a:lnL w="12700" cap="flat" cmpd="sng" algn="ctr">
+                      <a:solidFill>
+                        <a:schemeClr val="tx1"/>
+                      </a:solidFill>
+                      <a:prstDash val="solid"/>
+                      <a:round/>
+                      <a:headEnd type="none" w="med" len="med"/>
+                      <a:tailEnd type="none" w="med" len="med"/>
+                    </a:lnL>
+                    <a:lnR w="12700" cap="flat" cmpd="sng" algn="ctr">
+                      <a:solidFill>
+                        <a:schemeClr val="tx1"/>
+                      </a:solidFill>
+                      <a:prstDash val="solid"/>
+                      <a:round/>
+                      <a:headEnd type="none" w="med" len="med"/>
+                      <a:tailEnd type="none" w="med" len="med"/>
+                    </a:lnR>
+                    <a:lnT w="12700" cap="flat" cmpd="sng" algn="ctr">
+                      <a:solidFill>
+                        <a:schemeClr val="tx1"/>
+                      </a:solidFill>
+                      <a:prstDash val="solid"/>
+                      <a:round/>
+                      <a:headEnd type="none" w="med" len="med"/>
+                      <a:tailEnd type="none" w="med" len="med"/>
+                    </a:lnT>
+                    <a:lnB w="12700" cap="flat" cmpd="sng" algn="ctr">
+                      <a:solidFill>
+                        <a:schemeClr val="tx1"/>
+                      </a:solidFill>
+                      <a:prstDash val="solid"/>
+                      <a:round/>
+                      <a:headEnd type="none" w="med" len="med"/>
+                      <a:tailEnd type="none" w="med" len="med"/>
+                    </a:lnB>
+                    <a:noFill/>
+                  </a:tcPr>
+                </a:tc>
+                <a:extLst>
+                  <a:ext uri="{0D108BD9-81ED-4DB2-BD59-A6C34878D82A}">
+                    <a16:rowId xmlns:a16="http://schemas.microsoft.com/office/drawing/2014/main" val="2726380033"/>
+                  </a:ext>
+                </a:extLst>
+              </a:tr>
+            </a:tbl>
+          </a:graphicData>
+        </a:graphic>
+      </p:graphicFrame>
       <p:sp>
         <p:nvSpPr>
-          <p:cNvPr id="4" name="Rectangle 3">
-            <a:extLst>
-              <a:ext uri="{FF2B5EF4-FFF2-40B4-BE49-F238E27FC236}">
-                <a16:creationId xmlns:a16="http://schemas.microsoft.com/office/drawing/2014/main" id="{4C51CE04-9238-EBCC-965A-C112DB72466A}"/>
+          <p:cNvPr id="5" name="Rectangle 4">
+            <a:extLst>
+              <a:ext uri="{FF2B5EF4-FFF2-40B4-BE49-F238E27FC236}">
+                <a16:creationId xmlns:a16="http://schemas.microsoft.com/office/drawing/2014/main" id="{647DC565-38C0-E9E4-320E-33AEC7332E60}"/>
               </a:ext>
             </a:extLst>
           </p:cNvPr>
@@ -9280,8 +13662,8 @@
         </p:nvSpPr>
         <p:spPr>
           <a:xfrm>
-            <a:off x="462844" y="5260622"/>
-            <a:ext cx="10509956" cy="1388534"/>
+            <a:off x="8431481" y="1817224"/>
+            <a:ext cx="3300753" cy="4678580"/>
           </a:xfrm>
           <a:prstGeom prst="rect">
             <a:avLst/>
@@ -9360,7 +13742,7 @@
     </p:spTree>
     <p:extLst>
       <p:ext uri="{BB962C8B-B14F-4D97-AF65-F5344CB8AC3E}">
-        <p14:creationId xmlns:p14="http://schemas.microsoft.com/office/powerpoint/2010/main" val="2348090893"/>
+        <p14:creationId xmlns:p14="http://schemas.microsoft.com/office/powerpoint/2010/main" val="400747026"/>
       </p:ext>
     </p:extLst>
   </p:cSld>
@@ -9370,7 +13752,545 @@
 </p:sld>
 </file>
 
-<file path=ppt/slides/slide27.xml><?xml version="1.0" encoding="utf-8"?>
+<file path=ppt/slides/slide29.xml><?xml version="1.0" encoding="utf-8"?>
+<p:sld xmlns:a="http://schemas.openxmlformats.org/drawingml/2006/main" xmlns:r="http://schemas.openxmlformats.org/officeDocument/2006/relationships" xmlns:p="http://schemas.openxmlformats.org/presentationml/2006/main">
+  <p:cSld>
+    <p:spTree>
+      <p:nvGrpSpPr>
+        <p:cNvPr id="1" name=""/>
+        <p:cNvGrpSpPr/>
+        <p:nvPr/>
+      </p:nvGrpSpPr>
+      <p:grpSpPr>
+        <a:xfrm>
+          <a:off x="0" y="0"/>
+          <a:ext cx="0" cy="0"/>
+          <a:chOff x="0" y="0"/>
+          <a:chExt cx="0" cy="0"/>
+        </a:xfrm>
+      </p:grpSpPr>
+      <p:sp>
+        <p:nvSpPr>
+          <p:cNvPr id="2" name="Title 1">
+            <a:extLst>
+              <a:ext uri="{FF2B5EF4-FFF2-40B4-BE49-F238E27FC236}">
+                <a16:creationId xmlns:a16="http://schemas.microsoft.com/office/drawing/2014/main" id="{F0D86E25-7D35-A508-7EFF-0106594078F9}"/>
+              </a:ext>
+            </a:extLst>
+          </p:cNvPr>
+          <p:cNvSpPr>
+            <a:spLocks noGrp="1"/>
+          </p:cNvSpPr>
+          <p:nvPr>
+            <p:ph type="title"/>
+          </p:nvPr>
+        </p:nvSpPr>
+        <p:spPr>
+          <a:xfrm>
+            <a:off x="640079" y="1371601"/>
+            <a:ext cx="10890929" cy="754082"/>
+          </a:xfrm>
+        </p:spPr>
+        <p:txBody>
+          <a:bodyPr/>
+          <a:lstStyle/>
+          <a:p>
+            <a:r>
+              <a:rPr lang="en-US" dirty="0"/>
+              <a:t>Expected Results? – Benchmark Comparison</a:t>
+            </a:r>
+          </a:p>
+        </p:txBody>
+      </p:sp>
+      <p:pic>
+        <p:nvPicPr>
+          <p:cNvPr id="4" name="Picture 3">
+            <a:extLst>
+              <a:ext uri="{FF2B5EF4-FFF2-40B4-BE49-F238E27FC236}">
+                <a16:creationId xmlns:a16="http://schemas.microsoft.com/office/drawing/2014/main" id="{948490D1-1931-86BA-4554-3A9CB94883CB}"/>
+              </a:ext>
+            </a:extLst>
+          </p:cNvPr>
+          <p:cNvPicPr>
+            <a:picLocks noChangeAspect="1"/>
+          </p:cNvPicPr>
+          <p:nvPr/>
+        </p:nvPicPr>
+        <p:blipFill>
+          <a:blip r:embed="rId2"/>
+          <a:stretch>
+            <a:fillRect/>
+          </a:stretch>
+        </p:blipFill>
+        <p:spPr>
+          <a:xfrm>
+            <a:off x="951015" y="2468881"/>
+            <a:ext cx="5775429" cy="3290651"/>
+          </a:xfrm>
+          <a:prstGeom prst="rect">
+            <a:avLst/>
+          </a:prstGeom>
+        </p:spPr>
+      </p:pic>
+      <p:sp>
+        <p:nvSpPr>
+          <p:cNvPr id="7" name="TextBox 6">
+            <a:extLst>
+              <a:ext uri="{FF2B5EF4-FFF2-40B4-BE49-F238E27FC236}">
+                <a16:creationId xmlns:a16="http://schemas.microsoft.com/office/drawing/2014/main" id="{3A3E3F3C-F44F-58F2-AD5C-21F2A07841C7}"/>
+              </a:ext>
+            </a:extLst>
+          </p:cNvPr>
+          <p:cNvSpPr txBox="1"/>
+          <p:nvPr/>
+        </p:nvSpPr>
+        <p:spPr>
+          <a:xfrm>
+            <a:off x="6801660" y="2710542"/>
+            <a:ext cx="4729348" cy="2308324"/>
+          </a:xfrm>
+          <a:prstGeom prst="rect">
+            <a:avLst/>
+          </a:prstGeom>
+          <a:noFill/>
+        </p:spPr>
+        <p:txBody>
+          <a:bodyPr wrap="square">
+            <a:spAutoFit/>
+          </a:bodyPr>
+          <a:lstStyle/>
+          <a:p>
+            <a:r>
+              <a:rPr lang="en-GB" dirty="0"/>
+              <a:t>This figure from the paper shows CQL reaching good performance in under 300k steps on Hopper. Our own CQL on </a:t>
+            </a:r>
+            <a:r>
+              <a:rPr lang="en-GB" dirty="0" err="1"/>
+              <a:t>LunarLander</a:t>
+            </a:r>
+            <a:r>
+              <a:rPr lang="en-GB" dirty="0"/>
+              <a:t> follows a similar trend  solving the task in ~250k steps with much better sample efficiency than baseline offline SAC. That suggests our implementation behaves as expected</a:t>
+            </a:r>
+            <a:endParaRPr lang="en-US" dirty="0"/>
+          </a:p>
+        </p:txBody>
+      </p:sp>
+      <p:sp>
+        <p:nvSpPr>
+          <p:cNvPr id="9" name="TextBox 8">
+            <a:extLst>
+              <a:ext uri="{FF2B5EF4-FFF2-40B4-BE49-F238E27FC236}">
+                <a16:creationId xmlns:a16="http://schemas.microsoft.com/office/drawing/2014/main" id="{A2CE41E4-D1AE-5922-0F6E-4BD6433DEB82}"/>
+              </a:ext>
+            </a:extLst>
+          </p:cNvPr>
+          <p:cNvSpPr txBox="1"/>
+          <p:nvPr/>
+        </p:nvSpPr>
+        <p:spPr>
+          <a:xfrm>
+            <a:off x="6801660" y="5159367"/>
+            <a:ext cx="4994501" cy="1200329"/>
+          </a:xfrm>
+          <a:prstGeom prst="rect">
+            <a:avLst/>
+          </a:prstGeom>
+          <a:noFill/>
+        </p:spPr>
+        <p:txBody>
+          <a:bodyPr wrap="square">
+            <a:spAutoFit/>
+          </a:bodyPr>
+          <a:lstStyle/>
+          <a:p>
+            <a:r>
+              <a:rPr lang="en-GB" dirty="0"/>
+              <a:t>This result matches the paper’s claim:</a:t>
+            </a:r>
+          </a:p>
+          <a:p>
+            <a:r>
+              <a:rPr lang="en-GB" dirty="0"/>
+              <a:t>"</a:t>
+            </a:r>
+            <a:r>
+              <a:rPr lang="en-GB" i="1" dirty="0"/>
+              <a:t>CQL enables learning from offline datasets at a level comparable to online RL with greater stability and sample efficiency</a:t>
+            </a:r>
+            <a:endParaRPr lang="en-GB" dirty="0"/>
+          </a:p>
+        </p:txBody>
+      </p:sp>
+      <p:sp>
+        <p:nvSpPr>
+          <p:cNvPr id="11" name="TextBox 10">
+            <a:extLst>
+              <a:ext uri="{FF2B5EF4-FFF2-40B4-BE49-F238E27FC236}">
+                <a16:creationId xmlns:a16="http://schemas.microsoft.com/office/drawing/2014/main" id="{895372DF-85A1-E716-A8D0-7785EE14FA4C}"/>
+              </a:ext>
+            </a:extLst>
+          </p:cNvPr>
+          <p:cNvSpPr txBox="1"/>
+          <p:nvPr/>
+        </p:nvSpPr>
+        <p:spPr>
+          <a:xfrm>
+            <a:off x="1813958" y="5644116"/>
+            <a:ext cx="4063272" cy="230832"/>
+          </a:xfrm>
+          <a:prstGeom prst="rect">
+            <a:avLst/>
+          </a:prstGeom>
+          <a:noFill/>
+        </p:spPr>
+        <p:txBody>
+          <a:bodyPr wrap="square">
+            <a:spAutoFit/>
+          </a:bodyPr>
+          <a:lstStyle/>
+          <a:p>
+            <a:r>
+              <a:rPr lang="en-GB" sz="900" i="1" dirty="0">
+                <a:solidFill>
+                  <a:srgbClr val="000000"/>
+                </a:solidFill>
+                <a:latin typeface="Aptos" panose="020B0004020202020204" pitchFamily="34" charset="0"/>
+              </a:rPr>
+              <a:t>From the paper </a:t>
+            </a:r>
+            <a:r>
+              <a:rPr lang="en-GB" sz="900" b="0" i="1" dirty="0">
+                <a:solidFill>
+                  <a:srgbClr val="000000"/>
+                </a:solidFill>
+                <a:effectLst/>
+                <a:latin typeface="Aptos" panose="020B0004020202020204" pitchFamily="34" charset="0"/>
+              </a:rPr>
+              <a:t>Conservative Q-Learning for Offline Reinforcement Learning}</a:t>
+            </a:r>
+            <a:endParaRPr lang="en-US" sz="900" i="1" dirty="0"/>
+          </a:p>
+        </p:txBody>
+      </p:sp>
+    </p:spTree>
+    <p:extLst>
+      <p:ext uri="{BB962C8B-B14F-4D97-AF65-F5344CB8AC3E}">
+        <p14:creationId xmlns:p14="http://schemas.microsoft.com/office/powerpoint/2010/main" val="520705648"/>
+      </p:ext>
+    </p:extLst>
+  </p:cSld>
+  <p:clrMapOvr>
+    <a:masterClrMapping/>
+  </p:clrMapOvr>
+</p:sld>
+</file>
+
+<file path=ppt/slides/slide3.xml><?xml version="1.0" encoding="utf-8"?>
+<p:sld xmlns:a="http://schemas.openxmlformats.org/drawingml/2006/main" xmlns:r="http://schemas.openxmlformats.org/officeDocument/2006/relationships" xmlns:p="http://schemas.openxmlformats.org/presentationml/2006/main">
+  <p:cSld>
+    <p:spTree>
+      <p:nvGrpSpPr>
+        <p:cNvPr id="1" name=""/>
+        <p:cNvGrpSpPr/>
+        <p:nvPr/>
+      </p:nvGrpSpPr>
+      <p:grpSpPr>
+        <a:xfrm>
+          <a:off x="0" y="0"/>
+          <a:ext cx="0" cy="0"/>
+          <a:chOff x="0" y="0"/>
+          <a:chExt cx="0" cy="0"/>
+        </a:xfrm>
+      </p:grpSpPr>
+      <p:sp>
+        <p:nvSpPr>
+          <p:cNvPr id="2" name="Title 1">
+            <a:extLst>
+              <a:ext uri="{FF2B5EF4-FFF2-40B4-BE49-F238E27FC236}">
+                <a16:creationId xmlns:a16="http://schemas.microsoft.com/office/drawing/2014/main" id="{86085E1E-CE86-1F68-B485-FFA624AB3AE8}"/>
+              </a:ext>
+            </a:extLst>
+          </p:cNvPr>
+          <p:cNvSpPr>
+            <a:spLocks noGrp="1"/>
+          </p:cNvSpPr>
+          <p:nvPr>
+            <p:ph type="title"/>
+          </p:nvPr>
+        </p:nvSpPr>
+        <p:spPr>
+          <a:xfrm>
+            <a:off x="640078" y="1213556"/>
+            <a:ext cx="10890929" cy="923205"/>
+          </a:xfrm>
+        </p:spPr>
+        <p:txBody>
+          <a:bodyPr/>
+          <a:lstStyle/>
+          <a:p>
+            <a:r>
+              <a:rPr lang="en-GB" b="0" i="0" u="none" strike="noStrike" dirty="0">
+                <a:solidFill>
+                  <a:srgbClr val="000000"/>
+                </a:solidFill>
+                <a:effectLst/>
+                <a:latin typeface="-webkit-standard"/>
+              </a:rPr>
+              <a:t>SAC (Soft Actor-Critic)</a:t>
+            </a:r>
+            <a:endParaRPr lang="en-US" dirty="0"/>
+          </a:p>
+        </p:txBody>
+      </p:sp>
+      <p:sp>
+        <p:nvSpPr>
+          <p:cNvPr id="3" name="Content Placeholder 2">
+            <a:extLst>
+              <a:ext uri="{FF2B5EF4-FFF2-40B4-BE49-F238E27FC236}">
+                <a16:creationId xmlns:a16="http://schemas.microsoft.com/office/drawing/2014/main" id="{A14756F3-6964-CC08-BAFF-E151EFA83286}"/>
+              </a:ext>
+            </a:extLst>
+          </p:cNvPr>
+          <p:cNvSpPr>
+            <a:spLocks noGrp="1"/>
+          </p:cNvSpPr>
+          <p:nvPr>
+            <p:ph idx="1"/>
+          </p:nvPr>
+        </p:nvSpPr>
+        <p:spPr>
+          <a:xfrm>
+            <a:off x="640079" y="2136760"/>
+            <a:ext cx="10890928" cy="4015683"/>
+          </a:xfrm>
+        </p:spPr>
+        <p:txBody>
+          <a:bodyPr>
+            <a:noAutofit/>
+          </a:bodyPr>
+          <a:lstStyle/>
+          <a:p>
+            <a:pPr algn="l"/>
+            <a:r>
+              <a:rPr lang="en-GB" sz="1600" b="0" i="0" u="none" strike="noStrike" dirty="0">
+                <a:solidFill>
+                  <a:srgbClr val="000000"/>
+                </a:solidFill>
+                <a:effectLst/>
+              </a:rPr>
+              <a:t>SAC is a modern RL algorithm designed for </a:t>
+            </a:r>
+            <a:r>
+              <a:rPr lang="en-GB" sz="1600" b="1" i="0" u="none" strike="noStrike" dirty="0">
+                <a:solidFill>
+                  <a:srgbClr val="000000"/>
+                </a:solidFill>
+                <a:effectLst/>
+              </a:rPr>
+              <a:t>continuous action spaces</a:t>
+            </a:r>
+            <a:r>
+              <a:rPr lang="en-GB" sz="1600" b="0" i="0" u="none" strike="noStrike" dirty="0">
+                <a:solidFill>
+                  <a:srgbClr val="000000"/>
+                </a:solidFill>
+                <a:effectLst/>
+              </a:rPr>
+              <a:t>.</a:t>
+            </a:r>
+          </a:p>
+          <a:p>
+            <a:pPr algn="l">
+              <a:buFont typeface="Arial" panose="020B0604020202020204" pitchFamily="34" charset="0"/>
+              <a:buChar char="•"/>
+            </a:pPr>
+            <a:r>
+              <a:rPr lang="en-GB" sz="1600" b="0" i="0" u="none" strike="noStrike" dirty="0">
+                <a:solidFill>
+                  <a:srgbClr val="000000"/>
+                </a:solidFill>
+                <a:effectLst/>
+              </a:rPr>
+              <a:t>It uses both </a:t>
+            </a:r>
+            <a:r>
+              <a:rPr lang="en-GB" sz="1600" b="1" i="0" u="none" strike="noStrike" dirty="0">
+                <a:solidFill>
+                  <a:srgbClr val="000000"/>
+                </a:solidFill>
+                <a:effectLst/>
+              </a:rPr>
+              <a:t>actor–critic architecture</a:t>
+            </a:r>
+            <a:r>
+              <a:rPr lang="en-GB" sz="1600" b="0" i="0" u="none" strike="noStrike" dirty="0">
+                <a:solidFill>
+                  <a:srgbClr val="000000"/>
+                </a:solidFill>
+                <a:effectLst/>
+              </a:rPr>
+              <a:t> and </a:t>
+            </a:r>
+            <a:r>
+              <a:rPr lang="en-GB" sz="1600" b="1" i="0" u="none" strike="noStrike" dirty="0">
+                <a:solidFill>
+                  <a:srgbClr val="000000"/>
+                </a:solidFill>
+                <a:effectLst/>
+              </a:rPr>
+              <a:t>entropy regularization</a:t>
+            </a:r>
+            <a:endParaRPr lang="en-GB" sz="1600" b="0" i="0" u="none" strike="noStrike" dirty="0">
+              <a:solidFill>
+                <a:srgbClr val="000000"/>
+              </a:solidFill>
+              <a:effectLst/>
+            </a:endParaRPr>
+          </a:p>
+          <a:p>
+            <a:pPr algn="l">
+              <a:buFont typeface="Arial" panose="020B0604020202020204" pitchFamily="34" charset="0"/>
+              <a:buChar char="•"/>
+            </a:pPr>
+            <a:r>
+              <a:rPr lang="en-GB" sz="1600" b="0" i="0" u="none" strike="noStrike" dirty="0">
+                <a:solidFill>
+                  <a:srgbClr val="000000"/>
+                </a:solidFill>
+                <a:effectLst/>
+              </a:rPr>
+              <a:t>The actor learns a </a:t>
+            </a:r>
+            <a:r>
+              <a:rPr lang="en-GB" sz="1600" b="1" i="0" u="none" strike="noStrike" dirty="0">
+                <a:solidFill>
+                  <a:srgbClr val="000000"/>
+                </a:solidFill>
+                <a:effectLst/>
+              </a:rPr>
+              <a:t>stochastic policy</a:t>
+            </a:r>
+            <a:r>
+              <a:rPr lang="en-GB" sz="1600" b="0" i="0" u="none" strike="noStrike" dirty="0">
+                <a:solidFill>
+                  <a:srgbClr val="000000"/>
+                </a:solidFill>
+                <a:effectLst/>
+              </a:rPr>
+              <a:t> (samples actions from a Gaussian)</a:t>
+            </a:r>
+          </a:p>
+          <a:p>
+            <a:pPr algn="l">
+              <a:buFont typeface="Arial" panose="020B0604020202020204" pitchFamily="34" charset="0"/>
+              <a:buChar char="•"/>
+            </a:pPr>
+            <a:r>
+              <a:rPr lang="en-GB" sz="1600" b="0" i="0" u="none" strike="noStrike" dirty="0">
+                <a:solidFill>
+                  <a:srgbClr val="000000"/>
+                </a:solidFill>
+                <a:effectLst/>
+              </a:rPr>
+              <a:t>Two critics estimate how good actions are (Q-values)</a:t>
+            </a:r>
+          </a:p>
+          <a:p>
+            <a:pPr algn="l">
+              <a:buFont typeface="Arial" panose="020B0604020202020204" pitchFamily="34" charset="0"/>
+              <a:buChar char="•"/>
+            </a:pPr>
+            <a:r>
+              <a:rPr lang="en-GB" sz="1600" b="0" i="0" u="none" strike="noStrike" dirty="0">
+                <a:solidFill>
+                  <a:srgbClr val="000000"/>
+                </a:solidFill>
+                <a:effectLst/>
+              </a:rPr>
+              <a:t>The entropy term in the objective encourages exploration and avoids premature convergence</a:t>
+            </a:r>
+          </a:p>
+          <a:p>
+            <a:pPr marL="0" indent="0" algn="l">
+              <a:buNone/>
+            </a:pPr>
+            <a:endParaRPr lang="en-GB" sz="1600" b="0" i="0" u="none" strike="noStrike" dirty="0">
+              <a:solidFill>
+                <a:srgbClr val="000000"/>
+              </a:solidFill>
+              <a:effectLst/>
+            </a:endParaRPr>
+          </a:p>
+          <a:p>
+            <a:pPr marL="0" indent="0" algn="l">
+              <a:buNone/>
+            </a:pPr>
+            <a:r>
+              <a:rPr lang="en-GB" sz="1600" b="1" i="0" u="none" strike="noStrike" dirty="0">
+                <a:solidFill>
+                  <a:srgbClr val="000000"/>
+                </a:solidFill>
+                <a:effectLst/>
+              </a:rPr>
+              <a:t>Why SAC?</a:t>
+            </a:r>
+          </a:p>
+          <a:p>
+            <a:r>
+              <a:rPr lang="en-GB" sz="1600" b="0" i="0" u="none" strike="noStrike" dirty="0">
+                <a:solidFill>
+                  <a:srgbClr val="000000"/>
+                </a:solidFill>
+                <a:effectLst/>
+              </a:rPr>
+              <a:t>Stable</a:t>
+            </a:r>
+          </a:p>
+          <a:p>
+            <a:r>
+              <a:rPr lang="en-GB" sz="1600" b="0" i="0" u="none" strike="noStrike" dirty="0">
+                <a:solidFill>
+                  <a:srgbClr val="000000"/>
+                </a:solidFill>
+                <a:effectLst/>
+              </a:rPr>
+              <a:t>Sample-efficient</a:t>
+            </a:r>
+          </a:p>
+          <a:p>
+            <a:r>
+              <a:rPr lang="en-GB" sz="1600" b="0" i="0" u="none" strike="noStrike" dirty="0">
+                <a:solidFill>
+                  <a:srgbClr val="000000"/>
+                </a:solidFill>
+                <a:effectLst/>
+              </a:rPr>
+              <a:t>Works well even in complex, continuous environments</a:t>
+            </a:r>
+          </a:p>
+          <a:p>
+            <a:pPr marL="0" indent="0">
+              <a:buNone/>
+            </a:pPr>
+            <a:endParaRPr lang="en-US" sz="1600" dirty="0"/>
+          </a:p>
+        </p:txBody>
+      </p:sp>
+    </p:spTree>
+    <p:extLst>
+      <p:ext uri="{BB962C8B-B14F-4D97-AF65-F5344CB8AC3E}">
+        <p14:creationId xmlns:p14="http://schemas.microsoft.com/office/powerpoint/2010/main" val="795795365"/>
+      </p:ext>
+    </p:extLst>
+  </p:cSld>
+  <p:clrMapOvr>
+    <a:masterClrMapping/>
+  </p:clrMapOvr>
+</p:sld>
+</file>
+
+<file path=ppt/slides/slide30.xml><?xml version="1.0" encoding="utf-8"?>
 <p:sld xmlns:a="http://schemas.openxmlformats.org/drawingml/2006/main" xmlns:r="http://schemas.openxmlformats.org/officeDocument/2006/relationships" xmlns:p="http://schemas.openxmlformats.org/presentationml/2006/main">
   <p:cSld>
     <p:spTree>
@@ -9709,7 +14629,7 @@
 </p:sld>
 </file>
 
-<file path=ppt/slides/slide28.xml><?xml version="1.0" encoding="utf-8"?>
+<file path=ppt/slides/slide31.xml><?xml version="1.0" encoding="utf-8"?>
 <p:sld xmlns:a="http://schemas.openxmlformats.org/drawingml/2006/main" xmlns:r="http://schemas.openxmlformats.org/officeDocument/2006/relationships" xmlns:p="http://schemas.openxmlformats.org/presentationml/2006/main">
   <p:cSld>
     <p:spTree>
@@ -9993,7 +14913,7 @@
 </p:sld>
 </file>
 
-<file path=ppt/slides/slide29.xml><?xml version="1.0" encoding="utf-8"?>
+<file path=ppt/slides/slide32.xml><?xml version="1.0" encoding="utf-8"?>
 <p:sld xmlns:a="http://schemas.openxmlformats.org/drawingml/2006/main" xmlns:r="http://schemas.openxmlformats.org/officeDocument/2006/relationships" xmlns:p="http://schemas.openxmlformats.org/presentationml/2006/main">
   <p:cSld>
     <p:spTree>
@@ -10321,311 +15241,7 @@
 </p:sld>
 </file>
 
-<file path=ppt/slides/slide3.xml><?xml version="1.0" encoding="utf-8"?>
-<p:sld xmlns:a="http://schemas.openxmlformats.org/drawingml/2006/main" xmlns:r="http://schemas.openxmlformats.org/officeDocument/2006/relationships" xmlns:p="http://schemas.openxmlformats.org/presentationml/2006/main">
-  <p:cSld>
-    <p:spTree>
-      <p:nvGrpSpPr>
-        <p:cNvPr id="1" name=""/>
-        <p:cNvGrpSpPr/>
-        <p:nvPr/>
-      </p:nvGrpSpPr>
-      <p:grpSpPr>
-        <a:xfrm>
-          <a:off x="0" y="0"/>
-          <a:ext cx="0" cy="0"/>
-          <a:chOff x="0" y="0"/>
-          <a:chExt cx="0" cy="0"/>
-        </a:xfrm>
-      </p:grpSpPr>
-      <p:sp>
-        <p:nvSpPr>
-          <p:cNvPr id="2" name="Title 1">
-            <a:extLst>
-              <a:ext uri="{FF2B5EF4-FFF2-40B4-BE49-F238E27FC236}">
-                <a16:creationId xmlns:a16="http://schemas.microsoft.com/office/drawing/2014/main" id="{86085E1E-CE86-1F68-B485-FFA624AB3AE8}"/>
-              </a:ext>
-            </a:extLst>
-          </p:cNvPr>
-          <p:cNvSpPr>
-            <a:spLocks noGrp="1"/>
-          </p:cNvSpPr>
-          <p:nvPr>
-            <p:ph type="title"/>
-          </p:nvPr>
-        </p:nvSpPr>
-        <p:spPr>
-          <a:xfrm>
-            <a:off x="640078" y="1213556"/>
-            <a:ext cx="10890929" cy="923205"/>
-          </a:xfrm>
-        </p:spPr>
-        <p:txBody>
-          <a:bodyPr/>
-          <a:lstStyle/>
-          <a:p>
-            <a:r>
-              <a:rPr lang="en-GB" b="0" i="0" u="none" strike="noStrike" dirty="0">
-                <a:solidFill>
-                  <a:srgbClr val="000000"/>
-                </a:solidFill>
-                <a:effectLst/>
-                <a:latin typeface="-webkit-standard"/>
-              </a:rPr>
-              <a:t>SAC (Soft Actor-Critic)</a:t>
-            </a:r>
-            <a:endParaRPr lang="en-US" dirty="0"/>
-          </a:p>
-        </p:txBody>
-      </p:sp>
-      <p:sp>
-        <p:nvSpPr>
-          <p:cNvPr id="3" name="Content Placeholder 2">
-            <a:extLst>
-              <a:ext uri="{FF2B5EF4-FFF2-40B4-BE49-F238E27FC236}">
-                <a16:creationId xmlns:a16="http://schemas.microsoft.com/office/drawing/2014/main" id="{A14756F3-6964-CC08-BAFF-E151EFA83286}"/>
-              </a:ext>
-            </a:extLst>
-          </p:cNvPr>
-          <p:cNvSpPr>
-            <a:spLocks noGrp="1"/>
-          </p:cNvSpPr>
-          <p:nvPr>
-            <p:ph idx="1"/>
-          </p:nvPr>
-        </p:nvSpPr>
-        <p:spPr>
-          <a:xfrm>
-            <a:off x="640079" y="2136760"/>
-            <a:ext cx="10890928" cy="4015683"/>
-          </a:xfrm>
-        </p:spPr>
-        <p:txBody>
-          <a:bodyPr>
-            <a:noAutofit/>
-          </a:bodyPr>
-          <a:lstStyle/>
-          <a:p>
-            <a:pPr algn="l"/>
-            <a:r>
-              <a:rPr lang="en-GB" sz="1600" b="0" i="0" u="none" strike="noStrike" dirty="0">
-                <a:solidFill>
-                  <a:srgbClr val="000000"/>
-                </a:solidFill>
-                <a:effectLst/>
-              </a:rPr>
-              <a:t>SAC is a modern RL algorithm designed for </a:t>
-            </a:r>
-            <a:r>
-              <a:rPr lang="en-GB" sz="1600" b="1" i="0" u="none" strike="noStrike" dirty="0">
-                <a:solidFill>
-                  <a:srgbClr val="000000"/>
-                </a:solidFill>
-                <a:effectLst/>
-              </a:rPr>
-              <a:t>continuous action spaces</a:t>
-            </a:r>
-            <a:r>
-              <a:rPr lang="en-GB" sz="1600" b="0" i="0" u="none" strike="noStrike" dirty="0">
-                <a:solidFill>
-                  <a:srgbClr val="000000"/>
-                </a:solidFill>
-                <a:effectLst/>
-              </a:rPr>
-              <a:t>.</a:t>
-            </a:r>
-          </a:p>
-          <a:p>
-            <a:pPr algn="l">
-              <a:buFont typeface="Arial" panose="020B0604020202020204" pitchFamily="34" charset="0"/>
-              <a:buChar char="•"/>
-            </a:pPr>
-            <a:r>
-              <a:rPr lang="en-GB" sz="1600" b="0" i="0" u="none" strike="noStrike" dirty="0">
-                <a:solidFill>
-                  <a:srgbClr val="000000"/>
-                </a:solidFill>
-                <a:effectLst/>
-              </a:rPr>
-              <a:t>It uses both </a:t>
-            </a:r>
-            <a:r>
-              <a:rPr lang="en-GB" sz="1600" b="1" i="0" u="none" strike="noStrike" dirty="0">
-                <a:solidFill>
-                  <a:srgbClr val="000000"/>
-                </a:solidFill>
-                <a:effectLst/>
-              </a:rPr>
-              <a:t>actor–critic architecture</a:t>
-            </a:r>
-            <a:r>
-              <a:rPr lang="en-GB" sz="1600" b="0" i="0" u="none" strike="noStrike" dirty="0">
-                <a:solidFill>
-                  <a:srgbClr val="000000"/>
-                </a:solidFill>
-                <a:effectLst/>
-              </a:rPr>
-              <a:t> and </a:t>
-            </a:r>
-            <a:r>
-              <a:rPr lang="en-GB" sz="1600" b="1" i="0" u="none" strike="noStrike" dirty="0">
-                <a:solidFill>
-                  <a:srgbClr val="000000"/>
-                </a:solidFill>
-                <a:effectLst/>
-              </a:rPr>
-              <a:t>entropy regularization</a:t>
-            </a:r>
-            <a:endParaRPr lang="en-GB" sz="1600" b="0" i="0" u="none" strike="noStrike" dirty="0">
-              <a:solidFill>
-                <a:srgbClr val="000000"/>
-              </a:solidFill>
-              <a:effectLst/>
-            </a:endParaRPr>
-          </a:p>
-          <a:p>
-            <a:pPr algn="l">
-              <a:buFont typeface="Arial" panose="020B0604020202020204" pitchFamily="34" charset="0"/>
-              <a:buChar char="•"/>
-            </a:pPr>
-            <a:r>
-              <a:rPr lang="en-GB" sz="1600" b="0" i="0" u="none" strike="noStrike" dirty="0">
-                <a:solidFill>
-                  <a:srgbClr val="000000"/>
-                </a:solidFill>
-                <a:effectLst/>
-              </a:rPr>
-              <a:t>The actor learns a </a:t>
-            </a:r>
-            <a:r>
-              <a:rPr lang="en-GB" sz="1600" b="1" i="0" u="none" strike="noStrike" dirty="0">
-                <a:solidFill>
-                  <a:srgbClr val="000000"/>
-                </a:solidFill>
-                <a:effectLst/>
-              </a:rPr>
-              <a:t>stochastic policy</a:t>
-            </a:r>
-            <a:r>
-              <a:rPr lang="en-GB" sz="1600" b="0" i="0" u="none" strike="noStrike" dirty="0">
-                <a:solidFill>
-                  <a:srgbClr val="000000"/>
-                </a:solidFill>
-                <a:effectLst/>
-              </a:rPr>
-              <a:t> (samples actions from a Gaussian)</a:t>
-            </a:r>
-          </a:p>
-          <a:p>
-            <a:pPr algn="l">
-              <a:buFont typeface="Arial" panose="020B0604020202020204" pitchFamily="34" charset="0"/>
-              <a:buChar char="•"/>
-            </a:pPr>
-            <a:r>
-              <a:rPr lang="en-GB" sz="1600" b="0" i="0" u="none" strike="noStrike" dirty="0">
-                <a:solidFill>
-                  <a:srgbClr val="000000"/>
-                </a:solidFill>
-                <a:effectLst/>
-              </a:rPr>
-              <a:t>Two critics estimate how good actions are (Q-values)</a:t>
-            </a:r>
-          </a:p>
-          <a:p>
-            <a:pPr algn="l">
-              <a:buFont typeface="Arial" panose="020B0604020202020204" pitchFamily="34" charset="0"/>
-              <a:buChar char="•"/>
-            </a:pPr>
-            <a:r>
-              <a:rPr lang="en-GB" sz="1600" b="0" i="0" u="none" strike="noStrike" dirty="0">
-                <a:solidFill>
-                  <a:srgbClr val="000000"/>
-                </a:solidFill>
-                <a:effectLst/>
-              </a:rPr>
-              <a:t>The entropy term in the objective encourages exploration and avoids premature convergence</a:t>
-            </a:r>
-          </a:p>
-          <a:p>
-            <a:pPr marL="0" indent="0" algn="l">
-              <a:buNone/>
-            </a:pPr>
-            <a:endParaRPr lang="en-GB" sz="1600" b="0" i="0" u="none" strike="noStrike" dirty="0">
-              <a:solidFill>
-                <a:srgbClr val="000000"/>
-              </a:solidFill>
-              <a:effectLst/>
-            </a:endParaRPr>
-          </a:p>
-          <a:p>
-            <a:pPr marL="0" indent="0" algn="l">
-              <a:buNone/>
-            </a:pPr>
-            <a:r>
-              <a:rPr lang="en-GB" sz="1600" b="1" i="0" u="none" strike="noStrike" dirty="0">
-                <a:solidFill>
-                  <a:srgbClr val="000000"/>
-                </a:solidFill>
-                <a:effectLst/>
-              </a:rPr>
-              <a:t>Why SAC?</a:t>
-            </a:r>
-          </a:p>
-          <a:p>
-            <a:r>
-              <a:rPr lang="en-GB" sz="1600" b="0" i="0" u="none" strike="noStrike" dirty="0">
-                <a:solidFill>
-                  <a:srgbClr val="000000"/>
-                </a:solidFill>
-                <a:effectLst/>
-              </a:rPr>
-              <a:t>Stable</a:t>
-            </a:r>
-          </a:p>
-          <a:p>
-            <a:r>
-              <a:rPr lang="en-GB" sz="1600" b="0" i="0" u="none" strike="noStrike" dirty="0">
-                <a:solidFill>
-                  <a:srgbClr val="000000"/>
-                </a:solidFill>
-                <a:effectLst/>
-              </a:rPr>
-              <a:t>Sample-efficient</a:t>
-            </a:r>
-          </a:p>
-          <a:p>
-            <a:r>
-              <a:rPr lang="en-GB" sz="1600" b="0" i="0" u="none" strike="noStrike" dirty="0">
-                <a:solidFill>
-                  <a:srgbClr val="000000"/>
-                </a:solidFill>
-                <a:effectLst/>
-              </a:rPr>
-              <a:t>Works well even in complex, continuous environments</a:t>
-            </a:r>
-          </a:p>
-          <a:p>
-            <a:pPr marL="0" indent="0">
-              <a:buNone/>
-            </a:pPr>
-            <a:endParaRPr lang="en-US" sz="1600" dirty="0"/>
-          </a:p>
-        </p:txBody>
-      </p:sp>
-    </p:spTree>
-    <p:extLst>
-      <p:ext uri="{BB962C8B-B14F-4D97-AF65-F5344CB8AC3E}">
-        <p14:creationId xmlns:p14="http://schemas.microsoft.com/office/powerpoint/2010/main" val="795795365"/>
-      </p:ext>
-    </p:extLst>
-  </p:cSld>
-  <p:clrMapOvr>
-    <a:masterClrMapping/>
-  </p:clrMapOvr>
-</p:sld>
-</file>
-
-<file path=ppt/slides/slide30.xml><?xml version="1.0" encoding="utf-8"?>
+<file path=ppt/slides/slide33.xml><?xml version="1.0" encoding="utf-8"?>
 <p:sld xmlns:a="http://schemas.openxmlformats.org/drawingml/2006/main" xmlns:r="http://schemas.openxmlformats.org/officeDocument/2006/relationships" xmlns:p="http://schemas.openxmlformats.org/presentationml/2006/main">
   <p:cSld>
     <p:spTree>
